--- a/HTML and CSS.pptx
+++ b/HTML and CSS.pptx
@@ -5,7 +5,7 @@
     <p:sldMasterId id="2147483696" r:id="rId1"/>
   </p:sldMasterIdLst>
   <p:notesMasterIdLst>
-    <p:notesMasterId r:id="rId11"/>
+    <p:notesMasterId r:id="rId16"/>
   </p:notesMasterIdLst>
   <p:sldIdLst>
     <p:sldId id="256" r:id="rId2"/>
@@ -15,8 +15,13 @@
     <p:sldId id="261" r:id="rId6"/>
     <p:sldId id="263" r:id="rId7"/>
     <p:sldId id="265" r:id="rId8"/>
-    <p:sldId id="264" r:id="rId9"/>
-    <p:sldId id="262" r:id="rId10"/>
+    <p:sldId id="266" r:id="rId9"/>
+    <p:sldId id="267" r:id="rId10"/>
+    <p:sldId id="268" r:id="rId11"/>
+    <p:sldId id="269" r:id="rId12"/>
+    <p:sldId id="270" r:id="rId13"/>
+    <p:sldId id="264" r:id="rId14"/>
+    <p:sldId id="262" r:id="rId15"/>
   </p:sldIdLst>
   <p:sldSz cx="12192000" cy="6858000"/>
   <p:notesSz cx="6858000" cy="9144000"/>
@@ -21116,6 +21121,601 @@
 </p:sld>
 </file>
 
+<file path=ppt/slides/slide10.xml><?xml version="1.0" encoding="utf-8"?>
+<p:sld xmlns:a="http://schemas.openxmlformats.org/drawingml/2006/main" xmlns:r="http://schemas.openxmlformats.org/officeDocument/2006/relationships" xmlns:p="http://schemas.openxmlformats.org/presentationml/2006/main">
+  <p:cSld>
+    <p:spTree>
+      <p:nvGrpSpPr>
+        <p:cNvPr id="1" name=""/>
+        <p:cNvGrpSpPr/>
+        <p:nvPr/>
+      </p:nvGrpSpPr>
+      <p:grpSpPr>
+        <a:xfrm>
+          <a:off x="0" y="0"/>
+          <a:ext cx="0" cy="0"/>
+          <a:chOff x="0" y="0"/>
+          <a:chExt cx="0" cy="0"/>
+        </a:xfrm>
+      </p:grpSpPr>
+      <p:sp>
+        <p:nvSpPr>
+          <p:cNvPr id="2" name="Title 1">
+            <a:extLst>
+              <a:ext uri="{FF2B5EF4-FFF2-40B4-BE49-F238E27FC236}">
+                <a16:creationId xmlns:a16="http://schemas.microsoft.com/office/drawing/2014/main" id="{3A72BD35-4DF7-4158-BD3A-9659B1AA894D}"/>
+              </a:ext>
+            </a:extLst>
+          </p:cNvPr>
+          <p:cNvSpPr>
+            <a:spLocks noGrp="1"/>
+          </p:cNvSpPr>
+          <p:nvPr>
+            <p:ph type="title"/>
+          </p:nvPr>
+        </p:nvSpPr>
+        <p:spPr/>
+        <p:txBody>
+          <a:bodyPr/>
+          <a:lstStyle/>
+          <a:p>
+            <a:r>
+              <a:rPr lang="en-CA" dirty="0"/>
+              <a:t>Lots of tags</a:t>
+            </a:r>
+          </a:p>
+        </p:txBody>
+      </p:sp>
+      <p:sp>
+        <p:nvSpPr>
+          <p:cNvPr id="3" name="Content Placeholder 2">
+            <a:extLst>
+              <a:ext uri="{FF2B5EF4-FFF2-40B4-BE49-F238E27FC236}">
+                <a16:creationId xmlns:a16="http://schemas.microsoft.com/office/drawing/2014/main" id="{BF6FFCAD-03F2-41DE-AFF1-CD68A87FF74E}"/>
+              </a:ext>
+            </a:extLst>
+          </p:cNvPr>
+          <p:cNvSpPr>
+            <a:spLocks noGrp="1"/>
+          </p:cNvSpPr>
+          <p:nvPr>
+            <p:ph idx="1"/>
+          </p:nvPr>
+        </p:nvSpPr>
+        <p:spPr/>
+        <p:txBody>
+          <a:bodyPr/>
+          <a:lstStyle/>
+          <a:p>
+            <a:r>
+              <a:rPr lang="en-CA" dirty="0">
+                <a:hlinkClick r:id="rId2"/>
+              </a:rPr>
+              <a:t>https://www.w3schools.com/tags/default.asp</a:t>
+            </a:r>
+            <a:endParaRPr lang="en-CA" dirty="0"/>
+          </a:p>
+          <a:p>
+            <a:endParaRPr lang="en-CA" dirty="0"/>
+          </a:p>
+          <a:p>
+            <a:endParaRPr lang="en-CA" dirty="0"/>
+          </a:p>
+        </p:txBody>
+      </p:sp>
+    </p:spTree>
+    <p:extLst>
+      <p:ext uri="{BB962C8B-B14F-4D97-AF65-F5344CB8AC3E}">
+        <p14:creationId xmlns:p14="http://schemas.microsoft.com/office/powerpoint/2010/main" val="2010379828"/>
+      </p:ext>
+    </p:extLst>
+  </p:cSld>
+  <p:clrMapOvr>
+    <a:masterClrMapping/>
+  </p:clrMapOvr>
+</p:sld>
+</file>
+
+<file path=ppt/slides/slide11.xml><?xml version="1.0" encoding="utf-8"?>
+<p:sld xmlns:a="http://schemas.openxmlformats.org/drawingml/2006/main" xmlns:r="http://schemas.openxmlformats.org/officeDocument/2006/relationships" xmlns:p="http://schemas.openxmlformats.org/presentationml/2006/main">
+  <p:cSld>
+    <p:spTree>
+      <p:nvGrpSpPr>
+        <p:cNvPr id="1" name=""/>
+        <p:cNvGrpSpPr/>
+        <p:nvPr/>
+      </p:nvGrpSpPr>
+      <p:grpSpPr>
+        <a:xfrm>
+          <a:off x="0" y="0"/>
+          <a:ext cx="0" cy="0"/>
+          <a:chOff x="0" y="0"/>
+          <a:chExt cx="0" cy="0"/>
+        </a:xfrm>
+      </p:grpSpPr>
+      <p:sp>
+        <p:nvSpPr>
+          <p:cNvPr id="2" name="Title 1">
+            <a:extLst>
+              <a:ext uri="{FF2B5EF4-FFF2-40B4-BE49-F238E27FC236}">
+                <a16:creationId xmlns:a16="http://schemas.microsoft.com/office/drawing/2014/main" id="{6B5629DE-CBD0-49BD-8EEC-B3A5C4829C7F}"/>
+              </a:ext>
+            </a:extLst>
+          </p:cNvPr>
+          <p:cNvSpPr>
+            <a:spLocks noGrp="1"/>
+          </p:cNvSpPr>
+          <p:nvPr>
+            <p:ph type="title"/>
+          </p:nvPr>
+        </p:nvSpPr>
+        <p:spPr/>
+        <p:txBody>
+          <a:bodyPr/>
+          <a:lstStyle/>
+          <a:p>
+            <a:r>
+              <a:rPr lang="en-CA" dirty="0"/>
+              <a:t>Lets try some!</a:t>
+            </a:r>
+          </a:p>
+        </p:txBody>
+      </p:sp>
+      <p:sp>
+        <p:nvSpPr>
+          <p:cNvPr id="3" name="Content Placeholder 2">
+            <a:extLst>
+              <a:ext uri="{FF2B5EF4-FFF2-40B4-BE49-F238E27FC236}">
+                <a16:creationId xmlns:a16="http://schemas.microsoft.com/office/drawing/2014/main" id="{CA9E5B93-C02D-4F23-AAD7-ABB165E55E90}"/>
+              </a:ext>
+            </a:extLst>
+          </p:cNvPr>
+          <p:cNvSpPr>
+            <a:spLocks noGrp="1"/>
+          </p:cNvSpPr>
+          <p:nvPr>
+            <p:ph idx="1"/>
+          </p:nvPr>
+        </p:nvSpPr>
+        <p:spPr/>
+        <p:txBody>
+          <a:bodyPr/>
+          <a:lstStyle/>
+          <a:p>
+            <a:pPr marL="457200" indent="-457200">
+              <a:buFont typeface="+mj-lt"/>
+              <a:buAutoNum type="arabicPeriod"/>
+            </a:pPr>
+            <a:r>
+              <a:rPr lang="en-CA" dirty="0"/>
+              <a:t>Make a document with an h1, two h2s and two p tags</a:t>
+            </a:r>
+          </a:p>
+          <a:p>
+            <a:pPr marL="457200" indent="-457200">
+              <a:buFont typeface="+mj-lt"/>
+              <a:buAutoNum type="arabicPeriod"/>
+            </a:pPr>
+            <a:endParaRPr lang="en-CA" dirty="0"/>
+          </a:p>
+          <a:p>
+            <a:pPr marL="457200" indent="-457200">
+              <a:buFont typeface="+mj-lt"/>
+              <a:buAutoNum type="arabicPeriod"/>
+            </a:pPr>
+            <a:r>
+              <a:rPr lang="en-CA" dirty="0"/>
+              <a:t>Add an </a:t>
+            </a:r>
+            <a:r>
+              <a:rPr lang="en-CA" dirty="0" err="1"/>
+              <a:t>img</a:t>
+            </a:r>
+            <a:r>
+              <a:rPr lang="en-CA" dirty="0"/>
+              <a:t> tag and an “a” tag</a:t>
+            </a:r>
+          </a:p>
+          <a:p>
+            <a:pPr marL="457200" indent="-457200">
+              <a:buFont typeface="+mj-lt"/>
+              <a:buAutoNum type="arabicPeriod"/>
+            </a:pPr>
+            <a:endParaRPr lang="en-CA" dirty="0"/>
+          </a:p>
+          <a:p>
+            <a:pPr marL="457200" indent="-457200">
+              <a:buFont typeface="+mj-lt"/>
+              <a:buAutoNum type="arabicPeriod"/>
+            </a:pPr>
+            <a:r>
+              <a:rPr lang="en-CA" dirty="0"/>
+              <a:t>Add a list with three elements</a:t>
+            </a:r>
+          </a:p>
+        </p:txBody>
+      </p:sp>
+    </p:spTree>
+    <p:extLst>
+      <p:ext uri="{BB962C8B-B14F-4D97-AF65-F5344CB8AC3E}">
+        <p14:creationId xmlns:p14="http://schemas.microsoft.com/office/powerpoint/2010/main" val="940949279"/>
+      </p:ext>
+    </p:extLst>
+  </p:cSld>
+  <p:clrMapOvr>
+    <a:masterClrMapping/>
+  </p:clrMapOvr>
+</p:sld>
+</file>
+
+<file path=ppt/slides/slide12.xml><?xml version="1.0" encoding="utf-8"?>
+<p:sld xmlns:a="http://schemas.openxmlformats.org/drawingml/2006/main" xmlns:r="http://schemas.openxmlformats.org/officeDocument/2006/relationships" xmlns:p="http://schemas.openxmlformats.org/presentationml/2006/main">
+  <p:cSld>
+    <p:spTree>
+      <p:nvGrpSpPr>
+        <p:cNvPr id="1" name=""/>
+        <p:cNvGrpSpPr/>
+        <p:nvPr/>
+      </p:nvGrpSpPr>
+      <p:grpSpPr>
+        <a:xfrm>
+          <a:off x="0" y="0"/>
+          <a:ext cx="0" cy="0"/>
+          <a:chOff x="0" y="0"/>
+          <a:chExt cx="0" cy="0"/>
+        </a:xfrm>
+      </p:grpSpPr>
+      <p:sp>
+        <p:nvSpPr>
+          <p:cNvPr id="2" name="Title 1">
+            <a:extLst>
+              <a:ext uri="{FF2B5EF4-FFF2-40B4-BE49-F238E27FC236}">
+                <a16:creationId xmlns:a16="http://schemas.microsoft.com/office/drawing/2014/main" id="{C0842840-6C08-41BA-80C0-F3FDFFE9B86F}"/>
+              </a:ext>
+            </a:extLst>
+          </p:cNvPr>
+          <p:cNvSpPr>
+            <a:spLocks noGrp="1"/>
+          </p:cNvSpPr>
+          <p:nvPr>
+            <p:ph type="title"/>
+          </p:nvPr>
+        </p:nvSpPr>
+        <p:spPr/>
+        <p:txBody>
+          <a:bodyPr/>
+          <a:lstStyle/>
+          <a:p>
+            <a:r>
+              <a:rPr lang="en-CA" dirty="0"/>
+              <a:t>Looks a bit ugly though</a:t>
+            </a:r>
+          </a:p>
+        </p:txBody>
+      </p:sp>
+      <p:sp>
+        <p:nvSpPr>
+          <p:cNvPr id="3" name="Content Placeholder 2">
+            <a:extLst>
+              <a:ext uri="{FF2B5EF4-FFF2-40B4-BE49-F238E27FC236}">
+                <a16:creationId xmlns:a16="http://schemas.microsoft.com/office/drawing/2014/main" id="{422EA81C-5C92-421F-AE96-1E8E1F12FDD1}"/>
+              </a:ext>
+            </a:extLst>
+          </p:cNvPr>
+          <p:cNvSpPr>
+            <a:spLocks noGrp="1"/>
+          </p:cNvSpPr>
+          <p:nvPr>
+            <p:ph idx="1"/>
+          </p:nvPr>
+        </p:nvSpPr>
+        <p:spPr/>
+        <p:txBody>
+          <a:bodyPr/>
+          <a:lstStyle/>
+          <a:p>
+            <a:endParaRPr lang="en-CA" dirty="0"/>
+          </a:p>
+        </p:txBody>
+      </p:sp>
+    </p:spTree>
+    <p:extLst>
+      <p:ext uri="{BB962C8B-B14F-4D97-AF65-F5344CB8AC3E}">
+        <p14:creationId xmlns:p14="http://schemas.microsoft.com/office/powerpoint/2010/main" val="2726472663"/>
+      </p:ext>
+    </p:extLst>
+  </p:cSld>
+  <p:clrMapOvr>
+    <a:masterClrMapping/>
+  </p:clrMapOvr>
+</p:sld>
+</file>
+
+<file path=ppt/slides/slide13.xml><?xml version="1.0" encoding="utf-8"?>
+<p:sld xmlns:a="http://schemas.openxmlformats.org/drawingml/2006/main" xmlns:r="http://schemas.openxmlformats.org/officeDocument/2006/relationships" xmlns:p="http://schemas.openxmlformats.org/presentationml/2006/main">
+  <p:cSld>
+    <p:spTree>
+      <p:nvGrpSpPr>
+        <p:cNvPr id="1" name=""/>
+        <p:cNvGrpSpPr/>
+        <p:nvPr/>
+      </p:nvGrpSpPr>
+      <p:grpSpPr>
+        <a:xfrm>
+          <a:off x="0" y="0"/>
+          <a:ext cx="0" cy="0"/>
+          <a:chOff x="0" y="0"/>
+          <a:chExt cx="0" cy="0"/>
+        </a:xfrm>
+      </p:grpSpPr>
+      <p:sp>
+        <p:nvSpPr>
+          <p:cNvPr id="2" name="Title 1">
+            <a:extLst>
+              <a:ext uri="{FF2B5EF4-FFF2-40B4-BE49-F238E27FC236}">
+                <a16:creationId xmlns:a16="http://schemas.microsoft.com/office/drawing/2014/main" id="{43E212B3-2957-497F-9E21-81FCA6A79EC2}"/>
+              </a:ext>
+            </a:extLst>
+          </p:cNvPr>
+          <p:cNvSpPr>
+            <a:spLocks noGrp="1"/>
+          </p:cNvSpPr>
+          <p:nvPr>
+            <p:ph type="title"/>
+          </p:nvPr>
+        </p:nvSpPr>
+        <p:spPr/>
+        <p:txBody>
+          <a:bodyPr/>
+          <a:lstStyle/>
+          <a:p>
+            <a:r>
+              <a:rPr lang="en-CA" dirty="0"/>
+              <a:t>CSS</a:t>
+            </a:r>
+          </a:p>
+        </p:txBody>
+      </p:sp>
+      <p:sp>
+        <p:nvSpPr>
+          <p:cNvPr id="3" name="Content Placeholder 2">
+            <a:extLst>
+              <a:ext uri="{FF2B5EF4-FFF2-40B4-BE49-F238E27FC236}">
+                <a16:creationId xmlns:a16="http://schemas.microsoft.com/office/drawing/2014/main" id="{0744AE8C-13F4-477E-8087-75DC9A24CA23}"/>
+              </a:ext>
+            </a:extLst>
+          </p:cNvPr>
+          <p:cNvSpPr>
+            <a:spLocks noGrp="1"/>
+          </p:cNvSpPr>
+          <p:nvPr>
+            <p:ph idx="1"/>
+          </p:nvPr>
+        </p:nvSpPr>
+        <p:spPr/>
+        <p:txBody>
+          <a:bodyPr/>
+          <a:lstStyle/>
+          <a:p>
+            <a:pPr marL="0" indent="0">
+              <a:buNone/>
+            </a:pPr>
+            <a:r>
+              <a:rPr lang="en-CA" dirty="0"/>
+              <a:t>Selector {</a:t>
+            </a:r>
+          </a:p>
+          <a:p>
+            <a:pPr marL="0" indent="0">
+              <a:buNone/>
+            </a:pPr>
+            <a:r>
+              <a:rPr lang="en-CA" dirty="0"/>
+              <a:t>    Property_1: Value;</a:t>
+            </a:r>
+          </a:p>
+          <a:p>
+            <a:pPr marL="0" indent="0">
+              <a:buNone/>
+            </a:pPr>
+            <a:r>
+              <a:rPr lang="en-CA" dirty="0"/>
+              <a:t>    Property_2: Value;</a:t>
+            </a:r>
+          </a:p>
+          <a:p>
+            <a:pPr marL="0" indent="0">
+              <a:buNone/>
+            </a:pPr>
+            <a:r>
+              <a:rPr lang="en-CA" dirty="0"/>
+              <a:t>}</a:t>
+            </a:r>
+          </a:p>
+        </p:txBody>
+      </p:sp>
+    </p:spTree>
+    <p:extLst>
+      <p:ext uri="{BB962C8B-B14F-4D97-AF65-F5344CB8AC3E}">
+        <p14:creationId xmlns:p14="http://schemas.microsoft.com/office/powerpoint/2010/main" val="1969230105"/>
+      </p:ext>
+    </p:extLst>
+  </p:cSld>
+  <p:clrMapOvr>
+    <a:masterClrMapping/>
+  </p:clrMapOvr>
+</p:sld>
+</file>
+
+<file path=ppt/slides/slide14.xml><?xml version="1.0" encoding="utf-8"?>
+<p:sld xmlns:a="http://schemas.openxmlformats.org/drawingml/2006/main" xmlns:r="http://schemas.openxmlformats.org/officeDocument/2006/relationships" xmlns:p="http://schemas.openxmlformats.org/presentationml/2006/main">
+  <p:cSld>
+    <p:spTree>
+      <p:nvGrpSpPr>
+        <p:cNvPr id="1" name=""/>
+        <p:cNvGrpSpPr/>
+        <p:nvPr/>
+      </p:nvGrpSpPr>
+      <p:grpSpPr>
+        <a:xfrm>
+          <a:off x="0" y="0"/>
+          <a:ext cx="0" cy="0"/>
+          <a:chOff x="0" y="0"/>
+          <a:chExt cx="0" cy="0"/>
+        </a:xfrm>
+      </p:grpSpPr>
+      <p:sp>
+        <p:nvSpPr>
+          <p:cNvPr id="2" name="Title 1">
+            <a:extLst>
+              <a:ext uri="{FF2B5EF4-FFF2-40B4-BE49-F238E27FC236}">
+                <a16:creationId xmlns:a16="http://schemas.microsoft.com/office/drawing/2014/main" id="{EA9178DB-FF5A-4DEA-8081-A89999BAC8DE}"/>
+              </a:ext>
+            </a:extLst>
+          </p:cNvPr>
+          <p:cNvSpPr>
+            <a:spLocks noGrp="1"/>
+          </p:cNvSpPr>
+          <p:nvPr>
+            <p:ph type="title"/>
+          </p:nvPr>
+        </p:nvSpPr>
+        <p:spPr/>
+        <p:txBody>
+          <a:bodyPr/>
+          <a:lstStyle/>
+          <a:p>
+            <a:r>
+              <a:rPr lang="en-CA" dirty="0"/>
+              <a:t>Resources</a:t>
+            </a:r>
+          </a:p>
+        </p:txBody>
+      </p:sp>
+      <p:sp>
+        <p:nvSpPr>
+          <p:cNvPr id="3" name="Content Placeholder 2">
+            <a:extLst>
+              <a:ext uri="{FF2B5EF4-FFF2-40B4-BE49-F238E27FC236}">
+                <a16:creationId xmlns:a16="http://schemas.microsoft.com/office/drawing/2014/main" id="{75D53DAC-EF41-4B8C-813B-86A5CF29B80D}"/>
+              </a:ext>
+            </a:extLst>
+          </p:cNvPr>
+          <p:cNvSpPr>
+            <a:spLocks noGrp="1"/>
+          </p:cNvSpPr>
+          <p:nvPr>
+            <p:ph idx="1"/>
+          </p:nvPr>
+        </p:nvSpPr>
+        <p:spPr/>
+        <p:txBody>
+          <a:bodyPr>
+            <a:normAutofit lnSpcReduction="10000"/>
+          </a:bodyPr>
+          <a:lstStyle/>
+          <a:p>
+            <a:r>
+              <a:rPr lang="en-CA" dirty="0">
+                <a:hlinkClick r:id="rId2"/>
+              </a:rPr>
+              <a:t>https://www.w3schools.com/</a:t>
+            </a:r>
+            <a:endParaRPr lang="en-CA" dirty="0"/>
+          </a:p>
+          <a:p>
+            <a:pPr lvl="1"/>
+            <a:r>
+              <a:rPr lang="en-CA" dirty="0"/>
+              <a:t>Tutorials, extensive references (documentation)</a:t>
+            </a:r>
+          </a:p>
+          <a:p>
+            <a:pPr lvl="1"/>
+            <a:r>
+              <a:rPr lang="en-CA" dirty="0"/>
+              <a:t>If you learned a tenth of what’s here you’re hireable at Google</a:t>
+            </a:r>
+          </a:p>
+          <a:p>
+            <a:endParaRPr lang="en-CA" dirty="0"/>
+          </a:p>
+          <a:p>
+            <a:r>
+              <a:rPr lang="en-CA" dirty="0">
+                <a:hlinkClick r:id="rId3"/>
+              </a:rPr>
+              <a:t>https://stackoverflow.com</a:t>
+            </a:r>
+            <a:endParaRPr lang="en-CA" dirty="0"/>
+          </a:p>
+          <a:p>
+            <a:pPr lvl="1"/>
+            <a:r>
+              <a:rPr lang="en-CA" dirty="0"/>
+              <a:t>The #1 programing questions and answers website</a:t>
+            </a:r>
+          </a:p>
+          <a:p>
+            <a:pPr lvl="1"/>
+            <a:r>
+              <a:rPr lang="en-CA" dirty="0"/>
+              <a:t>Be careful about asking questions, it’s more useful to see previously answered questions (Yours probably isn’t new)</a:t>
+            </a:r>
+          </a:p>
+          <a:p>
+            <a:endParaRPr lang="en-CA" dirty="0"/>
+          </a:p>
+          <a:p>
+            <a:r>
+              <a:rPr lang="en-CA" dirty="0">
+                <a:hlinkClick r:id="rId4"/>
+              </a:rPr>
+              <a:t>https://developer.mozilla.org/en-US/</a:t>
+            </a:r>
+            <a:endParaRPr lang="en-CA" dirty="0"/>
+          </a:p>
+          <a:p>
+            <a:pPr lvl="1"/>
+            <a:r>
+              <a:rPr lang="en-CA" dirty="0"/>
+              <a:t>More tutorials, more references</a:t>
+            </a:r>
+          </a:p>
+          <a:p>
+            <a:endParaRPr lang="en-CA" dirty="0"/>
+          </a:p>
+          <a:p>
+            <a:pPr marL="128016" lvl="1" indent="0">
+              <a:buNone/>
+            </a:pPr>
+            <a:endParaRPr lang="en-CA" dirty="0"/>
+          </a:p>
+          <a:p>
+            <a:endParaRPr lang="en-CA" dirty="0"/>
+          </a:p>
+          <a:p>
+            <a:endParaRPr lang="en-CA" dirty="0"/>
+          </a:p>
+          <a:p>
+            <a:pPr lvl="1"/>
+            <a:endParaRPr lang="en-CA" dirty="0"/>
+          </a:p>
+        </p:txBody>
+      </p:sp>
+    </p:spTree>
+    <p:extLst>
+      <p:ext uri="{BB962C8B-B14F-4D97-AF65-F5344CB8AC3E}">
+        <p14:creationId xmlns:p14="http://schemas.microsoft.com/office/powerpoint/2010/main" val="1059028407"/>
+      </p:ext>
+    </p:extLst>
+  </p:cSld>
+  <p:clrMapOvr>
+    <a:masterClrMapping/>
+  </p:clrMapOvr>
+</p:sld>
+</file>
+
 <file path=ppt/slides/slide2.xml><?xml version="1.0" encoding="utf-8"?>
 <p:sld xmlns:a="http://schemas.openxmlformats.org/drawingml/2006/main" xmlns:r="http://schemas.openxmlformats.org/officeDocument/2006/relationships" xmlns:p="http://schemas.openxmlformats.org/presentationml/2006/main">
   <p:cSld>
@@ -22078,7 +22678,7 @@
           <p:cNvPr id="2" name="Title 1">
             <a:extLst>
               <a:ext uri="{FF2B5EF4-FFF2-40B4-BE49-F238E27FC236}">
-                <a16:creationId xmlns:a16="http://schemas.microsoft.com/office/drawing/2014/main" id="{43E212B3-2957-497F-9E21-81FCA6A79EC2}"/>
+                <a16:creationId xmlns:a16="http://schemas.microsoft.com/office/drawing/2014/main" id="{17948176-505B-4C97-9A00-9C35FD64976F}"/>
               </a:ext>
             </a:extLst>
           </p:cNvPr>
@@ -22096,7 +22696,7 @@
           <a:p>
             <a:r>
               <a:rPr lang="en-CA" dirty="0"/>
-              <a:t>CSS</a:t>
+              <a:t>Some tags and where to find more</a:t>
             </a:r>
           </a:p>
         </p:txBody>
@@ -22106,7 +22706,7 @@
           <p:cNvPr id="3" name="Content Placeholder 2">
             <a:extLst>
               <a:ext uri="{FF2B5EF4-FFF2-40B4-BE49-F238E27FC236}">
-                <a16:creationId xmlns:a16="http://schemas.microsoft.com/office/drawing/2014/main" id="{0744AE8C-13F4-477E-8087-75DC9A24CA23}"/>
+                <a16:creationId xmlns:a16="http://schemas.microsoft.com/office/drawing/2014/main" id="{65E65553-A502-4F06-A492-E3ED8B8E0D82}"/>
               </a:ext>
             </a:extLst>
           </p:cNvPr>
@@ -22122,39 +22722,70 @@
           <a:bodyPr/>
           <a:lstStyle/>
           <a:p>
-            <a:pPr marL="0" indent="0">
-              <a:buNone/>
-            </a:pPr>
             <a:r>
               <a:rPr lang="en-CA" dirty="0"/>
-              <a:t>Selector {</a:t>
+              <a:t>&lt;h1&gt; TEXT &lt;/h1&gt;  ,  &lt;h2&gt; Text &lt;/h2&gt; ….  &lt;h6&gt; text &lt;/h6&gt;</a:t>
             </a:r>
           </a:p>
           <a:p>
-            <a:pPr marL="0" indent="0">
-              <a:buNone/>
-            </a:pPr>
+            <a:endParaRPr lang="en-CA" dirty="0"/>
+          </a:p>
+          <a:p>
             <a:r>
               <a:rPr lang="en-CA" dirty="0"/>
-              <a:t>    Property_1: Value;</a:t>
+              <a:t>&lt;p&gt; Paragraph of text &lt;/p&gt;</a:t>
             </a:r>
           </a:p>
           <a:p>
-            <a:pPr marL="0" indent="0">
-              <a:buNone/>
-            </a:pPr>
+            <a:endParaRPr lang="en-CA" dirty="0"/>
+          </a:p>
+          <a:p>
             <a:r>
               <a:rPr lang="en-CA" dirty="0"/>
-              <a:t>    Property_2: Value;</a:t>
+              <a:t>&lt;</a:t>
+            </a:r>
+            <a:r>
+              <a:rPr lang="en-CA" dirty="0" err="1"/>
+              <a:t>img</a:t>
+            </a:r>
+            <a:r>
+              <a:rPr lang="en-CA" dirty="0"/>
+              <a:t> </a:t>
+            </a:r>
+            <a:r>
+              <a:rPr lang="en-CA" dirty="0" err="1"/>
+              <a:t>src</a:t>
+            </a:r>
+            <a:r>
+              <a:rPr lang="en-CA" dirty="0"/>
+              <a:t>=</a:t>
+            </a:r>
+            <a:r>
+              <a:rPr lang="en-CA" dirty="0">
+                <a:hlinkClick r:id="rId2"/>
+              </a:rPr>
+              <a:t>https://www.website.com/picture_url</a:t>
+            </a:r>
+            <a:r>
+              <a:rPr lang="en-CA" dirty="0"/>
+              <a:t>&gt;</a:t>
             </a:r>
           </a:p>
           <a:p>
-            <a:pPr marL="0" indent="0">
-              <a:buNone/>
-            </a:pPr>
+            <a:endParaRPr lang="en-CA" dirty="0"/>
+          </a:p>
+          <a:p>
             <a:r>
               <a:rPr lang="en-CA" dirty="0"/>
-              <a:t>}</a:t>
+              <a:t>&lt;a </a:t>
+            </a:r>
+            <a:r>
+              <a:rPr lang="en-CA" dirty="0" err="1"/>
+              <a:t>href</a:t>
+            </a:r>
+            <a:r>
+              <a:rPr lang="en-CA" dirty="0"/>
+              <a:t>=“https://www.google.com”&gt;This is a hyper link now&lt;/a&gt;</a:t>
             </a:r>
           </a:p>
         </p:txBody>
@@ -22162,7 +22793,7 @@
     </p:spTree>
     <p:extLst>
       <p:ext uri="{BB962C8B-B14F-4D97-AF65-F5344CB8AC3E}">
-        <p14:creationId xmlns:p14="http://schemas.microsoft.com/office/powerpoint/2010/main" val="1969230105"/>
+        <p14:creationId xmlns:p14="http://schemas.microsoft.com/office/powerpoint/2010/main" val="516651721"/>
       </p:ext>
     </p:extLst>
   </p:cSld>
@@ -22194,7 +22825,7 @@
           <p:cNvPr id="2" name="Title 1">
             <a:extLst>
               <a:ext uri="{FF2B5EF4-FFF2-40B4-BE49-F238E27FC236}">
-                <a16:creationId xmlns:a16="http://schemas.microsoft.com/office/drawing/2014/main" id="{EA9178DB-FF5A-4DEA-8081-A89999BAC8DE}"/>
+                <a16:creationId xmlns:a16="http://schemas.microsoft.com/office/drawing/2014/main" id="{A68AD763-2AE1-4780-9C84-89AD5CAB1075}"/>
               </a:ext>
             </a:extLst>
           </p:cNvPr>
@@ -22212,7 +22843,7 @@
           <a:p>
             <a:r>
               <a:rPr lang="en-CA" dirty="0"/>
-              <a:t>Resources</a:t>
+              <a:t>Lists</a:t>
             </a:r>
           </a:p>
         </p:txBody>
@@ -22222,7 +22853,7 @@
           <p:cNvPr id="3" name="Content Placeholder 2">
             <a:extLst>
               <a:ext uri="{FF2B5EF4-FFF2-40B4-BE49-F238E27FC236}">
-                <a16:creationId xmlns:a16="http://schemas.microsoft.com/office/drawing/2014/main" id="{75D53DAC-EF41-4B8C-813B-86A5CF29B80D}"/>
+                <a16:creationId xmlns:a16="http://schemas.microsoft.com/office/drawing/2014/main" id="{EAC68C00-D7C8-4738-BC49-310616F38F74}"/>
               </a:ext>
             </a:extLst>
           </p:cNvPr>
@@ -22235,103 +22866,78 @@
         </p:nvSpPr>
         <p:spPr/>
         <p:txBody>
-          <a:bodyPr>
-            <a:normAutofit lnSpcReduction="10000"/>
-          </a:bodyPr>
+          <a:bodyPr/>
           <a:lstStyle/>
           <a:p>
             <a:r>
-              <a:rPr lang="en-CA" dirty="0">
-                <a:hlinkClick r:id="rId2"/>
-              </a:rPr>
-              <a:t>https://www.w3schools.com/</a:t>
-            </a:r>
-            <a:endParaRPr lang="en-CA" dirty="0"/>
-          </a:p>
-          <a:p>
-            <a:pPr lvl="1"/>
-            <a:r>
               <a:rPr lang="en-CA" dirty="0"/>
-              <a:t>Tutorials, extensive references (documentation)</a:t>
+              <a:t>&lt;ul&gt;</a:t>
             </a:r>
           </a:p>
           <a:p>
-            <a:pPr lvl="1"/>
+            <a:pPr marL="0" indent="0">
+              <a:buNone/>
+            </a:pPr>
             <a:r>
               <a:rPr lang="en-CA" dirty="0"/>
-              <a:t>If you learned a tenth of what’s here you’re hireable at Google</a:t>
+              <a:t>    &lt;li&gt;Thing 1&lt;/li&gt;</a:t>
             </a:r>
           </a:p>
           <a:p>
-            <a:endParaRPr lang="en-CA" dirty="0"/>
-          </a:p>
-          <a:p>
-            <a:r>
-              <a:rPr lang="en-CA" dirty="0">
-                <a:hlinkClick r:id="rId3"/>
-              </a:rPr>
-              <a:t>https://stackoverflow.com</a:t>
-            </a:r>
-            <a:endParaRPr lang="en-CA" dirty="0"/>
-          </a:p>
-          <a:p>
-            <a:pPr lvl="1"/>
+            <a:pPr marL="0" indent="0">
+              <a:buNone/>
+            </a:pPr>
             <a:r>
               <a:rPr lang="en-CA" dirty="0"/>
-              <a:t>The #1 programing questions and answers website</a:t>
+              <a:t>    &lt;li&gt;Thing 2&lt;/li&gt;</a:t>
             </a:r>
           </a:p>
           <a:p>
-            <a:pPr lvl="1"/>
+            <a:pPr marL="0" indent="0">
+              <a:buNone/>
+            </a:pPr>
             <a:r>
               <a:rPr lang="en-CA" dirty="0"/>
-              <a:t>Be careful about asking questions, it’s more useful to see previously answered questions (Yours probably isn’t new)</a:t>
+              <a:t>&lt;/ul&gt;</a:t>
             </a:r>
           </a:p>
           <a:p>
-            <a:endParaRPr lang="en-CA" dirty="0"/>
-          </a:p>
-          <a:p>
-            <a:r>
-              <a:rPr lang="en-CA" dirty="0">
-                <a:hlinkClick r:id="rId4"/>
-              </a:rPr>
-              <a:t>https://developer.mozilla.org/en-US/</a:t>
-            </a:r>
-            <a:endParaRPr lang="en-CA" dirty="0"/>
-          </a:p>
-          <a:p>
-            <a:pPr lvl="1"/>
-            <a:r>
-              <a:rPr lang="en-CA" dirty="0"/>
-              <a:t>More tutorials, more references</a:t>
-            </a:r>
-          </a:p>
-          <a:p>
-            <a:endParaRPr lang="en-CA" dirty="0"/>
-          </a:p>
-          <a:p>
-            <a:pPr marL="128016" lvl="1" indent="0">
+            <a:pPr marL="0" indent="0">
               <a:buNone/>
             </a:pPr>
             <a:endParaRPr lang="en-CA" dirty="0"/>
           </a:p>
           <a:p>
-            <a:endParaRPr lang="en-CA" dirty="0"/>
-          </a:p>
-          <a:p>
-            <a:endParaRPr lang="en-CA" dirty="0"/>
-          </a:p>
-          <a:p>
-            <a:pPr lvl="1"/>
-            <a:endParaRPr lang="en-CA" dirty="0"/>
+            <a:pPr marL="0" indent="0">
+              <a:buNone/>
+            </a:pPr>
+            <a:r>
+              <a:rPr lang="en-CA" dirty="0"/>
+              <a:t>Or use &lt;</a:t>
+            </a:r>
+            <a:r>
+              <a:rPr lang="en-CA" dirty="0" err="1"/>
+              <a:t>ol</a:t>
+            </a:r>
+            <a:r>
+              <a:rPr lang="en-CA" dirty="0"/>
+              <a:t>&gt; for an </a:t>
+            </a:r>
+            <a:r>
+              <a:rPr lang="en-CA" b="1" dirty="0"/>
+              <a:t>ordered</a:t>
+            </a:r>
+            <a:r>
+              <a:rPr lang="en-CA" dirty="0"/>
+              <a:t> list</a:t>
+            </a:r>
           </a:p>
         </p:txBody>
       </p:sp>
     </p:spTree>
     <p:extLst>
       <p:ext uri="{BB962C8B-B14F-4D97-AF65-F5344CB8AC3E}">
-        <p14:creationId xmlns:p14="http://schemas.microsoft.com/office/powerpoint/2010/main" val="1059028407"/>
+        <p14:creationId xmlns:p14="http://schemas.microsoft.com/office/powerpoint/2010/main" val="3972085750"/>
       </p:ext>
     </p:extLst>
   </p:cSld>

--- a/HTML and CSS.pptx
+++ b/HTML and CSS.pptx
@@ -5,7 +5,7 @@
     <p:sldMasterId id="2147483696" r:id="rId1"/>
   </p:sldMasterIdLst>
   <p:notesMasterIdLst>
-    <p:notesMasterId r:id="rId16"/>
+    <p:notesMasterId r:id="rId17"/>
   </p:notesMasterIdLst>
   <p:sldIdLst>
     <p:sldId id="256" r:id="rId2"/>
@@ -19,9 +19,10 @@
     <p:sldId id="267" r:id="rId10"/>
     <p:sldId id="268" r:id="rId11"/>
     <p:sldId id="269" r:id="rId12"/>
-    <p:sldId id="270" r:id="rId13"/>
-    <p:sldId id="264" r:id="rId14"/>
-    <p:sldId id="262" r:id="rId15"/>
+    <p:sldId id="264" r:id="rId13"/>
+    <p:sldId id="270" r:id="rId14"/>
+    <p:sldId id="271" r:id="rId15"/>
+    <p:sldId id="262" r:id="rId16"/>
   </p:sldIdLst>
   <p:sldSz cx="12192000" cy="6858000"/>
   <p:notesSz cx="6858000" cy="9144000"/>
@@ -152,7 +153,13 @@
       </p:grpSpPr>
       <p:sp>
         <p:nvSpPr>
-          <p:cNvPr id="2" name="Header Placeholder 1"/>
+          <p:cNvPr id="2" name="Header Placeholder 1">
+            <a:extLst>
+              <a:ext uri="{FF2B5EF4-FFF2-40B4-BE49-F238E27FC236}">
+                <a16:creationId xmlns:a16="http://schemas.microsoft.com/office/drawing/2014/main" id="{20EC8242-2866-4B01-A759-74FE4EC69193}"/>
+              </a:ext>
+            </a:extLst>
+          </p:cNvPr>
           <p:cNvSpPr>
             <a:spLocks noGrp="1"/>
           </p:cNvSpPr>
@@ -183,7 +190,13 @@
       </p:sp>
       <p:sp>
         <p:nvSpPr>
-          <p:cNvPr id="3" name="Date Placeholder 2"/>
+          <p:cNvPr id="3" name="Date Placeholder 2">
+            <a:extLst>
+              <a:ext uri="{FF2B5EF4-FFF2-40B4-BE49-F238E27FC236}">
+                <a16:creationId xmlns:a16="http://schemas.microsoft.com/office/drawing/2014/main" id="{6AB383E6-D8DE-457D-8200-8DA9ACB956DB}"/>
+              </a:ext>
+            </a:extLst>
+          </p:cNvPr>
           <p:cNvSpPr>
             <a:spLocks noGrp="1"/>
           </p:cNvSpPr>
@@ -208,9 +221,9 @@
             </a:lvl1pPr>
           </a:lstStyle>
           <a:p>
-            <a:fld id="{228C8893-8A11-4A2E-B701-36F38260D635}" type="datetimeFigureOut">
+            <a:fld id="{A9A70B18-0CAF-445E-A788-F170D3C90504}" type="datetimeFigureOut">
               <a:rPr lang="en-CA" smtClean="0"/>
-              <a:t>2018-08-15</a:t>
+              <a:t>2018-08-18</a:t>
             </a:fld>
             <a:endParaRPr lang="en-CA"/>
           </a:p>
@@ -218,7 +231,13 @@
       </p:sp>
       <p:sp>
         <p:nvSpPr>
-          <p:cNvPr id="4" name="Slide Image Placeholder 3"/>
+          <p:cNvPr id="4" name="Slide Image Placeholder 3">
+            <a:extLst>
+              <a:ext uri="{FF2B5EF4-FFF2-40B4-BE49-F238E27FC236}">
+                <a16:creationId xmlns:a16="http://schemas.microsoft.com/office/drawing/2014/main" id="{FBE0355F-7980-4444-88D3-13015074BB3F}"/>
+              </a:ext>
+            </a:extLst>
+          </p:cNvPr>
           <p:cNvSpPr>
             <a:spLocks noGrp="1" noRot="1" noChangeAspect="1"/>
           </p:cNvSpPr>
@@ -251,7 +270,13 @@
       </p:sp>
       <p:sp>
         <p:nvSpPr>
-          <p:cNvPr id="5" name="Notes Placeholder 4"/>
+          <p:cNvPr id="5" name="Notes Placeholder 4">
+            <a:extLst>
+              <a:ext uri="{FF2B5EF4-FFF2-40B4-BE49-F238E27FC236}">
+                <a16:creationId xmlns:a16="http://schemas.microsoft.com/office/drawing/2014/main" id="{84509A4D-9989-4C9B-A863-2D8420F970F9}"/>
+              </a:ext>
+            </a:extLst>
+          </p:cNvPr>
           <p:cNvSpPr>
             <a:spLocks noGrp="1"/>
           </p:cNvSpPr>
@@ -311,7 +336,13 @@
       </p:sp>
       <p:sp>
         <p:nvSpPr>
-          <p:cNvPr id="6" name="Footer Placeholder 5"/>
+          <p:cNvPr id="6" name="Footer Placeholder 5">
+            <a:extLst>
+              <a:ext uri="{FF2B5EF4-FFF2-40B4-BE49-F238E27FC236}">
+                <a16:creationId xmlns:a16="http://schemas.microsoft.com/office/drawing/2014/main" id="{6AEE1827-8907-4AD8-987E-88BF7DD5A5BB}"/>
+              </a:ext>
+            </a:extLst>
+          </p:cNvPr>
           <p:cNvSpPr>
             <a:spLocks noGrp="1"/>
           </p:cNvSpPr>
@@ -342,7 +373,13 @@
       </p:sp>
       <p:sp>
         <p:nvSpPr>
-          <p:cNvPr id="7" name="Slide Number Placeholder 6"/>
+          <p:cNvPr id="7" name="Slide Number Placeholder 6">
+            <a:extLst>
+              <a:ext uri="{FF2B5EF4-FFF2-40B4-BE49-F238E27FC236}">
+                <a16:creationId xmlns:a16="http://schemas.microsoft.com/office/drawing/2014/main" id="{6CEFC1D5-CD6A-4353-A83E-DEEAEE528BB7}"/>
+              </a:ext>
+            </a:extLst>
+          </p:cNvPr>
           <p:cNvSpPr>
             <a:spLocks noGrp="1"/>
           </p:cNvSpPr>
@@ -367,7 +404,7 @@
             </a:lvl1pPr>
           </a:lstStyle>
           <a:p>
-            <a:fld id="{CA6F96B0-36D2-4E9A-89AB-FCDFB82B0D3D}" type="slidenum">
+            <a:fld id="{709C5E76-6A91-4581-A4EA-B5F34CE51DCB}" type="slidenum">
               <a:rPr lang="en-CA" smtClean="0"/>
               <a:t>‹#›</a:t>
             </a:fld>
@@ -376,11 +413,6 @@
         </p:txBody>
       </p:sp>
     </p:spTree>
-    <p:extLst>
-      <p:ext uri="{BB962C8B-B14F-4D97-AF65-F5344CB8AC3E}">
-        <p14:creationId xmlns:p14="http://schemas.microsoft.com/office/powerpoint/2010/main" val="2992687017"/>
-      </p:ext>
-    </p:extLst>
   </p:cSld>
   <p:clrMap bg1="lt1" tx1="dk1" bg2="lt2" tx2="dk2" accent1="accent1" accent2="accent2" accent3="accent3" accent4="accent4" accent5="accent5" accent6="accent6" hlink="hlink" folHlink="folHlink"/>
   <p:notesStyle>
@@ -9355,7 +9387,7 @@
           <a:p>
             <a:fld id="{C2346C61-5F6D-4463-A2EF-BECA86F90772}" type="datetimeFigureOut">
               <a:rPr lang="en-CA" smtClean="0"/>
-              <a:t>2018-08-15</a:t>
+              <a:t>2018-08-18</a:t>
             </a:fld>
             <a:endParaRPr lang="en-CA"/>
           </a:p>
@@ -9562,7 +9594,7 @@
           <a:p>
             <a:fld id="{C2346C61-5F6D-4463-A2EF-BECA86F90772}" type="datetimeFigureOut">
               <a:rPr lang="en-CA" smtClean="0"/>
-              <a:t>2018-08-15</a:t>
+              <a:t>2018-08-18</a:t>
             </a:fld>
             <a:endParaRPr lang="en-CA"/>
           </a:p>
@@ -9742,7 +9774,7 @@
           <a:p>
             <a:fld id="{C2346C61-5F6D-4463-A2EF-BECA86F90772}" type="datetimeFigureOut">
               <a:rPr lang="en-CA" smtClean="0"/>
-              <a:t>2018-08-15</a:t>
+              <a:t>2018-08-18</a:t>
             </a:fld>
             <a:endParaRPr lang="en-CA"/>
           </a:p>
@@ -9947,7 +9979,7 @@
           <a:p>
             <a:fld id="{C2346C61-5F6D-4463-A2EF-BECA86F90772}" type="datetimeFigureOut">
               <a:rPr lang="en-CA" smtClean="0"/>
-              <a:t>2018-08-15</a:t>
+              <a:t>2018-08-18</a:t>
             </a:fld>
             <a:endParaRPr lang="en-CA"/>
           </a:p>
@@ -18845,7 +18877,7 @@
           <a:p>
             <a:fld id="{C2346C61-5F6D-4463-A2EF-BECA86F90772}" type="datetimeFigureOut">
               <a:rPr lang="en-CA" smtClean="0"/>
-              <a:t>2018-08-15</a:t>
+              <a:t>2018-08-18</a:t>
             </a:fld>
             <a:endParaRPr lang="en-CA"/>
           </a:p>
@@ -19119,7 +19151,7 @@
           <a:p>
             <a:fld id="{C2346C61-5F6D-4463-A2EF-BECA86F90772}" type="datetimeFigureOut">
               <a:rPr lang="en-CA" smtClean="0"/>
-              <a:t>2018-08-15</a:t>
+              <a:t>2018-08-18</a:t>
             </a:fld>
             <a:endParaRPr lang="en-CA"/>
           </a:p>
@@ -19517,7 +19549,7 @@
           <a:p>
             <a:fld id="{C2346C61-5F6D-4463-A2EF-BECA86F90772}" type="datetimeFigureOut">
               <a:rPr lang="en-CA" smtClean="0"/>
-              <a:t>2018-08-15</a:t>
+              <a:t>2018-08-18</a:t>
             </a:fld>
             <a:endParaRPr lang="en-CA"/>
           </a:p>
@@ -19635,7 +19667,7 @@
           <a:p>
             <a:fld id="{C2346C61-5F6D-4463-A2EF-BECA86F90772}" type="datetimeFigureOut">
               <a:rPr lang="en-CA" smtClean="0"/>
-              <a:t>2018-08-15</a:t>
+              <a:t>2018-08-18</a:t>
             </a:fld>
             <a:endParaRPr lang="en-CA"/>
           </a:p>
@@ -19730,7 +19762,7 @@
           <a:p>
             <a:fld id="{C2346C61-5F6D-4463-A2EF-BECA86F90772}" type="datetimeFigureOut">
               <a:rPr lang="en-CA" smtClean="0"/>
-              <a:t>2018-08-15</a:t>
+              <a:t>2018-08-18</a:t>
             </a:fld>
             <a:endParaRPr lang="en-CA"/>
           </a:p>
@@ -20020,7 +20052,7 @@
           <a:p>
             <a:fld id="{C2346C61-5F6D-4463-A2EF-BECA86F90772}" type="datetimeFigureOut">
               <a:rPr lang="en-CA" smtClean="0"/>
-              <a:t>2018-08-15</a:t>
+              <a:t>2018-08-18</a:t>
             </a:fld>
             <a:endParaRPr lang="en-CA"/>
           </a:p>
@@ -20300,7 +20332,7 @@
           <a:p>
             <a:fld id="{C2346C61-5F6D-4463-A2EF-BECA86F90772}" type="datetimeFigureOut">
               <a:rPr lang="en-CA" smtClean="0"/>
-              <a:t>2018-08-15</a:t>
+              <a:t>2018-08-18</a:t>
             </a:fld>
             <a:endParaRPr lang="en-CA"/>
           </a:p>
@@ -20550,7 +20582,7 @@
           <a:p>
             <a:fld id="{C2346C61-5F6D-4463-A2EF-BECA86F90772}" type="datetimeFigureOut">
               <a:rPr lang="en-CA" smtClean="0"/>
-              <a:t>2018-08-15</a:t>
+              <a:t>2018-08-18</a:t>
             </a:fld>
             <a:endParaRPr lang="en-CA"/>
           </a:p>
@@ -21330,8 +21362,13 @@
             </a:pPr>
             <a:r>
               <a:rPr lang="en-CA" dirty="0"/>
-              <a:t>Add a list with three elements</a:t>
+              <a:t>Add a list with </a:t>
             </a:r>
+            <a:r>
+              <a:rPr lang="en-CA"/>
+              <a:t>three elements</a:t>
+            </a:r>
+            <a:endParaRPr lang="en-CA" dirty="0"/>
           </a:p>
         </p:txBody>
       </p:sp>
@@ -21349,89 +21386,6 @@
 </file>
 
 <file path=ppt/slides/slide12.xml><?xml version="1.0" encoding="utf-8"?>
-<p:sld xmlns:a="http://schemas.openxmlformats.org/drawingml/2006/main" xmlns:r="http://schemas.openxmlformats.org/officeDocument/2006/relationships" xmlns:p="http://schemas.openxmlformats.org/presentationml/2006/main">
-  <p:cSld>
-    <p:spTree>
-      <p:nvGrpSpPr>
-        <p:cNvPr id="1" name=""/>
-        <p:cNvGrpSpPr/>
-        <p:nvPr/>
-      </p:nvGrpSpPr>
-      <p:grpSpPr>
-        <a:xfrm>
-          <a:off x="0" y="0"/>
-          <a:ext cx="0" cy="0"/>
-          <a:chOff x="0" y="0"/>
-          <a:chExt cx="0" cy="0"/>
-        </a:xfrm>
-      </p:grpSpPr>
-      <p:sp>
-        <p:nvSpPr>
-          <p:cNvPr id="2" name="Title 1">
-            <a:extLst>
-              <a:ext uri="{FF2B5EF4-FFF2-40B4-BE49-F238E27FC236}">
-                <a16:creationId xmlns:a16="http://schemas.microsoft.com/office/drawing/2014/main" id="{C0842840-6C08-41BA-80C0-F3FDFFE9B86F}"/>
-              </a:ext>
-            </a:extLst>
-          </p:cNvPr>
-          <p:cNvSpPr>
-            <a:spLocks noGrp="1"/>
-          </p:cNvSpPr>
-          <p:nvPr>
-            <p:ph type="title"/>
-          </p:nvPr>
-        </p:nvSpPr>
-        <p:spPr/>
-        <p:txBody>
-          <a:bodyPr/>
-          <a:lstStyle/>
-          <a:p>
-            <a:r>
-              <a:rPr lang="en-CA" dirty="0"/>
-              <a:t>Looks a bit ugly though</a:t>
-            </a:r>
-          </a:p>
-        </p:txBody>
-      </p:sp>
-      <p:sp>
-        <p:nvSpPr>
-          <p:cNvPr id="3" name="Content Placeholder 2">
-            <a:extLst>
-              <a:ext uri="{FF2B5EF4-FFF2-40B4-BE49-F238E27FC236}">
-                <a16:creationId xmlns:a16="http://schemas.microsoft.com/office/drawing/2014/main" id="{422EA81C-5C92-421F-AE96-1E8E1F12FDD1}"/>
-              </a:ext>
-            </a:extLst>
-          </p:cNvPr>
-          <p:cNvSpPr>
-            <a:spLocks noGrp="1"/>
-          </p:cNvSpPr>
-          <p:nvPr>
-            <p:ph idx="1"/>
-          </p:nvPr>
-        </p:nvSpPr>
-        <p:spPr/>
-        <p:txBody>
-          <a:bodyPr/>
-          <a:lstStyle/>
-          <a:p>
-            <a:endParaRPr lang="en-CA" dirty="0"/>
-          </a:p>
-        </p:txBody>
-      </p:sp>
-    </p:spTree>
-    <p:extLst>
-      <p:ext uri="{BB962C8B-B14F-4D97-AF65-F5344CB8AC3E}">
-        <p14:creationId xmlns:p14="http://schemas.microsoft.com/office/powerpoint/2010/main" val="2726472663"/>
-      </p:ext>
-    </p:extLst>
-  </p:cSld>
-  <p:clrMapOvr>
-    <a:masterClrMapping/>
-  </p:clrMapOvr>
-</p:sld>
-</file>
-
-<file path=ppt/slides/slide13.xml><?xml version="1.0" encoding="utf-8"?>
 <p:sld xmlns:a="http://schemas.openxmlformats.org/drawingml/2006/main" xmlns:r="http://schemas.openxmlformats.org/officeDocument/2006/relationships" xmlns:p="http://schemas.openxmlformats.org/presentationml/2006/main">
   <p:cSld>
     <p:spTree>
@@ -21547,7 +21501,173 @@
 </p:sld>
 </file>
 
+<file path=ppt/slides/slide13.xml><?xml version="1.0" encoding="utf-8"?>
+<p:sld xmlns:a="http://schemas.openxmlformats.org/drawingml/2006/main" xmlns:r="http://schemas.openxmlformats.org/officeDocument/2006/relationships" xmlns:p="http://schemas.openxmlformats.org/presentationml/2006/main">
+  <p:cSld>
+    <p:spTree>
+      <p:nvGrpSpPr>
+        <p:cNvPr id="1" name=""/>
+        <p:cNvGrpSpPr/>
+        <p:nvPr/>
+      </p:nvGrpSpPr>
+      <p:grpSpPr>
+        <a:xfrm>
+          <a:off x="0" y="0"/>
+          <a:ext cx="0" cy="0"/>
+          <a:chOff x="0" y="0"/>
+          <a:chExt cx="0" cy="0"/>
+        </a:xfrm>
+      </p:grpSpPr>
+      <p:sp>
+        <p:nvSpPr>
+          <p:cNvPr id="2" name="Title 1">
+            <a:extLst>
+              <a:ext uri="{FF2B5EF4-FFF2-40B4-BE49-F238E27FC236}">
+                <a16:creationId xmlns:a16="http://schemas.microsoft.com/office/drawing/2014/main" id="{F92DA1C4-AA93-49AD-A978-52EEA3631216}"/>
+              </a:ext>
+            </a:extLst>
+          </p:cNvPr>
+          <p:cNvSpPr>
+            <a:spLocks noGrp="1"/>
+          </p:cNvSpPr>
+          <p:nvPr>
+            <p:ph type="title"/>
+          </p:nvPr>
+        </p:nvSpPr>
+        <p:spPr/>
+        <p:txBody>
+          <a:bodyPr/>
+          <a:lstStyle/>
+          <a:p>
+            <a:r>
+              <a:rPr lang="en-CA" dirty="0"/>
+              <a:t>Link tag</a:t>
+            </a:r>
+          </a:p>
+        </p:txBody>
+      </p:sp>
+      <p:sp>
+        <p:nvSpPr>
+          <p:cNvPr id="3" name="Content Placeholder 2">
+            <a:extLst>
+              <a:ext uri="{FF2B5EF4-FFF2-40B4-BE49-F238E27FC236}">
+                <a16:creationId xmlns:a16="http://schemas.microsoft.com/office/drawing/2014/main" id="{95A81A9E-FEAD-4BD6-BAD9-0838F01EF6E6}"/>
+              </a:ext>
+            </a:extLst>
+          </p:cNvPr>
+          <p:cNvSpPr>
+            <a:spLocks noGrp="1"/>
+          </p:cNvSpPr>
+          <p:nvPr>
+            <p:ph idx="1"/>
+          </p:nvPr>
+        </p:nvSpPr>
+        <p:spPr/>
+        <p:txBody>
+          <a:bodyPr/>
+          <a:lstStyle/>
+          <a:p>
+            <a:endParaRPr lang="en-CA" dirty="0"/>
+          </a:p>
+        </p:txBody>
+      </p:sp>
+    </p:spTree>
+    <p:extLst>
+      <p:ext uri="{BB962C8B-B14F-4D97-AF65-F5344CB8AC3E}">
+        <p14:creationId xmlns:p14="http://schemas.microsoft.com/office/powerpoint/2010/main" val="3508735091"/>
+      </p:ext>
+    </p:extLst>
+  </p:cSld>
+  <p:clrMapOvr>
+    <a:masterClrMapping/>
+  </p:clrMapOvr>
+</p:sld>
+</file>
+
 <file path=ppt/slides/slide14.xml><?xml version="1.0" encoding="utf-8"?>
+<p:sld xmlns:a="http://schemas.openxmlformats.org/drawingml/2006/main" xmlns:r="http://schemas.openxmlformats.org/officeDocument/2006/relationships" xmlns:p="http://schemas.openxmlformats.org/presentationml/2006/main">
+  <p:cSld>
+    <p:spTree>
+      <p:nvGrpSpPr>
+        <p:cNvPr id="1" name=""/>
+        <p:cNvGrpSpPr/>
+        <p:nvPr/>
+      </p:nvGrpSpPr>
+      <p:grpSpPr>
+        <a:xfrm>
+          <a:off x="0" y="0"/>
+          <a:ext cx="0" cy="0"/>
+          <a:chOff x="0" y="0"/>
+          <a:chExt cx="0" cy="0"/>
+        </a:xfrm>
+      </p:grpSpPr>
+      <p:sp>
+        <p:nvSpPr>
+          <p:cNvPr id="2" name="Title 1">
+            <a:extLst>
+              <a:ext uri="{FF2B5EF4-FFF2-40B4-BE49-F238E27FC236}">
+                <a16:creationId xmlns:a16="http://schemas.microsoft.com/office/drawing/2014/main" id="{78D00A4E-56EB-4154-8C0C-19CA73BFDBFB}"/>
+              </a:ext>
+            </a:extLst>
+          </p:cNvPr>
+          <p:cNvSpPr>
+            <a:spLocks noGrp="1"/>
+          </p:cNvSpPr>
+          <p:nvPr>
+            <p:ph type="title"/>
+          </p:nvPr>
+        </p:nvSpPr>
+        <p:spPr/>
+        <p:txBody>
+          <a:bodyPr/>
+          <a:lstStyle/>
+          <a:p>
+            <a:r>
+              <a:rPr lang="en-CA" dirty="0"/>
+              <a:t>Changing the monthly email</a:t>
+            </a:r>
+          </a:p>
+        </p:txBody>
+      </p:sp>
+      <p:sp>
+        <p:nvSpPr>
+          <p:cNvPr id="3" name="Content Placeholder 2">
+            <a:extLst>
+              <a:ext uri="{FF2B5EF4-FFF2-40B4-BE49-F238E27FC236}">
+                <a16:creationId xmlns:a16="http://schemas.microsoft.com/office/drawing/2014/main" id="{CD295E39-894C-47C1-B82D-3945947C8C21}"/>
+              </a:ext>
+            </a:extLst>
+          </p:cNvPr>
+          <p:cNvSpPr>
+            <a:spLocks noGrp="1"/>
+          </p:cNvSpPr>
+          <p:nvPr>
+            <p:ph idx="1"/>
+          </p:nvPr>
+        </p:nvSpPr>
+        <p:spPr/>
+        <p:txBody>
+          <a:bodyPr/>
+          <a:lstStyle/>
+          <a:p>
+            <a:endParaRPr lang="en-CA" dirty="0"/>
+          </a:p>
+        </p:txBody>
+      </p:sp>
+    </p:spTree>
+    <p:extLst>
+      <p:ext uri="{BB962C8B-B14F-4D97-AF65-F5344CB8AC3E}">
+        <p14:creationId xmlns:p14="http://schemas.microsoft.com/office/powerpoint/2010/main" val="662534892"/>
+      </p:ext>
+    </p:extLst>
+  </p:cSld>
+  <p:clrMapOvr>
+    <a:masterClrMapping/>
+  </p:clrMapOvr>
+</p:sld>
+</file>
+
+<file path=ppt/slides/slide15.xml><?xml version="1.0" encoding="utf-8"?>
 <p:sld xmlns:a="http://schemas.openxmlformats.org/drawingml/2006/main" xmlns:r="http://schemas.openxmlformats.org/officeDocument/2006/relationships" xmlns:p="http://schemas.openxmlformats.org/presentationml/2006/main">
   <p:cSld>
     <p:spTree>
@@ -22724,7 +22844,7 @@
           <a:p>
             <a:r>
               <a:rPr lang="en-CA" dirty="0"/>
-              <a:t>&lt;h1&gt; TEXT &lt;/h1&gt;  ,  &lt;h2&gt; Text &lt;/h2&gt; ….  &lt;h6&gt; text &lt;/h6&gt;</a:t>
+              <a:t>&lt;h1&gt; HEADER TEXT &lt;/h1&gt;  ,  &lt;h2&gt; Header Text &lt;/h2&gt; ….  &lt;h6&gt; text &lt;/h6&gt;</a:t>
             </a:r>
           </a:p>
           <a:p>
@@ -22758,17 +22878,23 @@
             </a:r>
             <a:r>
               <a:rPr lang="en-CA" dirty="0"/>
-              <a:t>=</a:t>
+              <a:t>=“</a:t>
             </a:r>
             <a:r>
               <a:rPr lang="en-CA" dirty="0">
                 <a:hlinkClick r:id="rId2"/>
               </a:rPr>
-              <a:t>https://www.website.com/picture_url</a:t>
+              <a:t>https://www.website.com/</a:t>
+            </a:r>
+            <a:r>
+              <a:rPr lang="en-CA" dirty="0" err="1">
+                <a:hlinkClick r:id="rId2"/>
+              </a:rPr>
+              <a:t>picture_url</a:t>
             </a:r>
             <a:r>
               <a:rPr lang="en-CA" dirty="0"/>
-              <a:t>&gt;</a:t>
+              <a:t>”&gt;</a:t>
             </a:r>
           </a:p>
           <a:p>

--- a/HTML and CSS.pptx
+++ b/HTML and CSS.pptx
@@ -5,7 +5,7 @@
     <p:sldMasterId id="2147483696" r:id="rId1"/>
   </p:sldMasterIdLst>
   <p:notesMasterIdLst>
-    <p:notesMasterId r:id="rId17"/>
+    <p:notesMasterId r:id="rId18"/>
   </p:notesMasterIdLst>
   <p:sldIdLst>
     <p:sldId id="256" r:id="rId2"/>
@@ -20,9 +20,10 @@
     <p:sldId id="268" r:id="rId11"/>
     <p:sldId id="269" r:id="rId12"/>
     <p:sldId id="264" r:id="rId13"/>
-    <p:sldId id="270" r:id="rId14"/>
-    <p:sldId id="271" r:id="rId15"/>
-    <p:sldId id="262" r:id="rId16"/>
+    <p:sldId id="272" r:id="rId14"/>
+    <p:sldId id="270" r:id="rId15"/>
+    <p:sldId id="271" r:id="rId16"/>
+    <p:sldId id="262" r:id="rId17"/>
   </p:sldIdLst>
   <p:sldSz cx="12192000" cy="6858000"/>
   <p:notesSz cx="6858000" cy="9144000"/>
@@ -21523,6 +21524,144 @@
           <p:cNvPr id="2" name="Title 1">
             <a:extLst>
               <a:ext uri="{FF2B5EF4-FFF2-40B4-BE49-F238E27FC236}">
+                <a16:creationId xmlns:a16="http://schemas.microsoft.com/office/drawing/2014/main" id="{31B83551-40B8-403F-ADE8-92D99B9B5A52}"/>
+              </a:ext>
+            </a:extLst>
+          </p:cNvPr>
+          <p:cNvSpPr>
+            <a:spLocks noGrp="1"/>
+          </p:cNvSpPr>
+          <p:nvPr>
+            <p:ph type="title"/>
+          </p:nvPr>
+        </p:nvSpPr>
+        <p:spPr/>
+        <p:txBody>
+          <a:bodyPr/>
+          <a:lstStyle/>
+          <a:p>
+            <a:r>
+              <a:rPr lang="en-CA" dirty="0"/>
+              <a:t>Selectors</a:t>
+            </a:r>
+          </a:p>
+        </p:txBody>
+      </p:sp>
+      <p:sp>
+        <p:nvSpPr>
+          <p:cNvPr id="3" name="Content Placeholder 2">
+            <a:extLst>
+              <a:ext uri="{FF2B5EF4-FFF2-40B4-BE49-F238E27FC236}">
+                <a16:creationId xmlns:a16="http://schemas.microsoft.com/office/drawing/2014/main" id="{FFF31C4A-338A-4AE4-9158-BA5436A3D3C5}"/>
+              </a:ext>
+            </a:extLst>
+          </p:cNvPr>
+          <p:cNvSpPr>
+            <a:spLocks noGrp="1"/>
+          </p:cNvSpPr>
+          <p:nvPr>
+            <p:ph idx="1"/>
+          </p:nvPr>
+        </p:nvSpPr>
+        <p:spPr/>
+        <p:txBody>
+          <a:bodyPr/>
+          <a:lstStyle/>
+          <a:p>
+            <a:r>
+              <a:rPr lang="en-CA" dirty="0"/>
+              <a:t>From least specific to most:</a:t>
+            </a:r>
+          </a:p>
+          <a:p>
+            <a:pPr marL="457200" indent="-457200">
+              <a:buFont typeface="+mj-lt"/>
+              <a:buAutoNum type="arabicPeriod"/>
+            </a:pPr>
+            <a:r>
+              <a:rPr lang="en-CA" dirty="0"/>
+              <a:t>Elements (Think like “all p tags”)</a:t>
+            </a:r>
+          </a:p>
+          <a:p>
+            <a:pPr marL="457200" indent="-457200">
+              <a:buFont typeface="+mj-lt"/>
+              <a:buAutoNum type="arabicPeriod"/>
+            </a:pPr>
+            <a:endParaRPr lang="en-CA" dirty="0"/>
+          </a:p>
+          <a:p>
+            <a:pPr marL="457200" indent="-457200">
+              <a:buFont typeface="+mj-lt"/>
+              <a:buAutoNum type="arabicPeriod"/>
+            </a:pPr>
+            <a:r>
+              <a:rPr lang="en-CA" dirty="0"/>
+              <a:t>Classes (“Families” of HTML objects)</a:t>
+            </a:r>
+          </a:p>
+          <a:p>
+            <a:pPr marL="457200" indent="-457200">
+              <a:buFont typeface="+mj-lt"/>
+              <a:buAutoNum type="arabicPeriod"/>
+            </a:pPr>
+            <a:endParaRPr lang="en-CA" dirty="0"/>
+          </a:p>
+          <a:p>
+            <a:pPr marL="457200" indent="-457200">
+              <a:buFont typeface="+mj-lt"/>
+              <a:buAutoNum type="arabicPeriod"/>
+            </a:pPr>
+            <a:r>
+              <a:rPr lang="en-CA" dirty="0"/>
+              <a:t>IDs (A single </a:t>
+            </a:r>
+            <a:r>
+              <a:rPr lang="en-CA"/>
+              <a:t>or a few </a:t>
+            </a:r>
+            <a:r>
+              <a:rPr lang="en-CA" dirty="0"/>
+              <a:t>specific HTML objects)</a:t>
+            </a:r>
+          </a:p>
+        </p:txBody>
+      </p:sp>
+    </p:spTree>
+    <p:extLst>
+      <p:ext uri="{BB962C8B-B14F-4D97-AF65-F5344CB8AC3E}">
+        <p14:creationId xmlns:p14="http://schemas.microsoft.com/office/powerpoint/2010/main" val="1094751747"/>
+      </p:ext>
+    </p:extLst>
+  </p:cSld>
+  <p:clrMapOvr>
+    <a:masterClrMapping/>
+  </p:clrMapOvr>
+</p:sld>
+</file>
+
+<file path=ppt/slides/slide14.xml><?xml version="1.0" encoding="utf-8"?>
+<p:sld xmlns:a="http://schemas.openxmlformats.org/drawingml/2006/main" xmlns:r="http://schemas.openxmlformats.org/officeDocument/2006/relationships" xmlns:p="http://schemas.openxmlformats.org/presentationml/2006/main">
+  <p:cSld>
+    <p:spTree>
+      <p:nvGrpSpPr>
+        <p:cNvPr id="1" name=""/>
+        <p:cNvGrpSpPr/>
+        <p:nvPr/>
+      </p:nvGrpSpPr>
+      <p:grpSpPr>
+        <a:xfrm>
+          <a:off x="0" y="0"/>
+          <a:ext cx="0" cy="0"/>
+          <a:chOff x="0" y="0"/>
+          <a:chExt cx="0" cy="0"/>
+        </a:xfrm>
+      </p:grpSpPr>
+      <p:sp>
+        <p:nvSpPr>
+          <p:cNvPr id="2" name="Title 1">
+            <a:extLst>
+              <a:ext uri="{FF2B5EF4-FFF2-40B4-BE49-F238E27FC236}">
                 <a16:creationId xmlns:a16="http://schemas.microsoft.com/office/drawing/2014/main" id="{F92DA1C4-AA93-49AD-A978-52EEA3631216}"/>
               </a:ext>
             </a:extLst>
@@ -21584,7 +21723,7 @@
 </p:sld>
 </file>
 
-<file path=ppt/slides/slide14.xml><?xml version="1.0" encoding="utf-8"?>
+<file path=ppt/slides/slide15.xml><?xml version="1.0" encoding="utf-8"?>
 <p:sld xmlns:a="http://schemas.openxmlformats.org/drawingml/2006/main" xmlns:r="http://schemas.openxmlformats.org/officeDocument/2006/relationships" xmlns:p="http://schemas.openxmlformats.org/presentationml/2006/main">
   <p:cSld>
     <p:spTree>
@@ -21667,7 +21806,7 @@
 </p:sld>
 </file>
 
-<file path=ppt/slides/slide15.xml><?xml version="1.0" encoding="utf-8"?>
+<file path=ppt/slides/slide16.xml><?xml version="1.0" encoding="utf-8"?>
 <p:sld xmlns:a="http://schemas.openxmlformats.org/drawingml/2006/main" xmlns:r="http://schemas.openxmlformats.org/officeDocument/2006/relationships" xmlns:p="http://schemas.openxmlformats.org/presentationml/2006/main">
   <p:cSld>
     <p:spTree>

--- a/HTML and CSS.pptx
+++ b/HTML and CSS.pptx
@@ -5,7 +5,7 @@
     <p:sldMasterId id="2147483696" r:id="rId1"/>
   </p:sldMasterIdLst>
   <p:notesMasterIdLst>
-    <p:notesMasterId r:id="rId18"/>
+    <p:notesMasterId r:id="rId27"/>
   </p:notesMasterIdLst>
   <p:sldIdLst>
     <p:sldId id="256" r:id="rId2"/>
@@ -19,11 +19,20 @@
     <p:sldId id="267" r:id="rId10"/>
     <p:sldId id="268" r:id="rId11"/>
     <p:sldId id="269" r:id="rId12"/>
-    <p:sldId id="264" r:id="rId13"/>
-    <p:sldId id="272" r:id="rId14"/>
-    <p:sldId id="270" r:id="rId15"/>
-    <p:sldId id="271" r:id="rId16"/>
-    <p:sldId id="262" r:id="rId17"/>
+    <p:sldId id="274" r:id="rId13"/>
+    <p:sldId id="281" r:id="rId14"/>
+    <p:sldId id="264" r:id="rId15"/>
+    <p:sldId id="272" r:id="rId16"/>
+    <p:sldId id="279" r:id="rId17"/>
+    <p:sldId id="273" r:id="rId18"/>
+    <p:sldId id="280" r:id="rId19"/>
+    <p:sldId id="275" r:id="rId20"/>
+    <p:sldId id="277" r:id="rId21"/>
+    <p:sldId id="276" r:id="rId22"/>
+    <p:sldId id="278" r:id="rId23"/>
+    <p:sldId id="271" r:id="rId24"/>
+    <p:sldId id="282" r:id="rId25"/>
+    <p:sldId id="262" r:id="rId26"/>
   </p:sldIdLst>
   <p:sldSz cx="12192000" cy="6858000"/>
   <p:notesSz cx="6858000" cy="9144000"/>
@@ -21321,7 +21330,7 @@
             </a:pPr>
             <a:r>
               <a:rPr lang="en-CA" dirty="0"/>
-              <a:t>Make a document with an h1, two h2s and two p tags</a:t>
+              <a:t>Make a document with an h1, two h2s and two p tags (Put some text in them!)</a:t>
             </a:r>
           </a:p>
           <a:p>
@@ -21363,13 +21372,8 @@
             </a:pPr>
             <a:r>
               <a:rPr lang="en-CA" dirty="0"/>
-              <a:t>Add a list with </a:t>
-            </a:r>
-            <a:r>
-              <a:rPr lang="en-CA"/>
-              <a:t>three elements</a:t>
-            </a:r>
-            <a:endParaRPr lang="en-CA" dirty="0"/>
+              <a:t>Add a list with three elements</a:t>
+            </a:r>
           </a:p>
         </p:txBody>
       </p:sp>
@@ -21408,6 +21412,252 @@
           <p:cNvPr id="2" name="Title 1">
             <a:extLst>
               <a:ext uri="{FF2B5EF4-FFF2-40B4-BE49-F238E27FC236}">
+                <a16:creationId xmlns:a16="http://schemas.microsoft.com/office/drawing/2014/main" id="{FDBBAE6C-F9A7-4254-B87C-DB7933A5D67D}"/>
+              </a:ext>
+            </a:extLst>
+          </p:cNvPr>
+          <p:cNvSpPr>
+            <a:spLocks noGrp="1"/>
+          </p:cNvSpPr>
+          <p:nvPr>
+            <p:ph type="title"/>
+          </p:nvPr>
+        </p:nvSpPr>
+        <p:spPr/>
+        <p:txBody>
+          <a:bodyPr/>
+          <a:lstStyle/>
+          <a:p>
+            <a:r>
+              <a:rPr lang="en-CA" dirty="0"/>
+              <a:t>What to remember about HTML</a:t>
+            </a:r>
+          </a:p>
+        </p:txBody>
+      </p:sp>
+      <p:sp>
+        <p:nvSpPr>
+          <p:cNvPr id="3" name="Content Placeholder 2">
+            <a:extLst>
+              <a:ext uri="{FF2B5EF4-FFF2-40B4-BE49-F238E27FC236}">
+                <a16:creationId xmlns:a16="http://schemas.microsoft.com/office/drawing/2014/main" id="{7AC462A9-A357-410F-9B17-76FE4B39A655}"/>
+              </a:ext>
+            </a:extLst>
+          </p:cNvPr>
+          <p:cNvSpPr>
+            <a:spLocks noGrp="1"/>
+          </p:cNvSpPr>
+          <p:nvPr>
+            <p:ph idx="1"/>
+          </p:nvPr>
+        </p:nvSpPr>
+        <p:spPr/>
+        <p:txBody>
+          <a:bodyPr/>
+          <a:lstStyle/>
+          <a:p>
+            <a:pPr>
+              <a:buFont typeface="Arial" panose="020B0604020202020204" pitchFamily="34" charset="0"/>
+              <a:buChar char="•"/>
+            </a:pPr>
+            <a:r>
+              <a:rPr lang="en-CA" dirty="0"/>
+              <a:t> It is made of up tags (either self closing or not)</a:t>
+            </a:r>
+          </a:p>
+          <a:p>
+            <a:pPr>
+              <a:buFont typeface="Arial" panose="020B0604020202020204" pitchFamily="34" charset="0"/>
+              <a:buChar char="•"/>
+            </a:pPr>
+            <a:endParaRPr lang="en-CA" dirty="0"/>
+          </a:p>
+          <a:p>
+            <a:pPr>
+              <a:buFont typeface="Arial" panose="020B0604020202020204" pitchFamily="34" charset="0"/>
+              <a:buChar char="•"/>
+            </a:pPr>
+            <a:r>
+              <a:rPr lang="en-CA" dirty="0"/>
+              <a:t> It outlines the structure of the document and contains any text to be read by the user</a:t>
+            </a:r>
+          </a:p>
+          <a:p>
+            <a:pPr>
+              <a:buFont typeface="Arial" panose="020B0604020202020204" pitchFamily="34" charset="0"/>
+              <a:buChar char="•"/>
+            </a:pPr>
+            <a:endParaRPr lang="en-CA" dirty="0"/>
+          </a:p>
+          <a:p>
+            <a:pPr>
+              <a:buFont typeface="Arial" panose="020B0604020202020204" pitchFamily="34" charset="0"/>
+              <a:buChar char="•"/>
+            </a:pPr>
+            <a:endParaRPr lang="en-CA" dirty="0"/>
+          </a:p>
+        </p:txBody>
+      </p:sp>
+    </p:spTree>
+    <p:extLst>
+      <p:ext uri="{BB962C8B-B14F-4D97-AF65-F5344CB8AC3E}">
+        <p14:creationId xmlns:p14="http://schemas.microsoft.com/office/powerpoint/2010/main" val="2781895285"/>
+      </p:ext>
+    </p:extLst>
+  </p:cSld>
+  <p:clrMapOvr>
+    <a:masterClrMapping/>
+  </p:clrMapOvr>
+</p:sld>
+</file>
+
+<file path=ppt/slides/slide13.xml><?xml version="1.0" encoding="utf-8"?>
+<p:sld xmlns:a="http://schemas.openxmlformats.org/drawingml/2006/main" xmlns:r="http://schemas.openxmlformats.org/officeDocument/2006/relationships" xmlns:p="http://schemas.openxmlformats.org/presentationml/2006/main">
+  <p:cSld>
+    <p:spTree>
+      <p:nvGrpSpPr>
+        <p:cNvPr id="1" name=""/>
+        <p:cNvGrpSpPr/>
+        <p:nvPr/>
+      </p:nvGrpSpPr>
+      <p:grpSpPr>
+        <a:xfrm>
+          <a:off x="0" y="0"/>
+          <a:ext cx="0" cy="0"/>
+          <a:chOff x="0" y="0"/>
+          <a:chExt cx="0" cy="0"/>
+        </a:xfrm>
+      </p:grpSpPr>
+      <p:sp>
+        <p:nvSpPr>
+          <p:cNvPr id="2" name="Title 1">
+            <a:extLst>
+              <a:ext uri="{FF2B5EF4-FFF2-40B4-BE49-F238E27FC236}">
+                <a16:creationId xmlns:a16="http://schemas.microsoft.com/office/drawing/2014/main" id="{8942D283-DFFD-4D47-B6E2-3233B88571DE}"/>
+              </a:ext>
+            </a:extLst>
+          </p:cNvPr>
+          <p:cNvSpPr>
+            <a:spLocks noGrp="1"/>
+          </p:cNvSpPr>
+          <p:nvPr>
+            <p:ph type="title"/>
+          </p:nvPr>
+        </p:nvSpPr>
+        <p:spPr/>
+        <p:txBody>
+          <a:bodyPr/>
+          <a:lstStyle/>
+          <a:p>
+            <a:r>
+              <a:rPr lang="en-CA" dirty="0"/>
+              <a:t>What haven’t I told you about</a:t>
+            </a:r>
+          </a:p>
+        </p:txBody>
+      </p:sp>
+      <p:sp>
+        <p:nvSpPr>
+          <p:cNvPr id="3" name="Content Placeholder 2">
+            <a:extLst>
+              <a:ext uri="{FF2B5EF4-FFF2-40B4-BE49-F238E27FC236}">
+                <a16:creationId xmlns:a16="http://schemas.microsoft.com/office/drawing/2014/main" id="{9B42BF67-EFB8-489B-B991-588A0AA2BBCC}"/>
+              </a:ext>
+            </a:extLst>
+          </p:cNvPr>
+          <p:cNvSpPr>
+            <a:spLocks noGrp="1"/>
+          </p:cNvSpPr>
+          <p:nvPr>
+            <p:ph idx="1"/>
+          </p:nvPr>
+        </p:nvSpPr>
+        <p:spPr/>
+        <p:txBody>
+          <a:bodyPr/>
+          <a:lstStyle/>
+          <a:p>
+            <a:r>
+              <a:rPr lang="en-CA" dirty="0"/>
+              <a:t>&lt;div&gt; tag</a:t>
+            </a:r>
+          </a:p>
+          <a:p>
+            <a:pPr lvl="1"/>
+            <a:r>
+              <a:rPr lang="en-CA" dirty="0"/>
+              <a:t>Designed to format the document into the shape you want it (text box here, </a:t>
+            </a:r>
+            <a:r>
+              <a:rPr lang="en-CA" dirty="0" err="1"/>
+              <a:t>etc</a:t>
+            </a:r>
+            <a:r>
+              <a:rPr lang="en-CA" dirty="0"/>
+              <a:t>)</a:t>
+            </a:r>
+          </a:p>
+          <a:p>
+            <a:pPr lvl="1"/>
+            <a:endParaRPr lang="en-CA" dirty="0"/>
+          </a:p>
+          <a:p>
+            <a:r>
+              <a:rPr lang="en-CA" dirty="0"/>
+              <a:t>&lt;input&gt; and &lt;form&gt; tags</a:t>
+            </a:r>
+          </a:p>
+          <a:p>
+            <a:pPr lvl="1"/>
+            <a:r>
+              <a:rPr lang="en-CA" dirty="0"/>
+              <a:t>Used to take some form on input from the user (anything from passwords to color pickers)</a:t>
+            </a:r>
+          </a:p>
+          <a:p>
+            <a:pPr lvl="1"/>
+            <a:endParaRPr lang="en-CA" dirty="0"/>
+          </a:p>
+          <a:p>
+            <a:endParaRPr lang="en-CA" dirty="0"/>
+          </a:p>
+        </p:txBody>
+      </p:sp>
+    </p:spTree>
+    <p:extLst>
+      <p:ext uri="{BB962C8B-B14F-4D97-AF65-F5344CB8AC3E}">
+        <p14:creationId xmlns:p14="http://schemas.microsoft.com/office/powerpoint/2010/main" val="1469471187"/>
+      </p:ext>
+    </p:extLst>
+  </p:cSld>
+  <p:clrMapOvr>
+    <a:masterClrMapping/>
+  </p:clrMapOvr>
+</p:sld>
+</file>
+
+<file path=ppt/slides/slide14.xml><?xml version="1.0" encoding="utf-8"?>
+<p:sld xmlns:a="http://schemas.openxmlformats.org/drawingml/2006/main" xmlns:r="http://schemas.openxmlformats.org/officeDocument/2006/relationships" xmlns:p="http://schemas.openxmlformats.org/presentationml/2006/main">
+  <p:cSld>
+    <p:spTree>
+      <p:nvGrpSpPr>
+        <p:cNvPr id="1" name=""/>
+        <p:cNvGrpSpPr/>
+        <p:nvPr/>
+      </p:nvGrpSpPr>
+      <p:grpSpPr>
+        <a:xfrm>
+          <a:off x="0" y="0"/>
+          <a:ext cx="0" cy="0"/>
+          <a:chOff x="0" y="0"/>
+          <a:chExt cx="0" cy="0"/>
+        </a:xfrm>
+      </p:grpSpPr>
+      <p:sp>
+        <p:nvSpPr>
+          <p:cNvPr id="2" name="Title 1">
+            <a:extLst>
+              <a:ext uri="{FF2B5EF4-FFF2-40B4-BE49-F238E27FC236}">
                 <a16:creationId xmlns:a16="http://schemas.microsoft.com/office/drawing/2014/main" id="{43E212B3-2957-497F-9E21-81FCA6A79EC2}"/>
               </a:ext>
             </a:extLst>
@@ -21487,6 +21737,36 @@
               <a:t>}</a:t>
             </a:r>
           </a:p>
+          <a:p>
+            <a:pPr marL="0" indent="0">
+              <a:buNone/>
+            </a:pPr>
+            <a:endParaRPr lang="en-CA" dirty="0"/>
+          </a:p>
+          <a:p>
+            <a:pPr marL="0" indent="0">
+              <a:buNone/>
+            </a:pPr>
+            <a:r>
+              <a:rPr lang="en-CA" dirty="0"/>
+              <a:t>Either goes inside a &lt;style&gt; … &lt;/style&gt; tag (like in the email)</a:t>
+            </a:r>
+          </a:p>
+          <a:p>
+            <a:pPr marL="0" indent="0">
+              <a:buNone/>
+            </a:pPr>
+            <a:endParaRPr lang="en-CA" dirty="0"/>
+          </a:p>
+          <a:p>
+            <a:pPr marL="0" indent="0">
+              <a:buNone/>
+            </a:pPr>
+            <a:r>
+              <a:rPr lang="en-CA" dirty="0"/>
+              <a:t>Or in it’s own document with the &lt;link&gt; tag</a:t>
+            </a:r>
+          </a:p>
         </p:txBody>
       </p:sp>
     </p:spTree>
@@ -21502,7 +21782,7 @@
 </p:sld>
 </file>
 
-<file path=ppt/slides/slide13.xml><?xml version="1.0" encoding="utf-8"?>
+<file path=ppt/slides/slide15.xml><?xml version="1.0" encoding="utf-8"?>
 <p:sld xmlns:a="http://schemas.openxmlformats.org/drawingml/2006/main" xmlns:r="http://schemas.openxmlformats.org/officeDocument/2006/relationships" xmlns:p="http://schemas.openxmlformats.org/presentationml/2006/main">
   <p:cSld>
     <p:spTree>
@@ -21565,7 +21845,9 @@
         </p:nvSpPr>
         <p:spPr/>
         <p:txBody>
-          <a:bodyPr/>
+          <a:bodyPr>
+            <a:normAutofit fontScale="92500" lnSpcReduction="20000"/>
+          </a:bodyPr>
           <a:lstStyle/>
           <a:p>
             <a:r>
@@ -21614,15 +21896,40 @@
             </a:pPr>
             <a:r>
               <a:rPr lang="en-CA" dirty="0"/>
-              <a:t>IDs (A single </a:t>
-            </a:r>
-            <a:r>
-              <a:rPr lang="en-CA"/>
-              <a:t>or a few </a:t>
-            </a:r>
+              <a:t>IDs (A single or a few specific HTML objects)</a:t>
+            </a:r>
+          </a:p>
+          <a:p>
+            <a:pPr marL="457200" indent="-457200">
+              <a:buFont typeface="+mj-lt"/>
+              <a:buAutoNum type="arabicPeriod"/>
+            </a:pPr>
+            <a:endParaRPr lang="en-CA" dirty="0"/>
+          </a:p>
+          <a:p>
+            <a:pPr marL="457200" indent="-457200">
+              <a:buFont typeface="+mj-lt"/>
+              <a:buAutoNum type="arabicPeriod"/>
+            </a:pPr>
             <a:r>
               <a:rPr lang="en-CA" dirty="0"/>
-              <a:t>specific HTML objects)</a:t>
+              <a:t>Style attribute (Writing your style inside the HTML tag, don’t do this)</a:t>
+            </a:r>
+          </a:p>
+          <a:p>
+            <a:pPr marL="457200" indent="-457200">
+              <a:buFont typeface="+mj-lt"/>
+              <a:buAutoNum type="arabicPeriod"/>
+            </a:pPr>
+            <a:endParaRPr lang="en-CA" dirty="0"/>
+          </a:p>
+          <a:p>
+            <a:pPr marL="0" indent="0">
+              <a:buNone/>
+            </a:pPr>
+            <a:r>
+              <a:rPr lang="en-CA" dirty="0"/>
+              <a:t>An ID will never be overwritten by a class, a class never by an element</a:t>
             </a:r>
           </a:p>
         </p:txBody>
@@ -21631,172 +21938,6 @@
     <p:extLst>
       <p:ext uri="{BB962C8B-B14F-4D97-AF65-F5344CB8AC3E}">
         <p14:creationId xmlns:p14="http://schemas.microsoft.com/office/powerpoint/2010/main" val="1094751747"/>
-      </p:ext>
-    </p:extLst>
-  </p:cSld>
-  <p:clrMapOvr>
-    <a:masterClrMapping/>
-  </p:clrMapOvr>
-</p:sld>
-</file>
-
-<file path=ppt/slides/slide14.xml><?xml version="1.0" encoding="utf-8"?>
-<p:sld xmlns:a="http://schemas.openxmlformats.org/drawingml/2006/main" xmlns:r="http://schemas.openxmlformats.org/officeDocument/2006/relationships" xmlns:p="http://schemas.openxmlformats.org/presentationml/2006/main">
-  <p:cSld>
-    <p:spTree>
-      <p:nvGrpSpPr>
-        <p:cNvPr id="1" name=""/>
-        <p:cNvGrpSpPr/>
-        <p:nvPr/>
-      </p:nvGrpSpPr>
-      <p:grpSpPr>
-        <a:xfrm>
-          <a:off x="0" y="0"/>
-          <a:ext cx="0" cy="0"/>
-          <a:chOff x="0" y="0"/>
-          <a:chExt cx="0" cy="0"/>
-        </a:xfrm>
-      </p:grpSpPr>
-      <p:sp>
-        <p:nvSpPr>
-          <p:cNvPr id="2" name="Title 1">
-            <a:extLst>
-              <a:ext uri="{FF2B5EF4-FFF2-40B4-BE49-F238E27FC236}">
-                <a16:creationId xmlns:a16="http://schemas.microsoft.com/office/drawing/2014/main" id="{F92DA1C4-AA93-49AD-A978-52EEA3631216}"/>
-              </a:ext>
-            </a:extLst>
-          </p:cNvPr>
-          <p:cNvSpPr>
-            <a:spLocks noGrp="1"/>
-          </p:cNvSpPr>
-          <p:nvPr>
-            <p:ph type="title"/>
-          </p:nvPr>
-        </p:nvSpPr>
-        <p:spPr/>
-        <p:txBody>
-          <a:bodyPr/>
-          <a:lstStyle/>
-          <a:p>
-            <a:r>
-              <a:rPr lang="en-CA" dirty="0"/>
-              <a:t>Link tag</a:t>
-            </a:r>
-          </a:p>
-        </p:txBody>
-      </p:sp>
-      <p:sp>
-        <p:nvSpPr>
-          <p:cNvPr id="3" name="Content Placeholder 2">
-            <a:extLst>
-              <a:ext uri="{FF2B5EF4-FFF2-40B4-BE49-F238E27FC236}">
-                <a16:creationId xmlns:a16="http://schemas.microsoft.com/office/drawing/2014/main" id="{95A81A9E-FEAD-4BD6-BAD9-0838F01EF6E6}"/>
-              </a:ext>
-            </a:extLst>
-          </p:cNvPr>
-          <p:cNvSpPr>
-            <a:spLocks noGrp="1"/>
-          </p:cNvSpPr>
-          <p:nvPr>
-            <p:ph idx="1"/>
-          </p:nvPr>
-        </p:nvSpPr>
-        <p:spPr/>
-        <p:txBody>
-          <a:bodyPr/>
-          <a:lstStyle/>
-          <a:p>
-            <a:endParaRPr lang="en-CA" dirty="0"/>
-          </a:p>
-        </p:txBody>
-      </p:sp>
-    </p:spTree>
-    <p:extLst>
-      <p:ext uri="{BB962C8B-B14F-4D97-AF65-F5344CB8AC3E}">
-        <p14:creationId xmlns:p14="http://schemas.microsoft.com/office/powerpoint/2010/main" val="3508735091"/>
-      </p:ext>
-    </p:extLst>
-  </p:cSld>
-  <p:clrMapOvr>
-    <a:masterClrMapping/>
-  </p:clrMapOvr>
-</p:sld>
-</file>
-
-<file path=ppt/slides/slide15.xml><?xml version="1.0" encoding="utf-8"?>
-<p:sld xmlns:a="http://schemas.openxmlformats.org/drawingml/2006/main" xmlns:r="http://schemas.openxmlformats.org/officeDocument/2006/relationships" xmlns:p="http://schemas.openxmlformats.org/presentationml/2006/main">
-  <p:cSld>
-    <p:spTree>
-      <p:nvGrpSpPr>
-        <p:cNvPr id="1" name=""/>
-        <p:cNvGrpSpPr/>
-        <p:nvPr/>
-      </p:nvGrpSpPr>
-      <p:grpSpPr>
-        <a:xfrm>
-          <a:off x="0" y="0"/>
-          <a:ext cx="0" cy="0"/>
-          <a:chOff x="0" y="0"/>
-          <a:chExt cx="0" cy="0"/>
-        </a:xfrm>
-      </p:grpSpPr>
-      <p:sp>
-        <p:nvSpPr>
-          <p:cNvPr id="2" name="Title 1">
-            <a:extLst>
-              <a:ext uri="{FF2B5EF4-FFF2-40B4-BE49-F238E27FC236}">
-                <a16:creationId xmlns:a16="http://schemas.microsoft.com/office/drawing/2014/main" id="{78D00A4E-56EB-4154-8C0C-19CA73BFDBFB}"/>
-              </a:ext>
-            </a:extLst>
-          </p:cNvPr>
-          <p:cNvSpPr>
-            <a:spLocks noGrp="1"/>
-          </p:cNvSpPr>
-          <p:nvPr>
-            <p:ph type="title"/>
-          </p:nvPr>
-        </p:nvSpPr>
-        <p:spPr/>
-        <p:txBody>
-          <a:bodyPr/>
-          <a:lstStyle/>
-          <a:p>
-            <a:r>
-              <a:rPr lang="en-CA" dirty="0"/>
-              <a:t>Changing the monthly email</a:t>
-            </a:r>
-          </a:p>
-        </p:txBody>
-      </p:sp>
-      <p:sp>
-        <p:nvSpPr>
-          <p:cNvPr id="3" name="Content Placeholder 2">
-            <a:extLst>
-              <a:ext uri="{FF2B5EF4-FFF2-40B4-BE49-F238E27FC236}">
-                <a16:creationId xmlns:a16="http://schemas.microsoft.com/office/drawing/2014/main" id="{CD295E39-894C-47C1-B82D-3945947C8C21}"/>
-              </a:ext>
-            </a:extLst>
-          </p:cNvPr>
-          <p:cNvSpPr>
-            <a:spLocks noGrp="1"/>
-          </p:cNvSpPr>
-          <p:nvPr>
-            <p:ph idx="1"/>
-          </p:nvPr>
-        </p:nvSpPr>
-        <p:spPr/>
-        <p:txBody>
-          <a:bodyPr/>
-          <a:lstStyle/>
-          <a:p>
-            <a:endParaRPr lang="en-CA" dirty="0"/>
-          </a:p>
-        </p:txBody>
-      </p:sp>
-    </p:spTree>
-    <p:extLst>
-      <p:ext uri="{BB962C8B-B14F-4D97-AF65-F5344CB8AC3E}">
-        <p14:creationId xmlns:p14="http://schemas.microsoft.com/office/powerpoint/2010/main" val="662534892"/>
       </p:ext>
     </p:extLst>
   </p:cSld>
@@ -21828,7 +21969,7 @@
           <p:cNvPr id="2" name="Title 1">
             <a:extLst>
               <a:ext uri="{FF2B5EF4-FFF2-40B4-BE49-F238E27FC236}">
-                <a16:creationId xmlns:a16="http://schemas.microsoft.com/office/drawing/2014/main" id="{EA9178DB-FF5A-4DEA-8081-A89999BAC8DE}"/>
+                <a16:creationId xmlns:a16="http://schemas.microsoft.com/office/drawing/2014/main" id="{E93CA706-E391-46F3-9E52-01C0B79997A1}"/>
               </a:ext>
             </a:extLst>
           </p:cNvPr>
@@ -21844,9 +21985,99 @@
           <a:bodyPr/>
           <a:lstStyle/>
           <a:p>
+            <a:endParaRPr lang="en-CA"/>
+          </a:p>
+        </p:txBody>
+      </p:sp>
+      <p:pic>
+        <p:nvPicPr>
+          <p:cNvPr id="5" name="Content Placeholder 4">
+            <a:extLst>
+              <a:ext uri="{FF2B5EF4-FFF2-40B4-BE49-F238E27FC236}">
+                <a16:creationId xmlns:a16="http://schemas.microsoft.com/office/drawing/2014/main" id="{6FD00358-BFEF-470D-988C-1543DC295B42}"/>
+              </a:ext>
+            </a:extLst>
+          </p:cNvPr>
+          <p:cNvPicPr>
+            <a:picLocks noGrp="1" noChangeAspect="1"/>
+          </p:cNvPicPr>
+          <p:nvPr>
+            <p:ph idx="1"/>
+          </p:nvPr>
+        </p:nvPicPr>
+        <p:blipFill>
+          <a:blip r:embed="rId2">
+            <a:extLst>
+              <a:ext uri="{28A0092B-C50C-407E-A947-70E740481C1C}">
+                <a14:useLocalDpi xmlns:a14="http://schemas.microsoft.com/office/drawing/2010/main" val="0"/>
+              </a:ext>
+            </a:extLst>
+          </a:blip>
+          <a:stretch>
+            <a:fillRect/>
+          </a:stretch>
+        </p:blipFill>
+        <p:spPr>
+          <a:xfrm>
+            <a:off x="702297" y="132694"/>
+            <a:ext cx="10774838" cy="6540515"/>
+          </a:xfrm>
+        </p:spPr>
+      </p:pic>
+    </p:spTree>
+    <p:extLst>
+      <p:ext uri="{BB962C8B-B14F-4D97-AF65-F5344CB8AC3E}">
+        <p14:creationId xmlns:p14="http://schemas.microsoft.com/office/powerpoint/2010/main" val="2673028872"/>
+      </p:ext>
+    </p:extLst>
+  </p:cSld>
+  <p:clrMapOvr>
+    <a:masterClrMapping/>
+  </p:clrMapOvr>
+</p:sld>
+</file>
+
+<file path=ppt/slides/slide17.xml><?xml version="1.0" encoding="utf-8"?>
+<p:sld xmlns:a="http://schemas.openxmlformats.org/drawingml/2006/main" xmlns:r="http://schemas.openxmlformats.org/officeDocument/2006/relationships" xmlns:p="http://schemas.openxmlformats.org/presentationml/2006/main">
+  <p:cSld>
+    <p:spTree>
+      <p:nvGrpSpPr>
+        <p:cNvPr id="1" name=""/>
+        <p:cNvGrpSpPr/>
+        <p:nvPr/>
+      </p:nvGrpSpPr>
+      <p:grpSpPr>
+        <a:xfrm>
+          <a:off x="0" y="0"/>
+          <a:ext cx="0" cy="0"/>
+          <a:chOff x="0" y="0"/>
+          <a:chExt cx="0" cy="0"/>
+        </a:xfrm>
+      </p:grpSpPr>
+      <p:sp>
+        <p:nvSpPr>
+          <p:cNvPr id="2" name="Title 1">
+            <a:extLst>
+              <a:ext uri="{FF2B5EF4-FFF2-40B4-BE49-F238E27FC236}">
+                <a16:creationId xmlns:a16="http://schemas.microsoft.com/office/drawing/2014/main" id="{C8B0F078-7D64-408C-AB19-D5A67D89D3ED}"/>
+              </a:ext>
+            </a:extLst>
+          </p:cNvPr>
+          <p:cNvSpPr>
+            <a:spLocks noGrp="1"/>
+          </p:cNvSpPr>
+          <p:nvPr>
+            <p:ph type="title"/>
+          </p:nvPr>
+        </p:nvSpPr>
+        <p:spPr/>
+        <p:txBody>
+          <a:bodyPr/>
+          <a:lstStyle/>
+          <a:p>
             <a:r>
               <a:rPr lang="en-CA" dirty="0"/>
-              <a:t>Resources</a:t>
+              <a:t>Specificity</a:t>
             </a:r>
           </a:p>
         </p:txBody>
@@ -21856,7 +22087,221 @@
           <p:cNvPr id="3" name="Content Placeholder 2">
             <a:extLst>
               <a:ext uri="{FF2B5EF4-FFF2-40B4-BE49-F238E27FC236}">
-                <a16:creationId xmlns:a16="http://schemas.microsoft.com/office/drawing/2014/main" id="{75D53DAC-EF41-4B8C-813B-86A5CF29B80D}"/>
+                <a16:creationId xmlns:a16="http://schemas.microsoft.com/office/drawing/2014/main" id="{7704A620-9A16-41AC-827C-41869BA8FF94}"/>
+              </a:ext>
+            </a:extLst>
+          </p:cNvPr>
+          <p:cNvSpPr>
+            <a:spLocks noGrp="1"/>
+          </p:cNvSpPr>
+          <p:nvPr>
+            <p:ph idx="1"/>
+          </p:nvPr>
+        </p:nvSpPr>
+        <p:spPr/>
+        <p:txBody>
+          <a:bodyPr/>
+          <a:lstStyle/>
+          <a:p>
+            <a:r>
+              <a:rPr lang="en-CA" dirty="0">
+                <a:hlinkClick r:id="rId2"/>
+              </a:rPr>
+              <a:t>https://specificity.keegan.st/</a:t>
+            </a:r>
+            <a:endParaRPr lang="en-CA" dirty="0"/>
+          </a:p>
+          <a:p>
+            <a:endParaRPr lang="en-CA" dirty="0"/>
+          </a:p>
+        </p:txBody>
+      </p:sp>
+    </p:spTree>
+    <p:extLst>
+      <p:ext uri="{BB962C8B-B14F-4D97-AF65-F5344CB8AC3E}">
+        <p14:creationId xmlns:p14="http://schemas.microsoft.com/office/powerpoint/2010/main" val="1654677263"/>
+      </p:ext>
+    </p:extLst>
+  </p:cSld>
+  <p:clrMapOvr>
+    <a:masterClrMapping/>
+  </p:clrMapOvr>
+</p:sld>
+</file>
+
+<file path=ppt/slides/slide18.xml><?xml version="1.0" encoding="utf-8"?>
+<p:sld xmlns:a="http://schemas.openxmlformats.org/drawingml/2006/main" xmlns:r="http://schemas.openxmlformats.org/officeDocument/2006/relationships" xmlns:p="http://schemas.openxmlformats.org/presentationml/2006/main">
+  <p:cSld>
+    <p:spTree>
+      <p:nvGrpSpPr>
+        <p:cNvPr id="1" name=""/>
+        <p:cNvGrpSpPr/>
+        <p:nvPr/>
+      </p:nvGrpSpPr>
+      <p:grpSpPr>
+        <a:xfrm>
+          <a:off x="0" y="0"/>
+          <a:ext cx="0" cy="0"/>
+          <a:chOff x="0" y="0"/>
+          <a:chExt cx="0" cy="0"/>
+        </a:xfrm>
+      </p:grpSpPr>
+      <p:sp>
+        <p:nvSpPr>
+          <p:cNvPr id="2" name="Title 1">
+            <a:extLst>
+              <a:ext uri="{FF2B5EF4-FFF2-40B4-BE49-F238E27FC236}">
+                <a16:creationId xmlns:a16="http://schemas.microsoft.com/office/drawing/2014/main" id="{6EBD10BC-1475-4326-A366-9BDBD9EE2881}"/>
+              </a:ext>
+            </a:extLst>
+          </p:cNvPr>
+          <p:cNvSpPr>
+            <a:spLocks noGrp="1"/>
+          </p:cNvSpPr>
+          <p:nvPr>
+            <p:ph type="title"/>
+          </p:nvPr>
+        </p:nvSpPr>
+        <p:spPr/>
+        <p:txBody>
+          <a:bodyPr/>
+          <a:lstStyle/>
+          <a:p>
+            <a:r>
+              <a:rPr lang="en-CA" dirty="0"/>
+              <a:t>Element Selector</a:t>
+            </a:r>
+          </a:p>
+        </p:txBody>
+      </p:sp>
+      <p:sp>
+        <p:nvSpPr>
+          <p:cNvPr id="3" name="Content Placeholder 2">
+            <a:extLst>
+              <a:ext uri="{FF2B5EF4-FFF2-40B4-BE49-F238E27FC236}">
+                <a16:creationId xmlns:a16="http://schemas.microsoft.com/office/drawing/2014/main" id="{D97AB3D0-E2A1-4BE8-92DC-F1DF920FECBB}"/>
+              </a:ext>
+            </a:extLst>
+          </p:cNvPr>
+          <p:cNvSpPr>
+            <a:spLocks noGrp="1"/>
+          </p:cNvSpPr>
+          <p:nvPr>
+            <p:ph idx="1"/>
+          </p:nvPr>
+        </p:nvSpPr>
+        <p:spPr/>
+        <p:txBody>
+          <a:bodyPr/>
+          <a:lstStyle/>
+          <a:p>
+            <a:pPr marL="0" indent="0">
+              <a:buNone/>
+            </a:pPr>
+            <a:r>
+              <a:rPr lang="en-CA" dirty="0"/>
+              <a:t>p {</a:t>
+            </a:r>
+          </a:p>
+          <a:p>
+            <a:pPr marL="0" indent="0">
+              <a:buNone/>
+            </a:pPr>
+            <a:r>
+              <a:rPr lang="en-CA" dirty="0"/>
+              <a:t>	font-family: times new roman;</a:t>
+            </a:r>
+          </a:p>
+          <a:p>
+            <a:pPr marL="0" indent="0">
+              <a:buNone/>
+            </a:pPr>
+            <a:r>
+              <a:rPr lang="en-CA" dirty="0"/>
+              <a:t>}</a:t>
+            </a:r>
+          </a:p>
+          <a:p>
+            <a:pPr marL="0" indent="0">
+              <a:buNone/>
+            </a:pPr>
+            <a:endParaRPr lang="en-CA" dirty="0"/>
+          </a:p>
+          <a:p>
+            <a:pPr marL="0" indent="0">
+              <a:buNone/>
+            </a:pPr>
+            <a:r>
+              <a:rPr lang="en-CA" dirty="0"/>
+              <a:t>What would this select?</a:t>
+            </a:r>
+          </a:p>
+        </p:txBody>
+      </p:sp>
+    </p:spTree>
+    <p:extLst>
+      <p:ext uri="{BB962C8B-B14F-4D97-AF65-F5344CB8AC3E}">
+        <p14:creationId xmlns:p14="http://schemas.microsoft.com/office/powerpoint/2010/main" val="4139977143"/>
+      </p:ext>
+    </p:extLst>
+  </p:cSld>
+  <p:clrMapOvr>
+    <a:masterClrMapping/>
+  </p:clrMapOvr>
+</p:sld>
+</file>
+
+<file path=ppt/slides/slide19.xml><?xml version="1.0" encoding="utf-8"?>
+<p:sld xmlns:a="http://schemas.openxmlformats.org/drawingml/2006/main" xmlns:r="http://schemas.openxmlformats.org/officeDocument/2006/relationships" xmlns:p="http://schemas.openxmlformats.org/presentationml/2006/main">
+  <p:cSld>
+    <p:spTree>
+      <p:nvGrpSpPr>
+        <p:cNvPr id="1" name=""/>
+        <p:cNvGrpSpPr/>
+        <p:nvPr/>
+      </p:nvGrpSpPr>
+      <p:grpSpPr>
+        <a:xfrm>
+          <a:off x="0" y="0"/>
+          <a:ext cx="0" cy="0"/>
+          <a:chOff x="0" y="0"/>
+          <a:chExt cx="0" cy="0"/>
+        </a:xfrm>
+      </p:grpSpPr>
+      <p:sp>
+        <p:nvSpPr>
+          <p:cNvPr id="2" name="Title 1">
+            <a:extLst>
+              <a:ext uri="{FF2B5EF4-FFF2-40B4-BE49-F238E27FC236}">
+                <a16:creationId xmlns:a16="http://schemas.microsoft.com/office/drawing/2014/main" id="{BEB0EC8F-E6F6-4533-A485-89263D0A0D80}"/>
+              </a:ext>
+            </a:extLst>
+          </p:cNvPr>
+          <p:cNvSpPr>
+            <a:spLocks noGrp="1"/>
+          </p:cNvSpPr>
+          <p:nvPr>
+            <p:ph type="title"/>
+          </p:nvPr>
+        </p:nvSpPr>
+        <p:spPr/>
+        <p:txBody>
+          <a:bodyPr/>
+          <a:lstStyle/>
+          <a:p>
+            <a:r>
+              <a:rPr lang="en-CA" dirty="0"/>
+              <a:t>Classes</a:t>
+            </a:r>
+          </a:p>
+        </p:txBody>
+      </p:sp>
+      <p:sp>
+        <p:nvSpPr>
+          <p:cNvPr id="3" name="Content Placeholder 2">
+            <a:extLst>
+              <a:ext uri="{FF2B5EF4-FFF2-40B4-BE49-F238E27FC236}">
+                <a16:creationId xmlns:a16="http://schemas.microsoft.com/office/drawing/2014/main" id="{DBCC3607-0016-44B8-B8EB-A5C70935E87B}"/>
               </a:ext>
             </a:extLst>
           </p:cNvPr>
@@ -21874,98 +22319,102 @@
           </a:bodyPr>
           <a:lstStyle/>
           <a:p>
-            <a:r>
-              <a:rPr lang="en-CA" dirty="0">
-                <a:hlinkClick r:id="rId2"/>
-              </a:rPr>
-              <a:t>https://www.w3schools.com/</a:t>
-            </a:r>
-            <a:endParaRPr lang="en-CA" dirty="0"/>
-          </a:p>
-          <a:p>
-            <a:pPr lvl="1"/>
+            <a:pPr marL="0" indent="0">
+              <a:buNone/>
+            </a:pPr>
+            <a:r>
+              <a:rPr lang="en-CA" b="1" dirty="0"/>
+              <a:t>Assigned to html elements as:</a:t>
+            </a:r>
+          </a:p>
+          <a:p>
+            <a:pPr marL="0" indent="0">
+              <a:buNone/>
+            </a:pPr>
             <a:r>
               <a:rPr lang="en-CA" dirty="0"/>
-              <a:t>Tutorials, extensive references (documentation)</a:t>
-            </a:r>
-          </a:p>
-          <a:p>
-            <a:pPr lvl="1"/>
+              <a:t>	&lt;table class=“</a:t>
+            </a:r>
+            <a:r>
+              <a:rPr lang="en-CA" dirty="0" err="1"/>
+              <a:t>name_of_class</a:t>
+            </a:r>
             <a:r>
               <a:rPr lang="en-CA" dirty="0"/>
-              <a:t>If you learned a tenth of what’s here you’re hireable at Google</a:t>
-            </a:r>
-          </a:p>
-          <a:p>
-            <a:endParaRPr lang="en-CA" dirty="0"/>
-          </a:p>
-          <a:p>
-            <a:r>
-              <a:rPr lang="en-CA" dirty="0">
-                <a:hlinkClick r:id="rId3"/>
-              </a:rPr>
-              <a:t>https://stackoverflow.com</a:t>
-            </a:r>
-            <a:endParaRPr lang="en-CA" dirty="0"/>
-          </a:p>
-          <a:p>
-            <a:pPr lvl="1"/>
-            <a:r>
-              <a:rPr lang="en-CA" dirty="0"/>
-              <a:t>The #1 programing questions and answers website</a:t>
-            </a:r>
-          </a:p>
-          <a:p>
-            <a:pPr lvl="1"/>
-            <a:r>
-              <a:rPr lang="en-CA" dirty="0"/>
-              <a:t>Be careful about asking questions, it’s more useful to see previously answered questions (Yours probably isn’t new)</a:t>
-            </a:r>
-          </a:p>
-          <a:p>
-            <a:endParaRPr lang="en-CA" dirty="0"/>
-          </a:p>
-          <a:p>
-            <a:r>
-              <a:rPr lang="en-CA" dirty="0">
-                <a:hlinkClick r:id="rId4"/>
-              </a:rPr>
-              <a:t>https://developer.mozilla.org/en-US/</a:t>
-            </a:r>
-            <a:endParaRPr lang="en-CA" dirty="0"/>
-          </a:p>
-          <a:p>
-            <a:pPr lvl="1"/>
-            <a:r>
-              <a:rPr lang="en-CA" dirty="0"/>
-              <a:t>More tutorials, more references</a:t>
-            </a:r>
-          </a:p>
-          <a:p>
-            <a:endParaRPr lang="en-CA" dirty="0"/>
-          </a:p>
-          <a:p>
-            <a:pPr marL="128016" lvl="1" indent="0">
+              <a:t>”&gt; …  &lt;/table&gt;</a:t>
+            </a:r>
+          </a:p>
+          <a:p>
+            <a:pPr marL="0" indent="0">
               <a:buNone/>
             </a:pPr>
             <a:endParaRPr lang="en-CA" dirty="0"/>
           </a:p>
           <a:p>
+            <a:pPr marL="0" indent="0">
+              <a:buNone/>
+            </a:pPr>
+            <a:r>
+              <a:rPr lang="en-CA" b="1" dirty="0"/>
+              <a:t>Selected with CSS as:</a:t>
+            </a:r>
+          </a:p>
+          <a:p>
+            <a:pPr marL="0" indent="0">
+              <a:buNone/>
+            </a:pPr>
+            <a:r>
+              <a:rPr lang="en-CA" dirty="0"/>
+              <a:t>	.</a:t>
+            </a:r>
+            <a:r>
+              <a:rPr lang="en-CA" dirty="0" err="1"/>
+              <a:t>name_of_class</a:t>
+            </a:r>
+            <a:r>
+              <a:rPr lang="en-CA" dirty="0"/>
+              <a:t> {</a:t>
+            </a:r>
+          </a:p>
+          <a:p>
+            <a:pPr marL="0" indent="0">
+              <a:buNone/>
+            </a:pPr>
+            <a:r>
+              <a:rPr lang="en-CA" dirty="0"/>
+              <a:t>		font-weight: bold;</a:t>
+            </a:r>
+          </a:p>
+          <a:p>
+            <a:pPr marL="0" indent="0">
+              <a:buNone/>
+            </a:pPr>
+            <a:r>
+              <a:rPr lang="en-CA" dirty="0"/>
+              <a:t>	}</a:t>
+            </a:r>
+          </a:p>
+          <a:p>
+            <a:pPr marL="0" indent="0">
+              <a:buNone/>
+            </a:pPr>
             <a:endParaRPr lang="en-CA" dirty="0"/>
           </a:p>
           <a:p>
-            <a:endParaRPr lang="en-CA" dirty="0"/>
-          </a:p>
-          <a:p>
-            <a:pPr lvl="1"/>
-            <a:endParaRPr lang="en-CA" dirty="0"/>
+            <a:pPr marL="0" indent="0">
+              <a:buNone/>
+            </a:pPr>
+            <a:r>
+              <a:rPr lang="en-CA" dirty="0"/>
+              <a:t>Should be used on groups of similar elements </a:t>
+            </a:r>
           </a:p>
         </p:txBody>
       </p:sp>
     </p:spTree>
     <p:extLst>
       <p:ext uri="{BB962C8B-B14F-4D97-AF65-F5344CB8AC3E}">
-        <p14:creationId xmlns:p14="http://schemas.microsoft.com/office/powerpoint/2010/main" val="1059028407"/>
+        <p14:creationId xmlns:p14="http://schemas.microsoft.com/office/powerpoint/2010/main" val="2769173216"/>
       </p:ext>
     </p:extLst>
   </p:cSld>
@@ -22169,6 +22618,1199 @@
     <p:extLst>
       <p:ext uri="{BB962C8B-B14F-4D97-AF65-F5344CB8AC3E}">
         <p14:creationId xmlns:p14="http://schemas.microsoft.com/office/powerpoint/2010/main" val="1400745693"/>
+      </p:ext>
+    </p:extLst>
+  </p:cSld>
+  <p:clrMapOvr>
+    <a:masterClrMapping/>
+  </p:clrMapOvr>
+</p:sld>
+</file>
+
+<file path=ppt/slides/slide20.xml><?xml version="1.0" encoding="utf-8"?>
+<p:sld xmlns:a="http://schemas.openxmlformats.org/drawingml/2006/main" xmlns:r="http://schemas.openxmlformats.org/officeDocument/2006/relationships" xmlns:p="http://schemas.openxmlformats.org/presentationml/2006/main">
+  <p:cSld>
+    <p:spTree>
+      <p:nvGrpSpPr>
+        <p:cNvPr id="1" name=""/>
+        <p:cNvGrpSpPr/>
+        <p:nvPr/>
+      </p:nvGrpSpPr>
+      <p:grpSpPr>
+        <a:xfrm>
+          <a:off x="0" y="0"/>
+          <a:ext cx="0" cy="0"/>
+          <a:chOff x="0" y="0"/>
+          <a:chExt cx="0" cy="0"/>
+        </a:xfrm>
+      </p:grpSpPr>
+      <p:sp>
+        <p:nvSpPr>
+          <p:cNvPr id="2" name="Title 1">
+            <a:extLst>
+              <a:ext uri="{FF2B5EF4-FFF2-40B4-BE49-F238E27FC236}">
+                <a16:creationId xmlns:a16="http://schemas.microsoft.com/office/drawing/2014/main" id="{3ADC4034-D968-4A23-948A-921025337B97}"/>
+              </a:ext>
+            </a:extLst>
+          </p:cNvPr>
+          <p:cNvSpPr>
+            <a:spLocks noGrp="1"/>
+          </p:cNvSpPr>
+          <p:nvPr>
+            <p:ph type="title"/>
+          </p:nvPr>
+        </p:nvSpPr>
+        <p:spPr/>
+        <p:txBody>
+          <a:bodyPr/>
+          <a:lstStyle/>
+          <a:p>
+            <a:r>
+              <a:rPr lang="en-CA" dirty="0"/>
+              <a:t>Example class</a:t>
+            </a:r>
+          </a:p>
+        </p:txBody>
+      </p:sp>
+      <p:sp>
+        <p:nvSpPr>
+          <p:cNvPr id="3" name="Content Placeholder 2">
+            <a:extLst>
+              <a:ext uri="{FF2B5EF4-FFF2-40B4-BE49-F238E27FC236}">
+                <a16:creationId xmlns:a16="http://schemas.microsoft.com/office/drawing/2014/main" id="{C88B5EB2-4D6C-4F42-AD06-BDCE0A30F605}"/>
+              </a:ext>
+            </a:extLst>
+          </p:cNvPr>
+          <p:cNvSpPr>
+            <a:spLocks noGrp="1"/>
+          </p:cNvSpPr>
+          <p:nvPr>
+            <p:ph idx="1"/>
+          </p:nvPr>
+        </p:nvSpPr>
+        <p:spPr/>
+        <p:txBody>
+          <a:bodyPr/>
+          <a:lstStyle/>
+          <a:p>
+            <a:pPr marL="0" indent="0">
+              <a:buNone/>
+            </a:pPr>
+            <a:r>
+              <a:rPr lang="en-CA" dirty="0"/>
+              <a:t>.</a:t>
+            </a:r>
+            <a:r>
+              <a:rPr lang="en-CA" dirty="0" err="1"/>
+              <a:t>red_bold_text</a:t>
+            </a:r>
+            <a:r>
+              <a:rPr lang="en-CA" dirty="0"/>
+              <a:t> {</a:t>
+            </a:r>
+          </a:p>
+          <a:p>
+            <a:pPr marL="0" indent="0">
+              <a:buNone/>
+            </a:pPr>
+            <a:r>
+              <a:rPr lang="en-CA" dirty="0"/>
+              <a:t>	color: red;</a:t>
+            </a:r>
+            <a:br>
+              <a:rPr lang="en-CA" dirty="0"/>
+            </a:br>
+            <a:r>
+              <a:rPr lang="en-CA" dirty="0"/>
+              <a:t>	font-weight: bold;</a:t>
+            </a:r>
+            <a:br>
+              <a:rPr lang="en-CA" dirty="0"/>
+            </a:br>
+            <a:r>
+              <a:rPr lang="en-CA" dirty="0"/>
+              <a:t>	font-size: 18px;</a:t>
+            </a:r>
+          </a:p>
+          <a:p>
+            <a:pPr marL="0" indent="0">
+              <a:buNone/>
+            </a:pPr>
+            <a:r>
+              <a:rPr lang="en-CA" dirty="0"/>
+              <a:t>}</a:t>
+            </a:r>
+          </a:p>
+          <a:p>
+            <a:pPr marL="0" indent="0">
+              <a:buNone/>
+            </a:pPr>
+            <a:endParaRPr lang="en-CA" dirty="0"/>
+          </a:p>
+          <a:p>
+            <a:pPr marL="0" indent="0">
+              <a:buNone/>
+            </a:pPr>
+            <a:r>
+              <a:rPr lang="en-CA" dirty="0"/>
+              <a:t>&lt;p class=“</a:t>
+            </a:r>
+            <a:r>
+              <a:rPr lang="en-CA" dirty="0" err="1"/>
+              <a:t>red_bold_text</a:t>
+            </a:r>
+            <a:r>
+              <a:rPr lang="en-CA" dirty="0"/>
+              <a:t>”&gt; This text is important &lt;/p&gt;</a:t>
+            </a:r>
+          </a:p>
+          <a:p>
+            <a:endParaRPr lang="en-CA" dirty="0"/>
+          </a:p>
+        </p:txBody>
+      </p:sp>
+    </p:spTree>
+    <p:extLst>
+      <p:ext uri="{BB962C8B-B14F-4D97-AF65-F5344CB8AC3E}">
+        <p14:creationId xmlns:p14="http://schemas.microsoft.com/office/powerpoint/2010/main" val="366887784"/>
+      </p:ext>
+    </p:extLst>
+  </p:cSld>
+  <p:clrMapOvr>
+    <a:masterClrMapping/>
+  </p:clrMapOvr>
+</p:sld>
+</file>
+
+<file path=ppt/slides/slide21.xml><?xml version="1.0" encoding="utf-8"?>
+<p:sld xmlns:a="http://schemas.openxmlformats.org/drawingml/2006/main" xmlns:r="http://schemas.openxmlformats.org/officeDocument/2006/relationships" xmlns:p="http://schemas.openxmlformats.org/presentationml/2006/main">
+  <p:cSld>
+    <p:spTree>
+      <p:nvGrpSpPr>
+        <p:cNvPr id="1" name=""/>
+        <p:cNvGrpSpPr/>
+        <p:nvPr/>
+      </p:nvGrpSpPr>
+      <p:grpSpPr>
+        <a:xfrm>
+          <a:off x="0" y="0"/>
+          <a:ext cx="0" cy="0"/>
+          <a:chOff x="0" y="0"/>
+          <a:chExt cx="0" cy="0"/>
+        </a:xfrm>
+      </p:grpSpPr>
+      <p:sp>
+        <p:nvSpPr>
+          <p:cNvPr id="2" name="Title 1">
+            <a:extLst>
+              <a:ext uri="{FF2B5EF4-FFF2-40B4-BE49-F238E27FC236}">
+                <a16:creationId xmlns:a16="http://schemas.microsoft.com/office/drawing/2014/main" id="{79F5EE00-4874-46BE-AA48-53A80589A346}"/>
+              </a:ext>
+            </a:extLst>
+          </p:cNvPr>
+          <p:cNvSpPr>
+            <a:spLocks noGrp="1"/>
+          </p:cNvSpPr>
+          <p:nvPr>
+            <p:ph type="title"/>
+          </p:nvPr>
+        </p:nvSpPr>
+        <p:spPr/>
+        <p:txBody>
+          <a:bodyPr/>
+          <a:lstStyle/>
+          <a:p>
+            <a:r>
+              <a:rPr lang="en-CA" dirty="0"/>
+              <a:t>Ids</a:t>
+            </a:r>
+          </a:p>
+        </p:txBody>
+      </p:sp>
+      <p:sp>
+        <p:nvSpPr>
+          <p:cNvPr id="3" name="Content Placeholder 2">
+            <a:extLst>
+              <a:ext uri="{FF2B5EF4-FFF2-40B4-BE49-F238E27FC236}">
+                <a16:creationId xmlns:a16="http://schemas.microsoft.com/office/drawing/2014/main" id="{734614A5-926F-4CBB-B2C2-C81D8A84DC37}"/>
+              </a:ext>
+            </a:extLst>
+          </p:cNvPr>
+          <p:cNvSpPr>
+            <a:spLocks noGrp="1"/>
+          </p:cNvSpPr>
+          <p:nvPr>
+            <p:ph idx="1"/>
+          </p:nvPr>
+        </p:nvSpPr>
+        <p:spPr/>
+        <p:txBody>
+          <a:bodyPr>
+            <a:normAutofit lnSpcReduction="10000"/>
+          </a:bodyPr>
+          <a:lstStyle/>
+          <a:p>
+            <a:pPr marL="0" indent="0">
+              <a:buNone/>
+            </a:pPr>
+            <a:r>
+              <a:rPr lang="en-CA" b="1" dirty="0"/>
+              <a:t>Assigned to html elements as:</a:t>
+            </a:r>
+          </a:p>
+          <a:p>
+            <a:pPr marL="0" indent="0">
+              <a:buNone/>
+            </a:pPr>
+            <a:r>
+              <a:rPr lang="en-CA" dirty="0"/>
+              <a:t>	&lt;h1 id=“</a:t>
+            </a:r>
+            <a:r>
+              <a:rPr lang="en-CA" dirty="0" err="1"/>
+              <a:t>name_of_id</a:t>
+            </a:r>
+            <a:r>
+              <a:rPr lang="en-CA" dirty="0"/>
+              <a:t>”&gt; …  &lt;/h1&gt;</a:t>
+            </a:r>
+          </a:p>
+          <a:p>
+            <a:pPr marL="0" indent="0">
+              <a:buNone/>
+            </a:pPr>
+            <a:endParaRPr lang="en-CA" dirty="0"/>
+          </a:p>
+          <a:p>
+            <a:pPr marL="0" indent="0">
+              <a:buNone/>
+            </a:pPr>
+            <a:r>
+              <a:rPr lang="en-CA" b="1" dirty="0"/>
+              <a:t>Selected with CSS as:</a:t>
+            </a:r>
+          </a:p>
+          <a:p>
+            <a:pPr marL="0" indent="0">
+              <a:buNone/>
+            </a:pPr>
+            <a:r>
+              <a:rPr lang="en-CA" dirty="0"/>
+              <a:t>	#</a:t>
+            </a:r>
+            <a:r>
+              <a:rPr lang="en-CA" dirty="0" err="1"/>
+              <a:t>name_of_id</a:t>
+            </a:r>
+            <a:r>
+              <a:rPr lang="en-CA" dirty="0"/>
+              <a:t> {</a:t>
+            </a:r>
+          </a:p>
+          <a:p>
+            <a:pPr marL="0" indent="0">
+              <a:buNone/>
+            </a:pPr>
+            <a:r>
+              <a:rPr lang="en-CA" dirty="0"/>
+              <a:t>		color: grey;</a:t>
+            </a:r>
+          </a:p>
+          <a:p>
+            <a:pPr marL="0" indent="0">
+              <a:buNone/>
+            </a:pPr>
+            <a:r>
+              <a:rPr lang="en-CA" dirty="0"/>
+              <a:t>	}</a:t>
+            </a:r>
+          </a:p>
+          <a:p>
+            <a:pPr marL="0" indent="0">
+              <a:buNone/>
+            </a:pPr>
+            <a:endParaRPr lang="en-CA" dirty="0"/>
+          </a:p>
+          <a:p>
+            <a:pPr marL="0" indent="0">
+              <a:buNone/>
+            </a:pPr>
+            <a:r>
+              <a:rPr lang="en-CA" dirty="0"/>
+              <a:t>Should be used to refer to a single or very few specific elements</a:t>
+            </a:r>
+          </a:p>
+        </p:txBody>
+      </p:sp>
+    </p:spTree>
+    <p:extLst>
+      <p:ext uri="{BB962C8B-B14F-4D97-AF65-F5344CB8AC3E}">
+        <p14:creationId xmlns:p14="http://schemas.microsoft.com/office/powerpoint/2010/main" val="3388979870"/>
+      </p:ext>
+    </p:extLst>
+  </p:cSld>
+  <p:clrMapOvr>
+    <a:masterClrMapping/>
+  </p:clrMapOvr>
+</p:sld>
+</file>
+
+<file path=ppt/slides/slide22.xml><?xml version="1.0" encoding="utf-8"?>
+<p:sld xmlns:a="http://schemas.openxmlformats.org/drawingml/2006/main" xmlns:r="http://schemas.openxmlformats.org/officeDocument/2006/relationships" xmlns:p="http://schemas.openxmlformats.org/presentationml/2006/main">
+  <p:cSld>
+    <p:spTree>
+      <p:nvGrpSpPr>
+        <p:cNvPr id="1" name=""/>
+        <p:cNvGrpSpPr/>
+        <p:nvPr/>
+      </p:nvGrpSpPr>
+      <p:grpSpPr>
+        <a:xfrm>
+          <a:off x="0" y="0"/>
+          <a:ext cx="0" cy="0"/>
+          <a:chOff x="0" y="0"/>
+          <a:chExt cx="0" cy="0"/>
+        </a:xfrm>
+      </p:grpSpPr>
+      <p:sp>
+        <p:nvSpPr>
+          <p:cNvPr id="2" name="Title 1">
+            <a:extLst>
+              <a:ext uri="{FF2B5EF4-FFF2-40B4-BE49-F238E27FC236}">
+                <a16:creationId xmlns:a16="http://schemas.microsoft.com/office/drawing/2014/main" id="{92EC61CA-1DE9-42EA-913D-6B6FAFD77A47}"/>
+              </a:ext>
+            </a:extLst>
+          </p:cNvPr>
+          <p:cNvSpPr>
+            <a:spLocks noGrp="1"/>
+          </p:cNvSpPr>
+          <p:nvPr>
+            <p:ph type="title"/>
+          </p:nvPr>
+        </p:nvSpPr>
+        <p:spPr/>
+        <p:txBody>
+          <a:bodyPr/>
+          <a:lstStyle/>
+          <a:p>
+            <a:r>
+              <a:rPr lang="en-CA" dirty="0"/>
+              <a:t>Id example</a:t>
+            </a:r>
+          </a:p>
+        </p:txBody>
+      </p:sp>
+      <p:sp>
+        <p:nvSpPr>
+          <p:cNvPr id="3" name="Content Placeholder 2">
+            <a:extLst>
+              <a:ext uri="{FF2B5EF4-FFF2-40B4-BE49-F238E27FC236}">
+                <a16:creationId xmlns:a16="http://schemas.microsoft.com/office/drawing/2014/main" id="{F4E27E34-898A-4887-81F6-D9792F89538E}"/>
+              </a:ext>
+            </a:extLst>
+          </p:cNvPr>
+          <p:cNvSpPr>
+            <a:spLocks noGrp="1"/>
+          </p:cNvSpPr>
+          <p:nvPr>
+            <p:ph idx="1"/>
+          </p:nvPr>
+        </p:nvSpPr>
+        <p:spPr/>
+        <p:txBody>
+          <a:bodyPr/>
+          <a:lstStyle/>
+          <a:p>
+            <a:r>
+              <a:rPr lang="en-CA" dirty="0">
+                <a:solidFill>
+                  <a:srgbClr val="0000CD"/>
+                </a:solidFill>
+                <a:latin typeface="Consolas" panose="020B0609020204030204" pitchFamily="49" charset="0"/>
+              </a:rPr>
+              <a:t>&lt;</a:t>
+            </a:r>
+            <a:r>
+              <a:rPr lang="en-CA" dirty="0">
+                <a:solidFill>
+                  <a:srgbClr val="A52A2A"/>
+                </a:solidFill>
+                <a:latin typeface="Consolas" panose="020B0609020204030204" pitchFamily="49" charset="0"/>
+              </a:rPr>
+              <a:t>style</a:t>
+            </a:r>
+            <a:r>
+              <a:rPr lang="en-CA" dirty="0">
+                <a:solidFill>
+                  <a:srgbClr val="0000CD"/>
+                </a:solidFill>
+                <a:latin typeface="Consolas" panose="020B0609020204030204" pitchFamily="49" charset="0"/>
+              </a:rPr>
+              <a:t>&gt;</a:t>
+            </a:r>
+            <a:br>
+              <a:rPr lang="en-CA" dirty="0">
+                <a:solidFill>
+                  <a:srgbClr val="A52A2A"/>
+                </a:solidFill>
+                <a:latin typeface="Consolas" panose="020B0609020204030204" pitchFamily="49" charset="0"/>
+              </a:rPr>
+            </a:br>
+            <a:r>
+              <a:rPr lang="en-CA" b="1" dirty="0">
+                <a:solidFill>
+                  <a:srgbClr val="A52A2A"/>
+                </a:solidFill>
+                <a:latin typeface="Consolas" panose="020B0609020204030204" pitchFamily="49" charset="0"/>
+              </a:rPr>
+              <a:t>#</a:t>
+            </a:r>
+            <a:r>
+              <a:rPr lang="en-CA" b="1" dirty="0" err="1">
+                <a:solidFill>
+                  <a:srgbClr val="A52A2A"/>
+                </a:solidFill>
+                <a:latin typeface="Consolas" panose="020B0609020204030204" pitchFamily="49" charset="0"/>
+              </a:rPr>
+              <a:t>myHeader</a:t>
+            </a:r>
+            <a:r>
+              <a:rPr lang="en-CA" dirty="0">
+                <a:solidFill>
+                  <a:srgbClr val="A52A2A"/>
+                </a:solidFill>
+                <a:latin typeface="Consolas" panose="020B0609020204030204" pitchFamily="49" charset="0"/>
+              </a:rPr>
+              <a:t> </a:t>
+            </a:r>
+            <a:r>
+              <a:rPr lang="en-CA" dirty="0">
+                <a:solidFill>
+                  <a:srgbClr val="000000"/>
+                </a:solidFill>
+                <a:latin typeface="Consolas" panose="020B0609020204030204" pitchFamily="49" charset="0"/>
+              </a:rPr>
+              <a:t>{</a:t>
+            </a:r>
+            <a:br>
+              <a:rPr lang="en-CA" dirty="0">
+                <a:solidFill>
+                  <a:srgbClr val="FF0000"/>
+                </a:solidFill>
+                <a:latin typeface="Consolas" panose="020B0609020204030204" pitchFamily="49" charset="0"/>
+              </a:rPr>
+            </a:br>
+            <a:r>
+              <a:rPr lang="en-CA" dirty="0">
+                <a:solidFill>
+                  <a:srgbClr val="FF0000"/>
+                </a:solidFill>
+                <a:latin typeface="Consolas" panose="020B0609020204030204" pitchFamily="49" charset="0"/>
+              </a:rPr>
+              <a:t>    background-color</a:t>
+            </a:r>
+            <a:r>
+              <a:rPr lang="en-CA" dirty="0">
+                <a:solidFill>
+                  <a:srgbClr val="000000"/>
+                </a:solidFill>
+                <a:latin typeface="Consolas" panose="020B0609020204030204" pitchFamily="49" charset="0"/>
+              </a:rPr>
+              <a:t>:</a:t>
+            </a:r>
+            <a:r>
+              <a:rPr lang="en-CA" dirty="0">
+                <a:solidFill>
+                  <a:srgbClr val="0000CD"/>
+                </a:solidFill>
+                <a:latin typeface="Consolas" panose="020B0609020204030204" pitchFamily="49" charset="0"/>
+              </a:rPr>
+              <a:t> </a:t>
+            </a:r>
+            <a:r>
+              <a:rPr lang="en-CA" dirty="0" err="1">
+                <a:solidFill>
+                  <a:srgbClr val="0000CD"/>
+                </a:solidFill>
+                <a:latin typeface="Consolas" panose="020B0609020204030204" pitchFamily="49" charset="0"/>
+              </a:rPr>
+              <a:t>lightblue</a:t>
+            </a:r>
+            <a:r>
+              <a:rPr lang="en-CA" dirty="0">
+                <a:solidFill>
+                  <a:srgbClr val="000000"/>
+                </a:solidFill>
+                <a:latin typeface="Consolas" panose="020B0609020204030204" pitchFamily="49" charset="0"/>
+              </a:rPr>
+              <a:t>;</a:t>
+            </a:r>
+            <a:br>
+              <a:rPr lang="en-CA" dirty="0">
+                <a:solidFill>
+                  <a:srgbClr val="FF0000"/>
+                </a:solidFill>
+                <a:latin typeface="Consolas" panose="020B0609020204030204" pitchFamily="49" charset="0"/>
+              </a:rPr>
+            </a:br>
+            <a:r>
+              <a:rPr lang="en-CA" dirty="0">
+                <a:solidFill>
+                  <a:srgbClr val="FF0000"/>
+                </a:solidFill>
+                <a:latin typeface="Consolas" panose="020B0609020204030204" pitchFamily="49" charset="0"/>
+              </a:rPr>
+              <a:t>    color</a:t>
+            </a:r>
+            <a:r>
+              <a:rPr lang="en-CA" dirty="0">
+                <a:solidFill>
+                  <a:srgbClr val="000000"/>
+                </a:solidFill>
+                <a:latin typeface="Consolas" panose="020B0609020204030204" pitchFamily="49" charset="0"/>
+              </a:rPr>
+              <a:t>:</a:t>
+            </a:r>
+            <a:r>
+              <a:rPr lang="en-CA" dirty="0">
+                <a:solidFill>
+                  <a:srgbClr val="0000CD"/>
+                </a:solidFill>
+                <a:latin typeface="Consolas" panose="020B0609020204030204" pitchFamily="49" charset="0"/>
+              </a:rPr>
+              <a:t> black</a:t>
+            </a:r>
+            <a:r>
+              <a:rPr lang="en-CA" dirty="0">
+                <a:solidFill>
+                  <a:srgbClr val="000000"/>
+                </a:solidFill>
+                <a:latin typeface="Consolas" panose="020B0609020204030204" pitchFamily="49" charset="0"/>
+              </a:rPr>
+              <a:t>;</a:t>
+            </a:r>
+            <a:br>
+              <a:rPr lang="en-CA" dirty="0">
+                <a:solidFill>
+                  <a:srgbClr val="FF0000"/>
+                </a:solidFill>
+                <a:latin typeface="Consolas" panose="020B0609020204030204" pitchFamily="49" charset="0"/>
+              </a:rPr>
+            </a:br>
+            <a:r>
+              <a:rPr lang="en-CA" dirty="0">
+                <a:solidFill>
+                  <a:srgbClr val="FF0000"/>
+                </a:solidFill>
+                <a:latin typeface="Consolas" panose="020B0609020204030204" pitchFamily="49" charset="0"/>
+              </a:rPr>
+              <a:t>    padding</a:t>
+            </a:r>
+            <a:r>
+              <a:rPr lang="en-CA" dirty="0">
+                <a:solidFill>
+                  <a:srgbClr val="000000"/>
+                </a:solidFill>
+                <a:latin typeface="Consolas" panose="020B0609020204030204" pitchFamily="49" charset="0"/>
+              </a:rPr>
+              <a:t>:</a:t>
+            </a:r>
+            <a:r>
+              <a:rPr lang="en-CA" dirty="0">
+                <a:solidFill>
+                  <a:srgbClr val="0000CD"/>
+                </a:solidFill>
+                <a:latin typeface="Consolas" panose="020B0609020204030204" pitchFamily="49" charset="0"/>
+              </a:rPr>
+              <a:t> 40px</a:t>
+            </a:r>
+            <a:r>
+              <a:rPr lang="en-CA" dirty="0">
+                <a:solidFill>
+                  <a:srgbClr val="000000"/>
+                </a:solidFill>
+                <a:latin typeface="Consolas" panose="020B0609020204030204" pitchFamily="49" charset="0"/>
+              </a:rPr>
+              <a:t>;</a:t>
+            </a:r>
+            <a:br>
+              <a:rPr lang="en-CA" dirty="0">
+                <a:solidFill>
+                  <a:srgbClr val="FF0000"/>
+                </a:solidFill>
+                <a:latin typeface="Consolas" panose="020B0609020204030204" pitchFamily="49" charset="0"/>
+              </a:rPr>
+            </a:br>
+            <a:r>
+              <a:rPr lang="en-CA" dirty="0">
+                <a:solidFill>
+                  <a:srgbClr val="FF0000"/>
+                </a:solidFill>
+                <a:latin typeface="Consolas" panose="020B0609020204030204" pitchFamily="49" charset="0"/>
+              </a:rPr>
+              <a:t>    text-align</a:t>
+            </a:r>
+            <a:r>
+              <a:rPr lang="en-CA" dirty="0">
+                <a:solidFill>
+                  <a:srgbClr val="000000"/>
+                </a:solidFill>
+                <a:latin typeface="Consolas" panose="020B0609020204030204" pitchFamily="49" charset="0"/>
+              </a:rPr>
+              <a:t>:</a:t>
+            </a:r>
+            <a:r>
+              <a:rPr lang="en-CA" dirty="0">
+                <a:solidFill>
+                  <a:srgbClr val="0000CD"/>
+                </a:solidFill>
+                <a:latin typeface="Consolas" panose="020B0609020204030204" pitchFamily="49" charset="0"/>
+              </a:rPr>
+              <a:t> center</a:t>
+            </a:r>
+            <a:r>
+              <a:rPr lang="en-CA" dirty="0">
+                <a:solidFill>
+                  <a:srgbClr val="000000"/>
+                </a:solidFill>
+                <a:latin typeface="Consolas" panose="020B0609020204030204" pitchFamily="49" charset="0"/>
+              </a:rPr>
+              <a:t>;</a:t>
+            </a:r>
+            <a:br>
+              <a:rPr lang="en-CA" dirty="0">
+                <a:solidFill>
+                  <a:srgbClr val="FF0000"/>
+                </a:solidFill>
+                <a:latin typeface="Consolas" panose="020B0609020204030204" pitchFamily="49" charset="0"/>
+              </a:rPr>
+            </a:br>
+            <a:r>
+              <a:rPr lang="en-CA" dirty="0">
+                <a:solidFill>
+                  <a:srgbClr val="000000"/>
+                </a:solidFill>
+                <a:latin typeface="Consolas" panose="020B0609020204030204" pitchFamily="49" charset="0"/>
+              </a:rPr>
+              <a:t>}</a:t>
+            </a:r>
+            <a:r>
+              <a:rPr lang="en-CA" dirty="0">
+                <a:solidFill>
+                  <a:srgbClr val="A52A2A"/>
+                </a:solidFill>
+                <a:latin typeface="Consolas" panose="020B0609020204030204" pitchFamily="49" charset="0"/>
+              </a:rPr>
+              <a:t> </a:t>
+            </a:r>
+            <a:br>
+              <a:rPr lang="en-CA" dirty="0">
+                <a:solidFill>
+                  <a:srgbClr val="A52A2A"/>
+                </a:solidFill>
+                <a:latin typeface="Consolas" panose="020B0609020204030204" pitchFamily="49" charset="0"/>
+              </a:rPr>
+            </a:br>
+            <a:r>
+              <a:rPr lang="en-CA" dirty="0">
+                <a:solidFill>
+                  <a:srgbClr val="0000CD"/>
+                </a:solidFill>
+                <a:latin typeface="Consolas" panose="020B0609020204030204" pitchFamily="49" charset="0"/>
+              </a:rPr>
+              <a:t>&lt;</a:t>
+            </a:r>
+            <a:r>
+              <a:rPr lang="en-CA" dirty="0">
+                <a:solidFill>
+                  <a:srgbClr val="A52A2A"/>
+                </a:solidFill>
+                <a:latin typeface="Consolas" panose="020B0609020204030204" pitchFamily="49" charset="0"/>
+              </a:rPr>
+              <a:t>/style</a:t>
+            </a:r>
+            <a:r>
+              <a:rPr lang="en-CA" dirty="0">
+                <a:solidFill>
+                  <a:srgbClr val="0000CD"/>
+                </a:solidFill>
+                <a:latin typeface="Consolas" panose="020B0609020204030204" pitchFamily="49" charset="0"/>
+              </a:rPr>
+              <a:t>&gt;</a:t>
+            </a:r>
+            <a:br>
+              <a:rPr lang="en-CA" dirty="0"/>
+            </a:br>
+            <a:br>
+              <a:rPr lang="en-CA" dirty="0"/>
+            </a:br>
+            <a:r>
+              <a:rPr lang="en-CA" dirty="0">
+                <a:solidFill>
+                  <a:srgbClr val="0000CD"/>
+                </a:solidFill>
+                <a:latin typeface="Consolas" panose="020B0609020204030204" pitchFamily="49" charset="0"/>
+              </a:rPr>
+              <a:t>&lt;</a:t>
+            </a:r>
+            <a:r>
+              <a:rPr lang="en-CA" dirty="0">
+                <a:solidFill>
+                  <a:srgbClr val="A52A2A"/>
+                </a:solidFill>
+                <a:latin typeface="Consolas" panose="020B0609020204030204" pitchFamily="49" charset="0"/>
+              </a:rPr>
+              <a:t>h1</a:t>
+            </a:r>
+            <a:r>
+              <a:rPr lang="en-CA" dirty="0">
+                <a:solidFill>
+                  <a:srgbClr val="FF0000"/>
+                </a:solidFill>
+                <a:latin typeface="Consolas" panose="020B0609020204030204" pitchFamily="49" charset="0"/>
+              </a:rPr>
+              <a:t> id</a:t>
+            </a:r>
+            <a:r>
+              <a:rPr lang="en-CA" dirty="0">
+                <a:solidFill>
+                  <a:srgbClr val="0000CD"/>
+                </a:solidFill>
+                <a:latin typeface="Consolas" panose="020B0609020204030204" pitchFamily="49" charset="0"/>
+              </a:rPr>
+              <a:t>="</a:t>
+            </a:r>
+            <a:r>
+              <a:rPr lang="en-CA" dirty="0" err="1">
+                <a:solidFill>
+                  <a:srgbClr val="0000CD"/>
+                </a:solidFill>
+                <a:latin typeface="Consolas" panose="020B0609020204030204" pitchFamily="49" charset="0"/>
+              </a:rPr>
+              <a:t>myHeader</a:t>
+            </a:r>
+            <a:r>
+              <a:rPr lang="en-CA" dirty="0">
+                <a:solidFill>
+                  <a:srgbClr val="0000CD"/>
+                </a:solidFill>
+                <a:latin typeface="Consolas" panose="020B0609020204030204" pitchFamily="49" charset="0"/>
+              </a:rPr>
+              <a:t>"&gt;</a:t>
+            </a:r>
+            <a:r>
+              <a:rPr lang="en-CA" dirty="0">
+                <a:solidFill>
+                  <a:srgbClr val="000000"/>
+                </a:solidFill>
+                <a:latin typeface="Consolas" panose="020B0609020204030204" pitchFamily="49" charset="0"/>
+              </a:rPr>
+              <a:t>My Header</a:t>
+            </a:r>
+            <a:r>
+              <a:rPr lang="en-CA" dirty="0">
+                <a:solidFill>
+                  <a:srgbClr val="0000CD"/>
+                </a:solidFill>
+                <a:latin typeface="Consolas" panose="020B0609020204030204" pitchFamily="49" charset="0"/>
+              </a:rPr>
+              <a:t>&lt;</a:t>
+            </a:r>
+            <a:r>
+              <a:rPr lang="en-CA" dirty="0">
+                <a:solidFill>
+                  <a:srgbClr val="A52A2A"/>
+                </a:solidFill>
+                <a:latin typeface="Consolas" panose="020B0609020204030204" pitchFamily="49" charset="0"/>
+              </a:rPr>
+              <a:t>/h1</a:t>
+            </a:r>
+            <a:r>
+              <a:rPr lang="en-CA" dirty="0">
+                <a:solidFill>
+                  <a:srgbClr val="0000CD"/>
+                </a:solidFill>
+                <a:latin typeface="Consolas" panose="020B0609020204030204" pitchFamily="49" charset="0"/>
+              </a:rPr>
+              <a:t>&gt;</a:t>
+            </a:r>
+            <a:endParaRPr lang="en-CA" dirty="0"/>
+          </a:p>
+        </p:txBody>
+      </p:sp>
+    </p:spTree>
+    <p:extLst>
+      <p:ext uri="{BB962C8B-B14F-4D97-AF65-F5344CB8AC3E}">
+        <p14:creationId xmlns:p14="http://schemas.microsoft.com/office/powerpoint/2010/main" val="595468469"/>
+      </p:ext>
+    </p:extLst>
+  </p:cSld>
+  <p:clrMapOvr>
+    <a:masterClrMapping/>
+  </p:clrMapOvr>
+</p:sld>
+</file>
+
+<file path=ppt/slides/slide23.xml><?xml version="1.0" encoding="utf-8"?>
+<p:sld xmlns:a="http://schemas.openxmlformats.org/drawingml/2006/main" xmlns:r="http://schemas.openxmlformats.org/officeDocument/2006/relationships" xmlns:p="http://schemas.openxmlformats.org/presentationml/2006/main">
+  <p:cSld>
+    <p:spTree>
+      <p:nvGrpSpPr>
+        <p:cNvPr id="1" name=""/>
+        <p:cNvGrpSpPr/>
+        <p:nvPr/>
+      </p:nvGrpSpPr>
+      <p:grpSpPr>
+        <a:xfrm>
+          <a:off x="0" y="0"/>
+          <a:ext cx="0" cy="0"/>
+          <a:chOff x="0" y="0"/>
+          <a:chExt cx="0" cy="0"/>
+        </a:xfrm>
+      </p:grpSpPr>
+      <p:sp>
+        <p:nvSpPr>
+          <p:cNvPr id="2" name="Title 1">
+            <a:extLst>
+              <a:ext uri="{FF2B5EF4-FFF2-40B4-BE49-F238E27FC236}">
+                <a16:creationId xmlns:a16="http://schemas.microsoft.com/office/drawing/2014/main" id="{78D00A4E-56EB-4154-8C0C-19CA73BFDBFB}"/>
+              </a:ext>
+            </a:extLst>
+          </p:cNvPr>
+          <p:cNvSpPr>
+            <a:spLocks noGrp="1"/>
+          </p:cNvSpPr>
+          <p:nvPr>
+            <p:ph type="title"/>
+          </p:nvPr>
+        </p:nvSpPr>
+        <p:spPr/>
+        <p:txBody>
+          <a:bodyPr/>
+          <a:lstStyle/>
+          <a:p>
+            <a:r>
+              <a:rPr lang="en-CA" dirty="0"/>
+              <a:t>Changing the monthly email</a:t>
+            </a:r>
+          </a:p>
+        </p:txBody>
+      </p:sp>
+      <p:sp>
+        <p:nvSpPr>
+          <p:cNvPr id="3" name="Content Placeholder 2">
+            <a:extLst>
+              <a:ext uri="{FF2B5EF4-FFF2-40B4-BE49-F238E27FC236}">
+                <a16:creationId xmlns:a16="http://schemas.microsoft.com/office/drawing/2014/main" id="{CD295E39-894C-47C1-B82D-3945947C8C21}"/>
+              </a:ext>
+            </a:extLst>
+          </p:cNvPr>
+          <p:cNvSpPr>
+            <a:spLocks noGrp="1"/>
+          </p:cNvSpPr>
+          <p:nvPr>
+            <p:ph idx="1"/>
+          </p:nvPr>
+        </p:nvSpPr>
+        <p:spPr/>
+        <p:txBody>
+          <a:bodyPr/>
+          <a:lstStyle/>
+          <a:p>
+            <a:endParaRPr lang="en-CA" dirty="0"/>
+          </a:p>
+        </p:txBody>
+      </p:sp>
+    </p:spTree>
+    <p:extLst>
+      <p:ext uri="{BB962C8B-B14F-4D97-AF65-F5344CB8AC3E}">
+        <p14:creationId xmlns:p14="http://schemas.microsoft.com/office/powerpoint/2010/main" val="662534892"/>
+      </p:ext>
+    </p:extLst>
+  </p:cSld>
+  <p:clrMapOvr>
+    <a:masterClrMapping/>
+  </p:clrMapOvr>
+</p:sld>
+</file>
+
+<file path=ppt/slides/slide24.xml><?xml version="1.0" encoding="utf-8"?>
+<p:sld xmlns:a="http://schemas.openxmlformats.org/drawingml/2006/main" xmlns:r="http://schemas.openxmlformats.org/officeDocument/2006/relationships" xmlns:p="http://schemas.openxmlformats.org/presentationml/2006/main">
+  <p:cSld>
+    <p:spTree>
+      <p:nvGrpSpPr>
+        <p:cNvPr id="1" name=""/>
+        <p:cNvGrpSpPr/>
+        <p:nvPr/>
+      </p:nvGrpSpPr>
+      <p:grpSpPr>
+        <a:xfrm>
+          <a:off x="0" y="0"/>
+          <a:ext cx="0" cy="0"/>
+          <a:chOff x="0" y="0"/>
+          <a:chExt cx="0" cy="0"/>
+        </a:xfrm>
+      </p:grpSpPr>
+      <p:sp>
+        <p:nvSpPr>
+          <p:cNvPr id="2" name="Title 1">
+            <a:extLst>
+              <a:ext uri="{FF2B5EF4-FFF2-40B4-BE49-F238E27FC236}">
+                <a16:creationId xmlns:a16="http://schemas.microsoft.com/office/drawing/2014/main" id="{8699DAEE-7876-4089-AC4A-B731219D37AE}"/>
+              </a:ext>
+            </a:extLst>
+          </p:cNvPr>
+          <p:cNvSpPr>
+            <a:spLocks noGrp="1"/>
+          </p:cNvSpPr>
+          <p:nvPr>
+            <p:ph type="title"/>
+          </p:nvPr>
+        </p:nvSpPr>
+        <p:spPr/>
+        <p:txBody>
+          <a:bodyPr/>
+          <a:lstStyle/>
+          <a:p>
+            <a:r>
+              <a:rPr lang="en-CA" dirty="0"/>
+              <a:t>What didn’t I tell you about CSS</a:t>
+            </a:r>
+          </a:p>
+        </p:txBody>
+      </p:sp>
+      <p:sp>
+        <p:nvSpPr>
+          <p:cNvPr id="3" name="Content Placeholder 2">
+            <a:extLst>
+              <a:ext uri="{FF2B5EF4-FFF2-40B4-BE49-F238E27FC236}">
+                <a16:creationId xmlns:a16="http://schemas.microsoft.com/office/drawing/2014/main" id="{7072685B-E879-4949-B10F-19537D17AE6F}"/>
+              </a:ext>
+            </a:extLst>
+          </p:cNvPr>
+          <p:cNvSpPr>
+            <a:spLocks noGrp="1"/>
+          </p:cNvSpPr>
+          <p:nvPr>
+            <p:ph idx="1"/>
+          </p:nvPr>
+        </p:nvSpPr>
+        <p:spPr/>
+        <p:txBody>
+          <a:bodyPr/>
+          <a:lstStyle/>
+          <a:p>
+            <a:r>
+              <a:rPr lang="en-CA" dirty="0"/>
+              <a:t>The box model</a:t>
+            </a:r>
+          </a:p>
+          <a:p>
+            <a:pPr lvl="1"/>
+            <a:r>
+              <a:rPr lang="en-CA" dirty="0"/>
+              <a:t>A model of how white space/element spacing work in webpages</a:t>
+            </a:r>
+          </a:p>
+          <a:p>
+            <a:pPr lvl="1"/>
+            <a:endParaRPr lang="en-CA" dirty="0"/>
+          </a:p>
+          <a:p>
+            <a:r>
+              <a:rPr lang="en-CA" dirty="0"/>
+              <a:t>Lots of advanced functionality that I don’t know</a:t>
+            </a:r>
+          </a:p>
+          <a:p>
+            <a:pPr lvl="1"/>
+            <a:r>
+              <a:rPr lang="en-CA" dirty="0">
+                <a:hlinkClick r:id="rId2"/>
+              </a:rPr>
+              <a:t>http://www.csszengarden.com/</a:t>
+            </a:r>
+            <a:endParaRPr lang="en-CA" dirty="0"/>
+          </a:p>
+          <a:p>
+            <a:pPr lvl="1"/>
+            <a:endParaRPr lang="en-CA" dirty="0"/>
+          </a:p>
+        </p:txBody>
+      </p:sp>
+    </p:spTree>
+    <p:extLst>
+      <p:ext uri="{BB962C8B-B14F-4D97-AF65-F5344CB8AC3E}">
+        <p14:creationId xmlns:p14="http://schemas.microsoft.com/office/powerpoint/2010/main" val="80386420"/>
+      </p:ext>
+    </p:extLst>
+  </p:cSld>
+  <p:clrMapOvr>
+    <a:masterClrMapping/>
+  </p:clrMapOvr>
+</p:sld>
+</file>
+
+<file path=ppt/slides/slide25.xml><?xml version="1.0" encoding="utf-8"?>
+<p:sld xmlns:a="http://schemas.openxmlformats.org/drawingml/2006/main" xmlns:r="http://schemas.openxmlformats.org/officeDocument/2006/relationships" xmlns:p="http://schemas.openxmlformats.org/presentationml/2006/main">
+  <p:cSld>
+    <p:spTree>
+      <p:nvGrpSpPr>
+        <p:cNvPr id="1" name=""/>
+        <p:cNvGrpSpPr/>
+        <p:nvPr/>
+      </p:nvGrpSpPr>
+      <p:grpSpPr>
+        <a:xfrm>
+          <a:off x="0" y="0"/>
+          <a:ext cx="0" cy="0"/>
+          <a:chOff x="0" y="0"/>
+          <a:chExt cx="0" cy="0"/>
+        </a:xfrm>
+      </p:grpSpPr>
+      <p:sp>
+        <p:nvSpPr>
+          <p:cNvPr id="2" name="Title 1">
+            <a:extLst>
+              <a:ext uri="{FF2B5EF4-FFF2-40B4-BE49-F238E27FC236}">
+                <a16:creationId xmlns:a16="http://schemas.microsoft.com/office/drawing/2014/main" id="{EA9178DB-FF5A-4DEA-8081-A89999BAC8DE}"/>
+              </a:ext>
+            </a:extLst>
+          </p:cNvPr>
+          <p:cNvSpPr>
+            <a:spLocks noGrp="1"/>
+          </p:cNvSpPr>
+          <p:nvPr>
+            <p:ph type="title"/>
+          </p:nvPr>
+        </p:nvSpPr>
+        <p:spPr/>
+        <p:txBody>
+          <a:bodyPr/>
+          <a:lstStyle/>
+          <a:p>
+            <a:r>
+              <a:rPr lang="en-CA" dirty="0"/>
+              <a:t>Resources</a:t>
+            </a:r>
+          </a:p>
+        </p:txBody>
+      </p:sp>
+      <p:sp>
+        <p:nvSpPr>
+          <p:cNvPr id="3" name="Content Placeholder 2">
+            <a:extLst>
+              <a:ext uri="{FF2B5EF4-FFF2-40B4-BE49-F238E27FC236}">
+                <a16:creationId xmlns:a16="http://schemas.microsoft.com/office/drawing/2014/main" id="{75D53DAC-EF41-4B8C-813B-86A5CF29B80D}"/>
+              </a:ext>
+            </a:extLst>
+          </p:cNvPr>
+          <p:cNvSpPr>
+            <a:spLocks noGrp="1"/>
+          </p:cNvSpPr>
+          <p:nvPr>
+            <p:ph idx="1"/>
+          </p:nvPr>
+        </p:nvSpPr>
+        <p:spPr/>
+        <p:txBody>
+          <a:bodyPr>
+            <a:normAutofit lnSpcReduction="10000"/>
+          </a:bodyPr>
+          <a:lstStyle/>
+          <a:p>
+            <a:r>
+              <a:rPr lang="en-CA" dirty="0">
+                <a:hlinkClick r:id="rId2"/>
+              </a:rPr>
+              <a:t>https://www.w3schools.com/</a:t>
+            </a:r>
+            <a:endParaRPr lang="en-CA" dirty="0"/>
+          </a:p>
+          <a:p>
+            <a:pPr lvl="1"/>
+            <a:r>
+              <a:rPr lang="en-CA" dirty="0"/>
+              <a:t>Tutorials, extensive references (documentation)</a:t>
+            </a:r>
+          </a:p>
+          <a:p>
+            <a:pPr lvl="1"/>
+            <a:r>
+              <a:rPr lang="en-CA" dirty="0"/>
+              <a:t>If you learned a tenth of what’s here you’re hireable at Google</a:t>
+            </a:r>
+          </a:p>
+          <a:p>
+            <a:endParaRPr lang="en-CA" dirty="0"/>
+          </a:p>
+          <a:p>
+            <a:r>
+              <a:rPr lang="en-CA" dirty="0">
+                <a:hlinkClick r:id="rId3"/>
+              </a:rPr>
+              <a:t>https://stackoverflow.com</a:t>
+            </a:r>
+            <a:endParaRPr lang="en-CA" dirty="0"/>
+          </a:p>
+          <a:p>
+            <a:pPr lvl="1"/>
+            <a:r>
+              <a:rPr lang="en-CA" dirty="0"/>
+              <a:t>The #1 programing questions and answers website</a:t>
+            </a:r>
+          </a:p>
+          <a:p>
+            <a:pPr lvl="1"/>
+            <a:r>
+              <a:rPr lang="en-CA" dirty="0"/>
+              <a:t>Be careful about asking questions, it’s more useful to see previously answered questions (Yours probably isn’t new)</a:t>
+            </a:r>
+          </a:p>
+          <a:p>
+            <a:endParaRPr lang="en-CA" dirty="0"/>
+          </a:p>
+          <a:p>
+            <a:r>
+              <a:rPr lang="en-CA" dirty="0">
+                <a:hlinkClick r:id="rId4"/>
+              </a:rPr>
+              <a:t>https://developer.mozilla.org/en-US/</a:t>
+            </a:r>
+            <a:endParaRPr lang="en-CA" dirty="0"/>
+          </a:p>
+          <a:p>
+            <a:pPr lvl="1"/>
+            <a:r>
+              <a:rPr lang="en-CA" dirty="0"/>
+              <a:t>More tutorials, more references</a:t>
+            </a:r>
+          </a:p>
+          <a:p>
+            <a:endParaRPr lang="en-CA" dirty="0"/>
+          </a:p>
+          <a:p>
+            <a:pPr marL="128016" lvl="1" indent="0">
+              <a:buNone/>
+            </a:pPr>
+            <a:endParaRPr lang="en-CA" dirty="0"/>
+          </a:p>
+          <a:p>
+            <a:endParaRPr lang="en-CA" dirty="0"/>
+          </a:p>
+          <a:p>
+            <a:endParaRPr lang="en-CA" dirty="0"/>
+          </a:p>
+          <a:p>
+            <a:pPr lvl="1"/>
+            <a:endParaRPr lang="en-CA" dirty="0"/>
+          </a:p>
+        </p:txBody>
+      </p:sp>
+    </p:spTree>
+    <p:extLst>
+      <p:ext uri="{BB962C8B-B14F-4D97-AF65-F5344CB8AC3E}">
+        <p14:creationId xmlns:p14="http://schemas.microsoft.com/office/powerpoint/2010/main" val="1059028407"/>
       </p:ext>
     </p:extLst>
   </p:cSld>
@@ -22955,7 +24597,7 @@
           <a:p>
             <a:r>
               <a:rPr lang="en-CA" dirty="0"/>
-              <a:t>Some tags and where to find more</a:t>
+              <a:t>Some tags</a:t>
             </a:r>
           </a:p>
         </p:txBody>
@@ -23195,6 +24837,26 @@
             <a:r>
               <a:rPr lang="en-CA" dirty="0"/>
               <a:t> list</a:t>
+            </a:r>
+          </a:p>
+          <a:p>
+            <a:pPr>
+              <a:buFont typeface="Arial" panose="020B0604020202020204" pitchFamily="34" charset="0"/>
+              <a:buChar char="•"/>
+            </a:pPr>
+            <a:r>
+              <a:rPr lang="en-CA" dirty="0"/>
+              <a:t> This these points</a:t>
+            </a:r>
+          </a:p>
+          <a:p>
+            <a:pPr marL="457200" indent="-457200">
+              <a:buFont typeface="+mj-lt"/>
+              <a:buAutoNum type="arabicPeriod"/>
+            </a:pPr>
+            <a:r>
+              <a:rPr lang="en-CA" dirty="0"/>
+              <a:t>Vs. these points (this would be the ordered list element)</a:t>
             </a:r>
           </a:p>
         </p:txBody>

--- a/HTML and CSS.pptx
+++ b/HTML and CSS.pptx
@@ -5,7 +5,7 @@
     <p:sldMasterId id="2147483696" r:id="rId1"/>
   </p:sldMasterIdLst>
   <p:notesMasterIdLst>
-    <p:notesMasterId r:id="rId27"/>
+    <p:notesMasterId r:id="rId32"/>
   </p:notesMasterIdLst>
   <p:sldIdLst>
     <p:sldId id="256" r:id="rId2"/>
@@ -15,24 +15,29 @@
     <p:sldId id="261" r:id="rId6"/>
     <p:sldId id="263" r:id="rId7"/>
     <p:sldId id="265" r:id="rId8"/>
-    <p:sldId id="266" r:id="rId9"/>
-    <p:sldId id="267" r:id="rId10"/>
-    <p:sldId id="268" r:id="rId11"/>
-    <p:sldId id="269" r:id="rId12"/>
-    <p:sldId id="274" r:id="rId13"/>
-    <p:sldId id="281" r:id="rId14"/>
-    <p:sldId id="264" r:id="rId15"/>
-    <p:sldId id="272" r:id="rId16"/>
-    <p:sldId id="279" r:id="rId17"/>
-    <p:sldId id="273" r:id="rId18"/>
-    <p:sldId id="280" r:id="rId19"/>
-    <p:sldId id="275" r:id="rId20"/>
-    <p:sldId id="277" r:id="rId21"/>
-    <p:sldId id="276" r:id="rId22"/>
-    <p:sldId id="278" r:id="rId23"/>
-    <p:sldId id="271" r:id="rId24"/>
-    <p:sldId id="282" r:id="rId25"/>
-    <p:sldId id="262" r:id="rId26"/>
+    <p:sldId id="283" r:id="rId9"/>
+    <p:sldId id="284" r:id="rId10"/>
+    <p:sldId id="285" r:id="rId11"/>
+    <p:sldId id="266" r:id="rId12"/>
+    <p:sldId id="267" r:id="rId13"/>
+    <p:sldId id="286" r:id="rId14"/>
+    <p:sldId id="287" r:id="rId15"/>
+    <p:sldId id="268" r:id="rId16"/>
+    <p:sldId id="269" r:id="rId17"/>
+    <p:sldId id="274" r:id="rId18"/>
+    <p:sldId id="281" r:id="rId19"/>
+    <p:sldId id="264" r:id="rId20"/>
+    <p:sldId id="272" r:id="rId21"/>
+    <p:sldId id="279" r:id="rId22"/>
+    <p:sldId id="273" r:id="rId23"/>
+    <p:sldId id="280" r:id="rId24"/>
+    <p:sldId id="275" r:id="rId25"/>
+    <p:sldId id="277" r:id="rId26"/>
+    <p:sldId id="276" r:id="rId27"/>
+    <p:sldId id="278" r:id="rId28"/>
+    <p:sldId id="271" r:id="rId29"/>
+    <p:sldId id="282" r:id="rId30"/>
+    <p:sldId id="262" r:id="rId31"/>
   </p:sldIdLst>
   <p:sldSz cx="12192000" cy="6858000"/>
   <p:notesSz cx="6858000" cy="9144000"/>
@@ -233,7 +238,7 @@
           <a:p>
             <a:fld id="{A9A70B18-0CAF-445E-A788-F170D3C90504}" type="datetimeFigureOut">
               <a:rPr lang="en-CA" smtClean="0"/>
-              <a:t>2018-08-18</a:t>
+              <a:t>2018-08-22</a:t>
             </a:fld>
             <a:endParaRPr lang="en-CA"/>
           </a:p>
@@ -9397,7 +9402,7 @@
           <a:p>
             <a:fld id="{C2346C61-5F6D-4463-A2EF-BECA86F90772}" type="datetimeFigureOut">
               <a:rPr lang="en-CA" smtClean="0"/>
-              <a:t>2018-08-18</a:t>
+              <a:t>2018-08-22</a:t>
             </a:fld>
             <a:endParaRPr lang="en-CA"/>
           </a:p>
@@ -9604,7 +9609,7 @@
           <a:p>
             <a:fld id="{C2346C61-5F6D-4463-A2EF-BECA86F90772}" type="datetimeFigureOut">
               <a:rPr lang="en-CA" smtClean="0"/>
-              <a:t>2018-08-18</a:t>
+              <a:t>2018-08-22</a:t>
             </a:fld>
             <a:endParaRPr lang="en-CA"/>
           </a:p>
@@ -9784,7 +9789,7 @@
           <a:p>
             <a:fld id="{C2346C61-5F6D-4463-A2EF-BECA86F90772}" type="datetimeFigureOut">
               <a:rPr lang="en-CA" smtClean="0"/>
-              <a:t>2018-08-18</a:t>
+              <a:t>2018-08-22</a:t>
             </a:fld>
             <a:endParaRPr lang="en-CA"/>
           </a:p>
@@ -9989,7 +9994,7 @@
           <a:p>
             <a:fld id="{C2346C61-5F6D-4463-A2EF-BECA86F90772}" type="datetimeFigureOut">
               <a:rPr lang="en-CA" smtClean="0"/>
-              <a:t>2018-08-18</a:t>
+              <a:t>2018-08-22</a:t>
             </a:fld>
             <a:endParaRPr lang="en-CA"/>
           </a:p>
@@ -18887,7 +18892,7 @@
           <a:p>
             <a:fld id="{C2346C61-5F6D-4463-A2EF-BECA86F90772}" type="datetimeFigureOut">
               <a:rPr lang="en-CA" smtClean="0"/>
-              <a:t>2018-08-18</a:t>
+              <a:t>2018-08-22</a:t>
             </a:fld>
             <a:endParaRPr lang="en-CA"/>
           </a:p>
@@ -19161,7 +19166,7 @@
           <a:p>
             <a:fld id="{C2346C61-5F6D-4463-A2EF-BECA86F90772}" type="datetimeFigureOut">
               <a:rPr lang="en-CA" smtClean="0"/>
-              <a:t>2018-08-18</a:t>
+              <a:t>2018-08-22</a:t>
             </a:fld>
             <a:endParaRPr lang="en-CA"/>
           </a:p>
@@ -19559,7 +19564,7 @@
           <a:p>
             <a:fld id="{C2346C61-5F6D-4463-A2EF-BECA86F90772}" type="datetimeFigureOut">
               <a:rPr lang="en-CA" smtClean="0"/>
-              <a:t>2018-08-18</a:t>
+              <a:t>2018-08-22</a:t>
             </a:fld>
             <a:endParaRPr lang="en-CA"/>
           </a:p>
@@ -19677,7 +19682,7 @@
           <a:p>
             <a:fld id="{C2346C61-5F6D-4463-A2EF-BECA86F90772}" type="datetimeFigureOut">
               <a:rPr lang="en-CA" smtClean="0"/>
-              <a:t>2018-08-18</a:t>
+              <a:t>2018-08-22</a:t>
             </a:fld>
             <a:endParaRPr lang="en-CA"/>
           </a:p>
@@ -19772,7 +19777,7 @@
           <a:p>
             <a:fld id="{C2346C61-5F6D-4463-A2EF-BECA86F90772}" type="datetimeFigureOut">
               <a:rPr lang="en-CA" smtClean="0"/>
-              <a:t>2018-08-18</a:t>
+              <a:t>2018-08-22</a:t>
             </a:fld>
             <a:endParaRPr lang="en-CA"/>
           </a:p>
@@ -20062,7 +20067,7 @@
           <a:p>
             <a:fld id="{C2346C61-5F6D-4463-A2EF-BECA86F90772}" type="datetimeFigureOut">
               <a:rPr lang="en-CA" smtClean="0"/>
-              <a:t>2018-08-18</a:t>
+              <a:t>2018-08-22</a:t>
             </a:fld>
             <a:endParaRPr lang="en-CA"/>
           </a:p>
@@ -20342,7 +20347,7 @@
           <a:p>
             <a:fld id="{C2346C61-5F6D-4463-A2EF-BECA86F90772}" type="datetimeFigureOut">
               <a:rPr lang="en-CA" smtClean="0"/>
-              <a:t>2018-08-18</a:t>
+              <a:t>2018-08-22</a:t>
             </a:fld>
             <a:endParaRPr lang="en-CA"/>
           </a:p>
@@ -20592,7 +20597,7 @@
           <a:p>
             <a:fld id="{C2346C61-5F6D-4463-A2EF-BECA86F90772}" type="datetimeFigureOut">
               <a:rPr lang="en-CA" smtClean="0"/>
-              <a:t>2018-08-18</a:t>
+              <a:t>2018-08-22</a:t>
             </a:fld>
             <a:endParaRPr lang="en-CA"/>
           </a:p>
@@ -21185,6 +21190,1004 @@
           <p:cNvPr id="2" name="Title 1">
             <a:extLst>
               <a:ext uri="{FF2B5EF4-FFF2-40B4-BE49-F238E27FC236}">
+                <a16:creationId xmlns:a16="http://schemas.microsoft.com/office/drawing/2014/main" id="{F6015A8A-71CA-47A9-8AEF-C64690C0B519}"/>
+              </a:ext>
+            </a:extLst>
+          </p:cNvPr>
+          <p:cNvSpPr>
+            <a:spLocks noGrp="1"/>
+          </p:cNvSpPr>
+          <p:nvPr>
+            <p:ph type="title"/>
+          </p:nvPr>
+        </p:nvSpPr>
+        <p:spPr/>
+        <p:txBody>
+          <a:bodyPr/>
+          <a:lstStyle/>
+          <a:p>
+            <a:r>
+              <a:rPr lang="en-CA" dirty="0"/>
+              <a:t>HTML boilerplate</a:t>
+            </a:r>
+          </a:p>
+        </p:txBody>
+      </p:sp>
+      <p:sp>
+        <p:nvSpPr>
+          <p:cNvPr id="3" name="Content Placeholder 2">
+            <a:extLst>
+              <a:ext uri="{FF2B5EF4-FFF2-40B4-BE49-F238E27FC236}">
+                <a16:creationId xmlns:a16="http://schemas.microsoft.com/office/drawing/2014/main" id="{DEEDBD89-DC43-4245-91F2-70192FD321AA}"/>
+              </a:ext>
+            </a:extLst>
+          </p:cNvPr>
+          <p:cNvSpPr>
+            <a:spLocks noGrp="1"/>
+          </p:cNvSpPr>
+          <p:nvPr>
+            <p:ph idx="1"/>
+          </p:nvPr>
+        </p:nvSpPr>
+        <p:spPr>
+          <a:xfrm>
+            <a:off x="1024128" y="5072490"/>
+            <a:ext cx="9720073" cy="1236869"/>
+          </a:xfrm>
+        </p:spPr>
+        <p:txBody>
+          <a:bodyPr>
+            <a:normAutofit/>
+          </a:bodyPr>
+          <a:lstStyle/>
+          <a:p>
+            <a:pPr marL="0" indent="0">
+              <a:buNone/>
+            </a:pPr>
+            <a:endParaRPr lang="en-CA" dirty="0">
+              <a:latin typeface="Arial" panose="020B0604020202020204" pitchFamily="34" charset="0"/>
+              <a:cs typeface="Arial" panose="020B0604020202020204" pitchFamily="34" charset="0"/>
+            </a:endParaRPr>
+          </a:p>
+        </p:txBody>
+      </p:sp>
+      <p:sp>
+        <p:nvSpPr>
+          <p:cNvPr id="4" name="Rectangle 3">
+            <a:extLst>
+              <a:ext uri="{FF2B5EF4-FFF2-40B4-BE49-F238E27FC236}">
+                <a16:creationId xmlns:a16="http://schemas.microsoft.com/office/drawing/2014/main" id="{378E1563-0330-41F9-B016-70DC2261060E}"/>
+              </a:ext>
+            </a:extLst>
+          </p:cNvPr>
+          <p:cNvSpPr/>
+          <p:nvPr/>
+        </p:nvSpPr>
+        <p:spPr>
+          <a:xfrm>
+            <a:off x="1115505" y="2036190"/>
+            <a:ext cx="6096000" cy="2585323"/>
+          </a:xfrm>
+          <a:prstGeom prst="rect">
+            <a:avLst/>
+          </a:prstGeom>
+        </p:spPr>
+        <p:txBody>
+          <a:bodyPr>
+            <a:spAutoFit/>
+          </a:bodyPr>
+          <a:lstStyle/>
+          <a:p>
+            <a:r>
+              <a:rPr lang="en-CA" dirty="0"/>
+              <a:t>&lt;!DOCTYPE html&gt;</a:t>
+            </a:r>
+          </a:p>
+          <a:p>
+            <a:r>
+              <a:rPr lang="en-CA" dirty="0"/>
+              <a:t>&lt;html&gt;</a:t>
+            </a:r>
+          </a:p>
+          <a:p>
+            <a:r>
+              <a:rPr lang="en-CA" dirty="0"/>
+              <a:t>&lt;head&gt;</a:t>
+            </a:r>
+          </a:p>
+          <a:p>
+            <a:r>
+              <a:rPr lang="en-CA" dirty="0"/>
+              <a:t>	&lt;title&gt;&lt;/title&gt;</a:t>
+            </a:r>
+          </a:p>
+          <a:p>
+            <a:r>
+              <a:rPr lang="en-CA" dirty="0"/>
+              <a:t>&lt;/head&gt;</a:t>
+            </a:r>
+          </a:p>
+          <a:p>
+            <a:r>
+              <a:rPr lang="en-CA" dirty="0">
+                <a:highlight>
+                  <a:srgbClr val="FFFF00"/>
+                </a:highlight>
+              </a:rPr>
+              <a:t>&lt;body&gt;</a:t>
+            </a:r>
+          </a:p>
+          <a:p>
+            <a:endParaRPr lang="en-CA" dirty="0"/>
+          </a:p>
+          <a:p>
+            <a:r>
+              <a:rPr lang="en-CA" dirty="0">
+                <a:highlight>
+                  <a:srgbClr val="FFFF00"/>
+                </a:highlight>
+              </a:rPr>
+              <a:t>&lt;/body&gt;</a:t>
+            </a:r>
+          </a:p>
+          <a:p>
+            <a:r>
+              <a:rPr lang="en-CA" dirty="0"/>
+              <a:t>&lt;/html&gt;</a:t>
+            </a:r>
+          </a:p>
+        </p:txBody>
+      </p:sp>
+    </p:spTree>
+    <p:extLst>
+      <p:ext uri="{BB962C8B-B14F-4D97-AF65-F5344CB8AC3E}">
+        <p14:creationId xmlns:p14="http://schemas.microsoft.com/office/powerpoint/2010/main" val="4172941270"/>
+      </p:ext>
+    </p:extLst>
+  </p:cSld>
+  <p:clrMapOvr>
+    <a:masterClrMapping/>
+  </p:clrMapOvr>
+</p:sld>
+</file>
+
+<file path=ppt/slides/slide11.xml><?xml version="1.0" encoding="utf-8"?>
+<p:sld xmlns:a="http://schemas.openxmlformats.org/drawingml/2006/main" xmlns:r="http://schemas.openxmlformats.org/officeDocument/2006/relationships" xmlns:p="http://schemas.openxmlformats.org/presentationml/2006/main">
+  <p:cSld>
+    <p:spTree>
+      <p:nvGrpSpPr>
+        <p:cNvPr id="1" name=""/>
+        <p:cNvGrpSpPr/>
+        <p:nvPr/>
+      </p:nvGrpSpPr>
+      <p:grpSpPr>
+        <a:xfrm>
+          <a:off x="0" y="0"/>
+          <a:ext cx="0" cy="0"/>
+          <a:chOff x="0" y="0"/>
+          <a:chExt cx="0" cy="0"/>
+        </a:xfrm>
+      </p:grpSpPr>
+      <p:sp>
+        <p:nvSpPr>
+          <p:cNvPr id="2" name="Title 1">
+            <a:extLst>
+              <a:ext uri="{FF2B5EF4-FFF2-40B4-BE49-F238E27FC236}">
+                <a16:creationId xmlns:a16="http://schemas.microsoft.com/office/drawing/2014/main" id="{17948176-505B-4C97-9A00-9C35FD64976F}"/>
+              </a:ext>
+            </a:extLst>
+          </p:cNvPr>
+          <p:cNvSpPr>
+            <a:spLocks noGrp="1"/>
+          </p:cNvSpPr>
+          <p:nvPr>
+            <p:ph type="title"/>
+          </p:nvPr>
+        </p:nvSpPr>
+        <p:spPr/>
+        <p:txBody>
+          <a:bodyPr/>
+          <a:lstStyle/>
+          <a:p>
+            <a:r>
+              <a:rPr lang="en-CA" dirty="0"/>
+              <a:t>Some tags</a:t>
+            </a:r>
+          </a:p>
+        </p:txBody>
+      </p:sp>
+      <p:sp>
+        <p:nvSpPr>
+          <p:cNvPr id="3" name="Content Placeholder 2">
+            <a:extLst>
+              <a:ext uri="{FF2B5EF4-FFF2-40B4-BE49-F238E27FC236}">
+                <a16:creationId xmlns:a16="http://schemas.microsoft.com/office/drawing/2014/main" id="{65E65553-A502-4F06-A492-E3ED8B8E0D82}"/>
+              </a:ext>
+            </a:extLst>
+          </p:cNvPr>
+          <p:cNvSpPr>
+            <a:spLocks noGrp="1"/>
+          </p:cNvSpPr>
+          <p:nvPr>
+            <p:ph idx="1"/>
+          </p:nvPr>
+        </p:nvSpPr>
+        <p:spPr/>
+        <p:txBody>
+          <a:bodyPr/>
+          <a:lstStyle/>
+          <a:p>
+            <a:r>
+              <a:rPr lang="en-CA" dirty="0"/>
+              <a:t>&lt;h1&gt; HEADER TEXT &lt;/h1&gt;  ,  &lt;h2&gt; Header &lt;/h2&gt; ….  &lt;h6&gt; header &lt;/h6&gt;</a:t>
+            </a:r>
+          </a:p>
+          <a:p>
+            <a:endParaRPr lang="en-CA" dirty="0"/>
+          </a:p>
+          <a:p>
+            <a:r>
+              <a:rPr lang="en-CA" dirty="0"/>
+              <a:t>&lt;p&gt; Paragraph of text &lt;/p&gt;</a:t>
+            </a:r>
+          </a:p>
+          <a:p>
+            <a:endParaRPr lang="en-CA" dirty="0"/>
+          </a:p>
+          <a:p>
+            <a:r>
+              <a:rPr lang="en-CA" dirty="0"/>
+              <a:t>&lt;</a:t>
+            </a:r>
+            <a:r>
+              <a:rPr lang="en-CA" dirty="0" err="1"/>
+              <a:t>img</a:t>
+            </a:r>
+            <a:r>
+              <a:rPr lang="en-CA" dirty="0"/>
+              <a:t> </a:t>
+            </a:r>
+            <a:r>
+              <a:rPr lang="en-CA" dirty="0" err="1"/>
+              <a:t>src</a:t>
+            </a:r>
+            <a:r>
+              <a:rPr lang="en-CA" dirty="0"/>
+              <a:t>=“</a:t>
+            </a:r>
+            <a:r>
+              <a:rPr lang="en-CA" dirty="0">
+                <a:hlinkClick r:id="rId2"/>
+              </a:rPr>
+              <a:t>https://www.website.com/</a:t>
+            </a:r>
+            <a:r>
+              <a:rPr lang="en-CA" dirty="0" err="1">
+                <a:hlinkClick r:id="rId2"/>
+              </a:rPr>
+              <a:t>picture_url</a:t>
+            </a:r>
+            <a:r>
+              <a:rPr lang="en-CA" dirty="0"/>
+              <a:t>”&gt;</a:t>
+            </a:r>
+          </a:p>
+          <a:p>
+            <a:endParaRPr lang="en-CA" dirty="0"/>
+          </a:p>
+          <a:p>
+            <a:r>
+              <a:rPr lang="en-CA" dirty="0"/>
+              <a:t>&lt;a </a:t>
+            </a:r>
+            <a:r>
+              <a:rPr lang="en-CA" dirty="0" err="1"/>
+              <a:t>href</a:t>
+            </a:r>
+            <a:r>
+              <a:rPr lang="en-CA" dirty="0"/>
+              <a:t>=“https://www.google.com”&gt;This is a hyper link now&lt;/a&gt;</a:t>
+            </a:r>
+          </a:p>
+        </p:txBody>
+      </p:sp>
+    </p:spTree>
+    <p:extLst>
+      <p:ext uri="{BB962C8B-B14F-4D97-AF65-F5344CB8AC3E}">
+        <p14:creationId xmlns:p14="http://schemas.microsoft.com/office/powerpoint/2010/main" val="516651721"/>
+      </p:ext>
+    </p:extLst>
+  </p:cSld>
+  <p:clrMapOvr>
+    <a:masterClrMapping/>
+  </p:clrMapOvr>
+</p:sld>
+</file>
+
+<file path=ppt/slides/slide12.xml><?xml version="1.0" encoding="utf-8"?>
+<p:sld xmlns:a="http://schemas.openxmlformats.org/drawingml/2006/main" xmlns:r="http://schemas.openxmlformats.org/officeDocument/2006/relationships" xmlns:p="http://schemas.openxmlformats.org/presentationml/2006/main">
+  <p:cSld>
+    <p:spTree>
+      <p:nvGrpSpPr>
+        <p:cNvPr id="1" name=""/>
+        <p:cNvGrpSpPr/>
+        <p:nvPr/>
+      </p:nvGrpSpPr>
+      <p:grpSpPr>
+        <a:xfrm>
+          <a:off x="0" y="0"/>
+          <a:ext cx="0" cy="0"/>
+          <a:chOff x="0" y="0"/>
+          <a:chExt cx="0" cy="0"/>
+        </a:xfrm>
+      </p:grpSpPr>
+      <p:sp>
+        <p:nvSpPr>
+          <p:cNvPr id="2" name="Title 1">
+            <a:extLst>
+              <a:ext uri="{FF2B5EF4-FFF2-40B4-BE49-F238E27FC236}">
+                <a16:creationId xmlns:a16="http://schemas.microsoft.com/office/drawing/2014/main" id="{A68AD763-2AE1-4780-9C84-89AD5CAB1075}"/>
+              </a:ext>
+            </a:extLst>
+          </p:cNvPr>
+          <p:cNvSpPr>
+            <a:spLocks noGrp="1"/>
+          </p:cNvSpPr>
+          <p:nvPr>
+            <p:ph type="title"/>
+          </p:nvPr>
+        </p:nvSpPr>
+        <p:spPr/>
+        <p:txBody>
+          <a:bodyPr/>
+          <a:lstStyle/>
+          <a:p>
+            <a:r>
+              <a:rPr lang="en-CA" dirty="0"/>
+              <a:t>Lists</a:t>
+            </a:r>
+          </a:p>
+        </p:txBody>
+      </p:sp>
+      <p:sp>
+        <p:nvSpPr>
+          <p:cNvPr id="3" name="Content Placeholder 2">
+            <a:extLst>
+              <a:ext uri="{FF2B5EF4-FFF2-40B4-BE49-F238E27FC236}">
+                <a16:creationId xmlns:a16="http://schemas.microsoft.com/office/drawing/2014/main" id="{EAC68C00-D7C8-4738-BC49-310616F38F74}"/>
+              </a:ext>
+            </a:extLst>
+          </p:cNvPr>
+          <p:cNvSpPr>
+            <a:spLocks noGrp="1"/>
+          </p:cNvSpPr>
+          <p:nvPr>
+            <p:ph idx="1"/>
+          </p:nvPr>
+        </p:nvSpPr>
+        <p:spPr/>
+        <p:txBody>
+          <a:bodyPr/>
+          <a:lstStyle/>
+          <a:p>
+            <a:r>
+              <a:rPr lang="en-CA" dirty="0"/>
+              <a:t>&lt;ul&gt;</a:t>
+            </a:r>
+          </a:p>
+          <a:p>
+            <a:pPr marL="0" indent="0">
+              <a:buNone/>
+            </a:pPr>
+            <a:r>
+              <a:rPr lang="en-CA" dirty="0"/>
+              <a:t>    &lt;li&gt;Thing 1&lt;/li&gt;</a:t>
+            </a:r>
+          </a:p>
+          <a:p>
+            <a:pPr marL="0" indent="0">
+              <a:buNone/>
+            </a:pPr>
+            <a:r>
+              <a:rPr lang="en-CA" dirty="0"/>
+              <a:t>    &lt;li&gt;Thing 2&lt;/li&gt;</a:t>
+            </a:r>
+          </a:p>
+          <a:p>
+            <a:pPr marL="0" indent="0">
+              <a:buNone/>
+            </a:pPr>
+            <a:r>
+              <a:rPr lang="en-CA" dirty="0"/>
+              <a:t>&lt;/ul&gt;</a:t>
+            </a:r>
+          </a:p>
+          <a:p>
+            <a:pPr marL="0" indent="0">
+              <a:buNone/>
+            </a:pPr>
+            <a:endParaRPr lang="en-CA" dirty="0"/>
+          </a:p>
+          <a:p>
+            <a:pPr marL="0" indent="0">
+              <a:buNone/>
+            </a:pPr>
+            <a:r>
+              <a:rPr lang="en-CA" dirty="0"/>
+              <a:t>Or use &lt;</a:t>
+            </a:r>
+            <a:r>
+              <a:rPr lang="en-CA" dirty="0" err="1"/>
+              <a:t>ol</a:t>
+            </a:r>
+            <a:r>
+              <a:rPr lang="en-CA" dirty="0"/>
+              <a:t>&gt; for an </a:t>
+            </a:r>
+            <a:r>
+              <a:rPr lang="en-CA" b="1" dirty="0"/>
+              <a:t>ordered</a:t>
+            </a:r>
+            <a:r>
+              <a:rPr lang="en-CA" dirty="0"/>
+              <a:t> list</a:t>
+            </a:r>
+          </a:p>
+          <a:p>
+            <a:pPr>
+              <a:buFont typeface="Arial" panose="020B0604020202020204" pitchFamily="34" charset="0"/>
+              <a:buChar char="•"/>
+            </a:pPr>
+            <a:r>
+              <a:rPr lang="en-CA" dirty="0"/>
+              <a:t> This these points</a:t>
+            </a:r>
+          </a:p>
+          <a:p>
+            <a:pPr marL="457200" indent="-457200">
+              <a:buFont typeface="+mj-lt"/>
+              <a:buAutoNum type="arabicPeriod"/>
+            </a:pPr>
+            <a:r>
+              <a:rPr lang="en-CA" dirty="0"/>
+              <a:t>Vs. these points (this would be the ordered list element)</a:t>
+            </a:r>
+          </a:p>
+        </p:txBody>
+      </p:sp>
+    </p:spTree>
+    <p:extLst>
+      <p:ext uri="{BB962C8B-B14F-4D97-AF65-F5344CB8AC3E}">
+        <p14:creationId xmlns:p14="http://schemas.microsoft.com/office/powerpoint/2010/main" val="3972085750"/>
+      </p:ext>
+    </p:extLst>
+  </p:cSld>
+  <p:clrMapOvr>
+    <a:masterClrMapping/>
+  </p:clrMapOvr>
+</p:sld>
+</file>
+
+<file path=ppt/slides/slide13.xml><?xml version="1.0" encoding="utf-8"?>
+<p:sld xmlns:a="http://schemas.openxmlformats.org/drawingml/2006/main" xmlns:r="http://schemas.openxmlformats.org/officeDocument/2006/relationships" xmlns:p="http://schemas.openxmlformats.org/presentationml/2006/main">
+  <p:cSld>
+    <p:spTree>
+      <p:nvGrpSpPr>
+        <p:cNvPr id="1" name=""/>
+        <p:cNvGrpSpPr/>
+        <p:nvPr/>
+      </p:nvGrpSpPr>
+      <p:grpSpPr>
+        <a:xfrm>
+          <a:off x="0" y="0"/>
+          <a:ext cx="0" cy="0"/>
+          <a:chOff x="0" y="0"/>
+          <a:chExt cx="0" cy="0"/>
+        </a:xfrm>
+      </p:grpSpPr>
+      <p:sp>
+        <p:nvSpPr>
+          <p:cNvPr id="2" name="Title 1">
+            <a:extLst>
+              <a:ext uri="{FF2B5EF4-FFF2-40B4-BE49-F238E27FC236}">
+                <a16:creationId xmlns:a16="http://schemas.microsoft.com/office/drawing/2014/main" id="{DF38431E-1BDA-478B-BC6F-B0E8EE782ABE}"/>
+              </a:ext>
+            </a:extLst>
+          </p:cNvPr>
+          <p:cNvSpPr>
+            <a:spLocks noGrp="1"/>
+          </p:cNvSpPr>
+          <p:nvPr>
+            <p:ph type="title"/>
+          </p:nvPr>
+        </p:nvSpPr>
+        <p:spPr/>
+        <p:txBody>
+          <a:bodyPr/>
+          <a:lstStyle/>
+          <a:p>
+            <a:r>
+              <a:rPr lang="en-CA" dirty="0"/>
+              <a:t>Tables</a:t>
+            </a:r>
+          </a:p>
+        </p:txBody>
+      </p:sp>
+      <p:sp>
+        <p:nvSpPr>
+          <p:cNvPr id="3" name="Content Placeholder 2">
+            <a:extLst>
+              <a:ext uri="{FF2B5EF4-FFF2-40B4-BE49-F238E27FC236}">
+                <a16:creationId xmlns:a16="http://schemas.microsoft.com/office/drawing/2014/main" id="{D765A8DE-D5E1-4EDE-AD48-97D7FD18593F}"/>
+              </a:ext>
+            </a:extLst>
+          </p:cNvPr>
+          <p:cNvSpPr>
+            <a:spLocks noGrp="1"/>
+          </p:cNvSpPr>
+          <p:nvPr>
+            <p:ph idx="1"/>
+          </p:nvPr>
+        </p:nvSpPr>
+        <p:spPr>
+          <a:xfrm>
+            <a:off x="1024128" y="2286000"/>
+            <a:ext cx="9720073" cy="4023360"/>
+          </a:xfrm>
+        </p:spPr>
+        <p:txBody>
+          <a:bodyPr>
+            <a:normAutofit fontScale="92500" lnSpcReduction="20000"/>
+          </a:bodyPr>
+          <a:lstStyle/>
+          <a:p>
+            <a:pPr marL="0" indent="0">
+              <a:buNone/>
+            </a:pPr>
+            <a:r>
+              <a:rPr lang="en-CA" dirty="0"/>
+              <a:t>&lt;table&gt; </a:t>
+            </a:r>
+            <a:br>
+              <a:rPr lang="en-CA" dirty="0"/>
+            </a:br>
+            <a:r>
+              <a:rPr lang="en-CA" dirty="0"/>
+              <a:t>	&lt;tr&gt;</a:t>
+            </a:r>
+            <a:br>
+              <a:rPr lang="en-CA" dirty="0"/>
+            </a:br>
+            <a:r>
+              <a:rPr lang="en-CA" dirty="0"/>
+              <a:t>		&lt;</a:t>
+            </a:r>
+            <a:r>
+              <a:rPr lang="en-CA" dirty="0" err="1"/>
+              <a:t>th</a:t>
+            </a:r>
+            <a:r>
+              <a:rPr lang="en-CA" dirty="0"/>
+              <a:t>&gt;These are some text, some numbers and an image&lt;/</a:t>
+            </a:r>
+            <a:r>
+              <a:rPr lang="en-CA" dirty="0" err="1"/>
+              <a:t>th</a:t>
+            </a:r>
+            <a:r>
+              <a:rPr lang="en-CA" dirty="0"/>
+              <a:t>&gt;</a:t>
+            </a:r>
+            <a:br>
+              <a:rPr lang="en-CA" dirty="0"/>
+            </a:br>
+            <a:r>
+              <a:rPr lang="en-CA" dirty="0"/>
+              <a:t>	&lt;/tr&gt;</a:t>
+            </a:r>
+            <a:br>
+              <a:rPr lang="en-CA" dirty="0"/>
+            </a:br>
+            <a:r>
+              <a:rPr lang="en-CA" dirty="0"/>
+              <a:t>	&lt;tr&gt;</a:t>
+            </a:r>
+            <a:br>
+              <a:rPr lang="en-CA" dirty="0"/>
+            </a:br>
+            <a:r>
+              <a:rPr lang="en-CA" dirty="0"/>
+              <a:t>		&lt;td&gt;One&lt;/td&gt;</a:t>
+            </a:r>
+            <a:br>
+              <a:rPr lang="en-CA" dirty="0"/>
+            </a:br>
+            <a:r>
+              <a:rPr lang="en-CA" dirty="0"/>
+              <a:t>		&lt;td&gt;12&lt;/td&gt;</a:t>
+            </a:r>
+            <a:br>
+              <a:rPr lang="en-CA" dirty="0"/>
+            </a:br>
+            <a:r>
+              <a:rPr lang="en-CA" dirty="0"/>
+              <a:t>		&lt;td&gt;&lt;</a:t>
+            </a:r>
+            <a:r>
+              <a:rPr lang="en-CA" dirty="0" err="1"/>
+              <a:t>img</a:t>
+            </a:r>
+            <a:r>
+              <a:rPr lang="en-CA" dirty="0"/>
+              <a:t> </a:t>
+            </a:r>
+            <a:r>
+              <a:rPr lang="en-CA" dirty="0" err="1"/>
+              <a:t>src</a:t>
+            </a:r>
+            <a:r>
+              <a:rPr lang="en-CA" dirty="0"/>
+              <a:t>=</a:t>
+            </a:r>
+            <a:r>
+              <a:rPr lang="en-CA" dirty="0">
+                <a:hlinkClick r:id="rId2"/>
+              </a:rPr>
+              <a:t>http://www.image.com</a:t>
+            </a:r>
+            <a:r>
+              <a:rPr lang="en-CA" dirty="0"/>
+              <a:t>&gt;&lt;/td&gt;</a:t>
+            </a:r>
+            <a:br>
+              <a:rPr lang="en-CA" dirty="0"/>
+            </a:br>
+            <a:r>
+              <a:rPr lang="en-CA" dirty="0"/>
+              <a:t>	&lt;/tr&gt;</a:t>
+            </a:r>
+          </a:p>
+          <a:p>
+            <a:pPr marL="0" indent="0">
+              <a:buNone/>
+            </a:pPr>
+            <a:r>
+              <a:rPr lang="en-CA" dirty="0"/>
+              <a:t>&lt;/table&gt;</a:t>
+            </a:r>
+          </a:p>
+          <a:p>
+            <a:pPr marL="0" indent="0">
+              <a:buNone/>
+            </a:pPr>
+            <a:endParaRPr lang="en-CA" dirty="0"/>
+          </a:p>
+          <a:p>
+            <a:pPr marL="0" indent="0">
+              <a:buNone/>
+            </a:pPr>
+            <a:r>
+              <a:rPr lang="en-CA" dirty="0"/>
+              <a:t>&lt;tr&gt; = “table row”</a:t>
+            </a:r>
+            <a:br>
+              <a:rPr lang="en-CA" dirty="0"/>
+            </a:br>
+            <a:r>
+              <a:rPr lang="en-CA" dirty="0"/>
+              <a:t>&lt;</a:t>
+            </a:r>
+            <a:r>
+              <a:rPr lang="en-CA" dirty="0" err="1"/>
+              <a:t>th</a:t>
+            </a:r>
+            <a:r>
+              <a:rPr lang="en-CA" dirty="0"/>
+              <a:t>&gt; = “table header”</a:t>
+            </a:r>
+            <a:br>
+              <a:rPr lang="en-CA" dirty="0"/>
+            </a:br>
+            <a:r>
+              <a:rPr lang="en-CA" dirty="0"/>
+              <a:t>&lt;td&gt; = “table data”</a:t>
+            </a:r>
+          </a:p>
+        </p:txBody>
+      </p:sp>
+    </p:spTree>
+    <p:extLst>
+      <p:ext uri="{BB962C8B-B14F-4D97-AF65-F5344CB8AC3E}">
+        <p14:creationId xmlns:p14="http://schemas.microsoft.com/office/powerpoint/2010/main" val="3741476611"/>
+      </p:ext>
+    </p:extLst>
+  </p:cSld>
+  <p:clrMapOvr>
+    <a:masterClrMapping/>
+  </p:clrMapOvr>
+</p:sld>
+</file>
+
+<file path=ppt/slides/slide14.xml><?xml version="1.0" encoding="utf-8"?>
+<p:sld xmlns:a="http://schemas.openxmlformats.org/drawingml/2006/main" xmlns:r="http://schemas.openxmlformats.org/officeDocument/2006/relationships" xmlns:p="http://schemas.openxmlformats.org/presentationml/2006/main">
+  <p:cSld>
+    <p:spTree>
+      <p:nvGrpSpPr>
+        <p:cNvPr id="1" name=""/>
+        <p:cNvGrpSpPr/>
+        <p:nvPr/>
+      </p:nvGrpSpPr>
+      <p:grpSpPr>
+        <a:xfrm>
+          <a:off x="0" y="0"/>
+          <a:ext cx="0" cy="0"/>
+          <a:chOff x="0" y="0"/>
+          <a:chExt cx="0" cy="0"/>
+        </a:xfrm>
+      </p:grpSpPr>
+      <p:sp>
+        <p:nvSpPr>
+          <p:cNvPr id="2" name="Title 1">
+            <a:extLst>
+              <a:ext uri="{FF2B5EF4-FFF2-40B4-BE49-F238E27FC236}">
+                <a16:creationId xmlns:a16="http://schemas.microsoft.com/office/drawing/2014/main" id="{DF38431E-1BDA-478B-BC6F-B0E8EE782ABE}"/>
+              </a:ext>
+            </a:extLst>
+          </p:cNvPr>
+          <p:cNvSpPr>
+            <a:spLocks noGrp="1"/>
+          </p:cNvSpPr>
+          <p:nvPr>
+            <p:ph type="title"/>
+          </p:nvPr>
+        </p:nvSpPr>
+        <p:spPr/>
+        <p:txBody>
+          <a:bodyPr/>
+          <a:lstStyle/>
+          <a:p>
+            <a:r>
+              <a:rPr lang="en-CA" dirty="0"/>
+              <a:t>Tables (Not all on one line)</a:t>
+            </a:r>
+          </a:p>
+        </p:txBody>
+      </p:sp>
+      <p:sp>
+        <p:nvSpPr>
+          <p:cNvPr id="3" name="Content Placeholder 2">
+            <a:extLst>
+              <a:ext uri="{FF2B5EF4-FFF2-40B4-BE49-F238E27FC236}">
+                <a16:creationId xmlns:a16="http://schemas.microsoft.com/office/drawing/2014/main" id="{D765A8DE-D5E1-4EDE-AD48-97D7FD18593F}"/>
+              </a:ext>
+            </a:extLst>
+          </p:cNvPr>
+          <p:cNvSpPr>
+            <a:spLocks noGrp="1"/>
+          </p:cNvSpPr>
+          <p:nvPr>
+            <p:ph idx="1"/>
+          </p:nvPr>
+        </p:nvSpPr>
+        <p:spPr>
+          <a:xfrm>
+            <a:off x="1024128" y="2286000"/>
+            <a:ext cx="9720073" cy="4023360"/>
+          </a:xfrm>
+        </p:spPr>
+        <p:txBody>
+          <a:bodyPr>
+            <a:normAutofit fontScale="85000" lnSpcReduction="20000"/>
+          </a:bodyPr>
+          <a:lstStyle/>
+          <a:p>
+            <a:pPr marL="0" indent="0">
+              <a:buNone/>
+            </a:pPr>
+            <a:r>
+              <a:rPr lang="en-CA" dirty="0"/>
+              <a:t>&lt;table&gt; </a:t>
+            </a:r>
+            <a:br>
+              <a:rPr lang="en-CA" dirty="0"/>
+            </a:br>
+            <a:r>
+              <a:rPr lang="en-CA" dirty="0"/>
+              <a:t>	&lt;tr&gt;</a:t>
+            </a:r>
+            <a:br>
+              <a:rPr lang="en-CA" dirty="0"/>
+            </a:br>
+            <a:r>
+              <a:rPr lang="en-CA" dirty="0"/>
+              <a:t>		&lt;</a:t>
+            </a:r>
+            <a:r>
+              <a:rPr lang="en-CA" dirty="0" err="1"/>
+              <a:t>th</a:t>
+            </a:r>
+            <a:r>
+              <a:rPr lang="en-CA" dirty="0"/>
+              <a:t>&gt;These are some text, some numbers and an image&lt;/</a:t>
+            </a:r>
+            <a:r>
+              <a:rPr lang="en-CA" dirty="0" err="1"/>
+              <a:t>th</a:t>
+            </a:r>
+            <a:r>
+              <a:rPr lang="en-CA" dirty="0"/>
+              <a:t>&gt;</a:t>
+            </a:r>
+            <a:br>
+              <a:rPr lang="en-CA" dirty="0"/>
+            </a:br>
+            <a:r>
+              <a:rPr lang="en-CA" dirty="0"/>
+              <a:t>	&lt;/tr&gt;</a:t>
+            </a:r>
+            <a:br>
+              <a:rPr lang="en-CA" dirty="0"/>
+            </a:br>
+            <a:r>
+              <a:rPr lang="en-CA" dirty="0"/>
+              <a:t>	&lt;tr&gt;</a:t>
+            </a:r>
+            <a:br>
+              <a:rPr lang="en-CA" dirty="0"/>
+            </a:br>
+            <a:r>
+              <a:rPr lang="en-CA" dirty="0"/>
+              <a:t>		&lt;td&gt;One&lt;/td&gt;</a:t>
+            </a:r>
+            <a:br>
+              <a:rPr lang="en-CA" dirty="0"/>
+            </a:br>
+            <a:r>
+              <a:rPr lang="en-CA" dirty="0"/>
+              <a:t>	&lt;/tr&gt;</a:t>
+            </a:r>
+            <a:br>
+              <a:rPr lang="en-CA" dirty="0"/>
+            </a:br>
+            <a:r>
+              <a:rPr lang="en-CA" dirty="0"/>
+              <a:t>	&lt;tr&gt;</a:t>
+            </a:r>
+            <a:br>
+              <a:rPr lang="en-CA" dirty="0"/>
+            </a:br>
+            <a:r>
+              <a:rPr lang="en-CA" dirty="0"/>
+              <a:t>		&lt;td&gt;12&lt;/td&gt;</a:t>
+            </a:r>
+            <a:br>
+              <a:rPr lang="en-CA" dirty="0"/>
+            </a:br>
+            <a:r>
+              <a:rPr lang="en-CA" dirty="0"/>
+              <a:t>	&lt;/tr&gt;</a:t>
+            </a:r>
+            <a:br>
+              <a:rPr lang="en-CA" dirty="0"/>
+            </a:br>
+            <a:r>
+              <a:rPr lang="en-CA" dirty="0"/>
+              <a:t>		&lt;td&gt;&lt;</a:t>
+            </a:r>
+            <a:r>
+              <a:rPr lang="en-CA" dirty="0" err="1"/>
+              <a:t>img</a:t>
+            </a:r>
+            <a:r>
+              <a:rPr lang="en-CA" dirty="0"/>
+              <a:t> </a:t>
+            </a:r>
+            <a:r>
+              <a:rPr lang="en-CA" dirty="0" err="1"/>
+              <a:t>src</a:t>
+            </a:r>
+            <a:r>
+              <a:rPr lang="en-CA" dirty="0"/>
+              <a:t>=</a:t>
+            </a:r>
+            <a:r>
+              <a:rPr lang="en-CA" dirty="0">
+                <a:hlinkClick r:id="rId2"/>
+              </a:rPr>
+              <a:t>http://www.image.com</a:t>
+            </a:r>
+            <a:r>
+              <a:rPr lang="en-CA" dirty="0"/>
+              <a:t>&gt;&lt;/td&gt;</a:t>
+            </a:r>
+            <a:br>
+              <a:rPr lang="en-CA" dirty="0"/>
+            </a:br>
+            <a:r>
+              <a:rPr lang="en-CA" dirty="0"/>
+              <a:t>	&lt;/tr&gt;</a:t>
+            </a:r>
+          </a:p>
+          <a:p>
+            <a:pPr marL="0" indent="0">
+              <a:buNone/>
+            </a:pPr>
+            <a:r>
+              <a:rPr lang="en-CA" dirty="0"/>
+              <a:t>&lt;/table&gt;</a:t>
+            </a:r>
+          </a:p>
+          <a:p>
+            <a:pPr marL="0" indent="0">
+              <a:buNone/>
+            </a:pPr>
+            <a:br>
+              <a:rPr lang="en-CA" dirty="0"/>
+            </a:br>
+            <a:r>
+              <a:rPr lang="en-CA" dirty="0"/>
+              <a:t>&lt;tr&gt; = “table row”</a:t>
+            </a:r>
+            <a:br>
+              <a:rPr lang="en-CA" dirty="0"/>
+            </a:br>
+            <a:r>
+              <a:rPr lang="en-CA" dirty="0"/>
+              <a:t>&lt;</a:t>
+            </a:r>
+            <a:r>
+              <a:rPr lang="en-CA" dirty="0" err="1"/>
+              <a:t>th</a:t>
+            </a:r>
+            <a:r>
+              <a:rPr lang="en-CA" dirty="0"/>
+              <a:t>&gt; = “table header”</a:t>
+            </a:r>
+            <a:br>
+              <a:rPr lang="en-CA" dirty="0"/>
+            </a:br>
+            <a:r>
+              <a:rPr lang="en-CA" dirty="0"/>
+              <a:t>&lt;td&gt; = “table data”</a:t>
+            </a:r>
+          </a:p>
+        </p:txBody>
+      </p:sp>
+    </p:spTree>
+    <p:extLst>
+      <p:ext uri="{BB962C8B-B14F-4D97-AF65-F5344CB8AC3E}">
+        <p14:creationId xmlns:p14="http://schemas.microsoft.com/office/powerpoint/2010/main" val="1512608197"/>
+      </p:ext>
+    </p:extLst>
+  </p:cSld>
+  <p:clrMapOvr>
+    <a:masterClrMapping/>
+  </p:clrMapOvr>
+</p:sld>
+</file>
+
+<file path=ppt/slides/slide15.xml><?xml version="1.0" encoding="utf-8"?>
+<p:sld xmlns:a="http://schemas.openxmlformats.org/drawingml/2006/main" xmlns:r="http://schemas.openxmlformats.org/officeDocument/2006/relationships" xmlns:p="http://schemas.openxmlformats.org/presentationml/2006/main">
+  <p:cSld>
+    <p:spTree>
+      <p:nvGrpSpPr>
+        <p:cNvPr id="1" name=""/>
+        <p:cNvGrpSpPr/>
+        <p:nvPr/>
+      </p:nvGrpSpPr>
+      <p:grpSpPr>
+        <a:xfrm>
+          <a:off x="0" y="0"/>
+          <a:ext cx="0" cy="0"/>
+          <a:chOff x="0" y="0"/>
+          <a:chExt cx="0" cy="0"/>
+        </a:xfrm>
+      </p:grpSpPr>
+      <p:sp>
+        <p:nvSpPr>
+          <p:cNvPr id="2" name="Title 1">
+            <a:extLst>
+              <a:ext uri="{FF2B5EF4-FFF2-40B4-BE49-F238E27FC236}">
                 <a16:creationId xmlns:a16="http://schemas.microsoft.com/office/drawing/2014/main" id="{3A72BD35-4DF7-4158-BD3A-9659B1AA894D}"/>
               </a:ext>
             </a:extLst>
@@ -21258,7 +22261,7 @@
 </p:sld>
 </file>
 
-<file path=ppt/slides/slide11.xml><?xml version="1.0" encoding="utf-8"?>
+<file path=ppt/slides/slide16.xml><?xml version="1.0" encoding="utf-8"?>
 <p:sld xmlns:a="http://schemas.openxmlformats.org/drawingml/2006/main" xmlns:r="http://schemas.openxmlformats.org/officeDocument/2006/relationships" xmlns:p="http://schemas.openxmlformats.org/presentationml/2006/main">
   <p:cSld>
     <p:spTree>
@@ -21372,7 +22375,15 @@
             </a:pPr>
             <a:r>
               <a:rPr lang="en-CA" dirty="0"/>
-              <a:t>Add a list with three elements</a:t>
+              <a:t>Add a list with three elements (ul or </a:t>
+            </a:r>
+            <a:r>
+              <a:rPr lang="en-CA" dirty="0" err="1"/>
+              <a:t>ol</a:t>
+            </a:r>
+            <a:r>
+              <a:rPr lang="en-CA" dirty="0"/>
+              <a:t> tag and then li tags)</a:t>
             </a:r>
           </a:p>
         </p:txBody>
@@ -21390,7 +22401,7 @@
 </p:sld>
 </file>
 
-<file path=ppt/slides/slide12.xml><?xml version="1.0" encoding="utf-8"?>
+<file path=ppt/slides/slide17.xml><?xml version="1.0" encoding="utf-8"?>
 <p:sld xmlns:a="http://schemas.openxmlformats.org/drawingml/2006/main" xmlns:r="http://schemas.openxmlformats.org/officeDocument/2006/relationships" xmlns:p="http://schemas.openxmlformats.org/presentationml/2006/main">
   <p:cSld>
     <p:spTree>
@@ -21511,7 +22522,7 @@
 </p:sld>
 </file>
 
-<file path=ppt/slides/slide13.xml><?xml version="1.0" encoding="utf-8"?>
+<file path=ppt/slides/slide18.xml><?xml version="1.0" encoding="utf-8"?>
 <p:sld xmlns:a="http://schemas.openxmlformats.org/drawingml/2006/main" xmlns:r="http://schemas.openxmlformats.org/officeDocument/2006/relationships" xmlns:p="http://schemas.openxmlformats.org/presentationml/2006/main">
   <p:cSld>
     <p:spTree>
@@ -21636,7 +22647,7 @@
 </p:sld>
 </file>
 
-<file path=ppt/slides/slide14.xml><?xml version="1.0" encoding="utf-8"?>
+<file path=ppt/slides/slide19.xml><?xml version="1.0" encoding="utf-8"?>
 <p:sld xmlns:a="http://schemas.openxmlformats.org/drawingml/2006/main" xmlns:r="http://schemas.openxmlformats.org/officeDocument/2006/relationships" xmlns:p="http://schemas.openxmlformats.org/presentationml/2006/main">
   <p:cSld>
     <p:spTree>
@@ -21773,648 +22784,6 @@
     <p:extLst>
       <p:ext uri="{BB962C8B-B14F-4D97-AF65-F5344CB8AC3E}">
         <p14:creationId xmlns:p14="http://schemas.microsoft.com/office/powerpoint/2010/main" val="1969230105"/>
-      </p:ext>
-    </p:extLst>
-  </p:cSld>
-  <p:clrMapOvr>
-    <a:masterClrMapping/>
-  </p:clrMapOvr>
-</p:sld>
-</file>
-
-<file path=ppt/slides/slide15.xml><?xml version="1.0" encoding="utf-8"?>
-<p:sld xmlns:a="http://schemas.openxmlformats.org/drawingml/2006/main" xmlns:r="http://schemas.openxmlformats.org/officeDocument/2006/relationships" xmlns:p="http://schemas.openxmlformats.org/presentationml/2006/main">
-  <p:cSld>
-    <p:spTree>
-      <p:nvGrpSpPr>
-        <p:cNvPr id="1" name=""/>
-        <p:cNvGrpSpPr/>
-        <p:nvPr/>
-      </p:nvGrpSpPr>
-      <p:grpSpPr>
-        <a:xfrm>
-          <a:off x="0" y="0"/>
-          <a:ext cx="0" cy="0"/>
-          <a:chOff x="0" y="0"/>
-          <a:chExt cx="0" cy="0"/>
-        </a:xfrm>
-      </p:grpSpPr>
-      <p:sp>
-        <p:nvSpPr>
-          <p:cNvPr id="2" name="Title 1">
-            <a:extLst>
-              <a:ext uri="{FF2B5EF4-FFF2-40B4-BE49-F238E27FC236}">
-                <a16:creationId xmlns:a16="http://schemas.microsoft.com/office/drawing/2014/main" id="{31B83551-40B8-403F-ADE8-92D99B9B5A52}"/>
-              </a:ext>
-            </a:extLst>
-          </p:cNvPr>
-          <p:cNvSpPr>
-            <a:spLocks noGrp="1"/>
-          </p:cNvSpPr>
-          <p:nvPr>
-            <p:ph type="title"/>
-          </p:nvPr>
-        </p:nvSpPr>
-        <p:spPr/>
-        <p:txBody>
-          <a:bodyPr/>
-          <a:lstStyle/>
-          <a:p>
-            <a:r>
-              <a:rPr lang="en-CA" dirty="0"/>
-              <a:t>Selectors</a:t>
-            </a:r>
-          </a:p>
-        </p:txBody>
-      </p:sp>
-      <p:sp>
-        <p:nvSpPr>
-          <p:cNvPr id="3" name="Content Placeholder 2">
-            <a:extLst>
-              <a:ext uri="{FF2B5EF4-FFF2-40B4-BE49-F238E27FC236}">
-                <a16:creationId xmlns:a16="http://schemas.microsoft.com/office/drawing/2014/main" id="{FFF31C4A-338A-4AE4-9158-BA5436A3D3C5}"/>
-              </a:ext>
-            </a:extLst>
-          </p:cNvPr>
-          <p:cNvSpPr>
-            <a:spLocks noGrp="1"/>
-          </p:cNvSpPr>
-          <p:nvPr>
-            <p:ph idx="1"/>
-          </p:nvPr>
-        </p:nvSpPr>
-        <p:spPr/>
-        <p:txBody>
-          <a:bodyPr>
-            <a:normAutofit fontScale="92500" lnSpcReduction="20000"/>
-          </a:bodyPr>
-          <a:lstStyle/>
-          <a:p>
-            <a:r>
-              <a:rPr lang="en-CA" dirty="0"/>
-              <a:t>From least specific to most:</a:t>
-            </a:r>
-          </a:p>
-          <a:p>
-            <a:pPr marL="457200" indent="-457200">
-              <a:buFont typeface="+mj-lt"/>
-              <a:buAutoNum type="arabicPeriod"/>
-            </a:pPr>
-            <a:r>
-              <a:rPr lang="en-CA" dirty="0"/>
-              <a:t>Elements (Think like “all p tags”)</a:t>
-            </a:r>
-          </a:p>
-          <a:p>
-            <a:pPr marL="457200" indent="-457200">
-              <a:buFont typeface="+mj-lt"/>
-              <a:buAutoNum type="arabicPeriod"/>
-            </a:pPr>
-            <a:endParaRPr lang="en-CA" dirty="0"/>
-          </a:p>
-          <a:p>
-            <a:pPr marL="457200" indent="-457200">
-              <a:buFont typeface="+mj-lt"/>
-              <a:buAutoNum type="arabicPeriod"/>
-            </a:pPr>
-            <a:r>
-              <a:rPr lang="en-CA" dirty="0"/>
-              <a:t>Classes (“Families” of HTML objects)</a:t>
-            </a:r>
-          </a:p>
-          <a:p>
-            <a:pPr marL="457200" indent="-457200">
-              <a:buFont typeface="+mj-lt"/>
-              <a:buAutoNum type="arabicPeriod"/>
-            </a:pPr>
-            <a:endParaRPr lang="en-CA" dirty="0"/>
-          </a:p>
-          <a:p>
-            <a:pPr marL="457200" indent="-457200">
-              <a:buFont typeface="+mj-lt"/>
-              <a:buAutoNum type="arabicPeriod"/>
-            </a:pPr>
-            <a:r>
-              <a:rPr lang="en-CA" dirty="0"/>
-              <a:t>IDs (A single or a few specific HTML objects)</a:t>
-            </a:r>
-          </a:p>
-          <a:p>
-            <a:pPr marL="457200" indent="-457200">
-              <a:buFont typeface="+mj-lt"/>
-              <a:buAutoNum type="arabicPeriod"/>
-            </a:pPr>
-            <a:endParaRPr lang="en-CA" dirty="0"/>
-          </a:p>
-          <a:p>
-            <a:pPr marL="457200" indent="-457200">
-              <a:buFont typeface="+mj-lt"/>
-              <a:buAutoNum type="arabicPeriod"/>
-            </a:pPr>
-            <a:r>
-              <a:rPr lang="en-CA" dirty="0"/>
-              <a:t>Style attribute (Writing your style inside the HTML tag, don’t do this)</a:t>
-            </a:r>
-          </a:p>
-          <a:p>
-            <a:pPr marL="457200" indent="-457200">
-              <a:buFont typeface="+mj-lt"/>
-              <a:buAutoNum type="arabicPeriod"/>
-            </a:pPr>
-            <a:endParaRPr lang="en-CA" dirty="0"/>
-          </a:p>
-          <a:p>
-            <a:pPr marL="0" indent="0">
-              <a:buNone/>
-            </a:pPr>
-            <a:r>
-              <a:rPr lang="en-CA" dirty="0"/>
-              <a:t>An ID will never be overwritten by a class, a class never by an element</a:t>
-            </a:r>
-          </a:p>
-        </p:txBody>
-      </p:sp>
-    </p:spTree>
-    <p:extLst>
-      <p:ext uri="{BB962C8B-B14F-4D97-AF65-F5344CB8AC3E}">
-        <p14:creationId xmlns:p14="http://schemas.microsoft.com/office/powerpoint/2010/main" val="1094751747"/>
-      </p:ext>
-    </p:extLst>
-  </p:cSld>
-  <p:clrMapOvr>
-    <a:masterClrMapping/>
-  </p:clrMapOvr>
-</p:sld>
-</file>
-
-<file path=ppt/slides/slide16.xml><?xml version="1.0" encoding="utf-8"?>
-<p:sld xmlns:a="http://schemas.openxmlformats.org/drawingml/2006/main" xmlns:r="http://schemas.openxmlformats.org/officeDocument/2006/relationships" xmlns:p="http://schemas.openxmlformats.org/presentationml/2006/main">
-  <p:cSld>
-    <p:spTree>
-      <p:nvGrpSpPr>
-        <p:cNvPr id="1" name=""/>
-        <p:cNvGrpSpPr/>
-        <p:nvPr/>
-      </p:nvGrpSpPr>
-      <p:grpSpPr>
-        <a:xfrm>
-          <a:off x="0" y="0"/>
-          <a:ext cx="0" cy="0"/>
-          <a:chOff x="0" y="0"/>
-          <a:chExt cx="0" cy="0"/>
-        </a:xfrm>
-      </p:grpSpPr>
-      <p:sp>
-        <p:nvSpPr>
-          <p:cNvPr id="2" name="Title 1">
-            <a:extLst>
-              <a:ext uri="{FF2B5EF4-FFF2-40B4-BE49-F238E27FC236}">
-                <a16:creationId xmlns:a16="http://schemas.microsoft.com/office/drawing/2014/main" id="{E93CA706-E391-46F3-9E52-01C0B79997A1}"/>
-              </a:ext>
-            </a:extLst>
-          </p:cNvPr>
-          <p:cNvSpPr>
-            <a:spLocks noGrp="1"/>
-          </p:cNvSpPr>
-          <p:nvPr>
-            <p:ph type="title"/>
-          </p:nvPr>
-        </p:nvSpPr>
-        <p:spPr/>
-        <p:txBody>
-          <a:bodyPr/>
-          <a:lstStyle/>
-          <a:p>
-            <a:endParaRPr lang="en-CA"/>
-          </a:p>
-        </p:txBody>
-      </p:sp>
-      <p:pic>
-        <p:nvPicPr>
-          <p:cNvPr id="5" name="Content Placeholder 4">
-            <a:extLst>
-              <a:ext uri="{FF2B5EF4-FFF2-40B4-BE49-F238E27FC236}">
-                <a16:creationId xmlns:a16="http://schemas.microsoft.com/office/drawing/2014/main" id="{6FD00358-BFEF-470D-988C-1543DC295B42}"/>
-              </a:ext>
-            </a:extLst>
-          </p:cNvPr>
-          <p:cNvPicPr>
-            <a:picLocks noGrp="1" noChangeAspect="1"/>
-          </p:cNvPicPr>
-          <p:nvPr>
-            <p:ph idx="1"/>
-          </p:nvPr>
-        </p:nvPicPr>
-        <p:blipFill>
-          <a:blip r:embed="rId2">
-            <a:extLst>
-              <a:ext uri="{28A0092B-C50C-407E-A947-70E740481C1C}">
-                <a14:useLocalDpi xmlns:a14="http://schemas.microsoft.com/office/drawing/2010/main" val="0"/>
-              </a:ext>
-            </a:extLst>
-          </a:blip>
-          <a:stretch>
-            <a:fillRect/>
-          </a:stretch>
-        </p:blipFill>
-        <p:spPr>
-          <a:xfrm>
-            <a:off x="702297" y="132694"/>
-            <a:ext cx="10774838" cy="6540515"/>
-          </a:xfrm>
-        </p:spPr>
-      </p:pic>
-    </p:spTree>
-    <p:extLst>
-      <p:ext uri="{BB962C8B-B14F-4D97-AF65-F5344CB8AC3E}">
-        <p14:creationId xmlns:p14="http://schemas.microsoft.com/office/powerpoint/2010/main" val="2673028872"/>
-      </p:ext>
-    </p:extLst>
-  </p:cSld>
-  <p:clrMapOvr>
-    <a:masterClrMapping/>
-  </p:clrMapOvr>
-</p:sld>
-</file>
-
-<file path=ppt/slides/slide17.xml><?xml version="1.0" encoding="utf-8"?>
-<p:sld xmlns:a="http://schemas.openxmlformats.org/drawingml/2006/main" xmlns:r="http://schemas.openxmlformats.org/officeDocument/2006/relationships" xmlns:p="http://schemas.openxmlformats.org/presentationml/2006/main">
-  <p:cSld>
-    <p:spTree>
-      <p:nvGrpSpPr>
-        <p:cNvPr id="1" name=""/>
-        <p:cNvGrpSpPr/>
-        <p:nvPr/>
-      </p:nvGrpSpPr>
-      <p:grpSpPr>
-        <a:xfrm>
-          <a:off x="0" y="0"/>
-          <a:ext cx="0" cy="0"/>
-          <a:chOff x="0" y="0"/>
-          <a:chExt cx="0" cy="0"/>
-        </a:xfrm>
-      </p:grpSpPr>
-      <p:sp>
-        <p:nvSpPr>
-          <p:cNvPr id="2" name="Title 1">
-            <a:extLst>
-              <a:ext uri="{FF2B5EF4-FFF2-40B4-BE49-F238E27FC236}">
-                <a16:creationId xmlns:a16="http://schemas.microsoft.com/office/drawing/2014/main" id="{C8B0F078-7D64-408C-AB19-D5A67D89D3ED}"/>
-              </a:ext>
-            </a:extLst>
-          </p:cNvPr>
-          <p:cNvSpPr>
-            <a:spLocks noGrp="1"/>
-          </p:cNvSpPr>
-          <p:nvPr>
-            <p:ph type="title"/>
-          </p:nvPr>
-        </p:nvSpPr>
-        <p:spPr/>
-        <p:txBody>
-          <a:bodyPr/>
-          <a:lstStyle/>
-          <a:p>
-            <a:r>
-              <a:rPr lang="en-CA" dirty="0"/>
-              <a:t>Specificity</a:t>
-            </a:r>
-          </a:p>
-        </p:txBody>
-      </p:sp>
-      <p:sp>
-        <p:nvSpPr>
-          <p:cNvPr id="3" name="Content Placeholder 2">
-            <a:extLst>
-              <a:ext uri="{FF2B5EF4-FFF2-40B4-BE49-F238E27FC236}">
-                <a16:creationId xmlns:a16="http://schemas.microsoft.com/office/drawing/2014/main" id="{7704A620-9A16-41AC-827C-41869BA8FF94}"/>
-              </a:ext>
-            </a:extLst>
-          </p:cNvPr>
-          <p:cNvSpPr>
-            <a:spLocks noGrp="1"/>
-          </p:cNvSpPr>
-          <p:nvPr>
-            <p:ph idx="1"/>
-          </p:nvPr>
-        </p:nvSpPr>
-        <p:spPr/>
-        <p:txBody>
-          <a:bodyPr/>
-          <a:lstStyle/>
-          <a:p>
-            <a:r>
-              <a:rPr lang="en-CA" dirty="0">
-                <a:hlinkClick r:id="rId2"/>
-              </a:rPr>
-              <a:t>https://specificity.keegan.st/</a:t>
-            </a:r>
-            <a:endParaRPr lang="en-CA" dirty="0"/>
-          </a:p>
-          <a:p>
-            <a:endParaRPr lang="en-CA" dirty="0"/>
-          </a:p>
-        </p:txBody>
-      </p:sp>
-    </p:spTree>
-    <p:extLst>
-      <p:ext uri="{BB962C8B-B14F-4D97-AF65-F5344CB8AC3E}">
-        <p14:creationId xmlns:p14="http://schemas.microsoft.com/office/powerpoint/2010/main" val="1654677263"/>
-      </p:ext>
-    </p:extLst>
-  </p:cSld>
-  <p:clrMapOvr>
-    <a:masterClrMapping/>
-  </p:clrMapOvr>
-</p:sld>
-</file>
-
-<file path=ppt/slides/slide18.xml><?xml version="1.0" encoding="utf-8"?>
-<p:sld xmlns:a="http://schemas.openxmlformats.org/drawingml/2006/main" xmlns:r="http://schemas.openxmlformats.org/officeDocument/2006/relationships" xmlns:p="http://schemas.openxmlformats.org/presentationml/2006/main">
-  <p:cSld>
-    <p:spTree>
-      <p:nvGrpSpPr>
-        <p:cNvPr id="1" name=""/>
-        <p:cNvGrpSpPr/>
-        <p:nvPr/>
-      </p:nvGrpSpPr>
-      <p:grpSpPr>
-        <a:xfrm>
-          <a:off x="0" y="0"/>
-          <a:ext cx="0" cy="0"/>
-          <a:chOff x="0" y="0"/>
-          <a:chExt cx="0" cy="0"/>
-        </a:xfrm>
-      </p:grpSpPr>
-      <p:sp>
-        <p:nvSpPr>
-          <p:cNvPr id="2" name="Title 1">
-            <a:extLst>
-              <a:ext uri="{FF2B5EF4-FFF2-40B4-BE49-F238E27FC236}">
-                <a16:creationId xmlns:a16="http://schemas.microsoft.com/office/drawing/2014/main" id="{6EBD10BC-1475-4326-A366-9BDBD9EE2881}"/>
-              </a:ext>
-            </a:extLst>
-          </p:cNvPr>
-          <p:cNvSpPr>
-            <a:spLocks noGrp="1"/>
-          </p:cNvSpPr>
-          <p:nvPr>
-            <p:ph type="title"/>
-          </p:nvPr>
-        </p:nvSpPr>
-        <p:spPr/>
-        <p:txBody>
-          <a:bodyPr/>
-          <a:lstStyle/>
-          <a:p>
-            <a:r>
-              <a:rPr lang="en-CA" dirty="0"/>
-              <a:t>Element Selector</a:t>
-            </a:r>
-          </a:p>
-        </p:txBody>
-      </p:sp>
-      <p:sp>
-        <p:nvSpPr>
-          <p:cNvPr id="3" name="Content Placeholder 2">
-            <a:extLst>
-              <a:ext uri="{FF2B5EF4-FFF2-40B4-BE49-F238E27FC236}">
-                <a16:creationId xmlns:a16="http://schemas.microsoft.com/office/drawing/2014/main" id="{D97AB3D0-E2A1-4BE8-92DC-F1DF920FECBB}"/>
-              </a:ext>
-            </a:extLst>
-          </p:cNvPr>
-          <p:cNvSpPr>
-            <a:spLocks noGrp="1"/>
-          </p:cNvSpPr>
-          <p:nvPr>
-            <p:ph idx="1"/>
-          </p:nvPr>
-        </p:nvSpPr>
-        <p:spPr/>
-        <p:txBody>
-          <a:bodyPr/>
-          <a:lstStyle/>
-          <a:p>
-            <a:pPr marL="0" indent="0">
-              <a:buNone/>
-            </a:pPr>
-            <a:r>
-              <a:rPr lang="en-CA" dirty="0"/>
-              <a:t>p {</a:t>
-            </a:r>
-          </a:p>
-          <a:p>
-            <a:pPr marL="0" indent="0">
-              <a:buNone/>
-            </a:pPr>
-            <a:r>
-              <a:rPr lang="en-CA" dirty="0"/>
-              <a:t>	font-family: times new roman;</a:t>
-            </a:r>
-          </a:p>
-          <a:p>
-            <a:pPr marL="0" indent="0">
-              <a:buNone/>
-            </a:pPr>
-            <a:r>
-              <a:rPr lang="en-CA" dirty="0"/>
-              <a:t>}</a:t>
-            </a:r>
-          </a:p>
-          <a:p>
-            <a:pPr marL="0" indent="0">
-              <a:buNone/>
-            </a:pPr>
-            <a:endParaRPr lang="en-CA" dirty="0"/>
-          </a:p>
-          <a:p>
-            <a:pPr marL="0" indent="0">
-              <a:buNone/>
-            </a:pPr>
-            <a:r>
-              <a:rPr lang="en-CA" dirty="0"/>
-              <a:t>What would this select?</a:t>
-            </a:r>
-          </a:p>
-        </p:txBody>
-      </p:sp>
-    </p:spTree>
-    <p:extLst>
-      <p:ext uri="{BB962C8B-B14F-4D97-AF65-F5344CB8AC3E}">
-        <p14:creationId xmlns:p14="http://schemas.microsoft.com/office/powerpoint/2010/main" val="4139977143"/>
-      </p:ext>
-    </p:extLst>
-  </p:cSld>
-  <p:clrMapOvr>
-    <a:masterClrMapping/>
-  </p:clrMapOvr>
-</p:sld>
-</file>
-
-<file path=ppt/slides/slide19.xml><?xml version="1.0" encoding="utf-8"?>
-<p:sld xmlns:a="http://schemas.openxmlformats.org/drawingml/2006/main" xmlns:r="http://schemas.openxmlformats.org/officeDocument/2006/relationships" xmlns:p="http://schemas.openxmlformats.org/presentationml/2006/main">
-  <p:cSld>
-    <p:spTree>
-      <p:nvGrpSpPr>
-        <p:cNvPr id="1" name=""/>
-        <p:cNvGrpSpPr/>
-        <p:nvPr/>
-      </p:nvGrpSpPr>
-      <p:grpSpPr>
-        <a:xfrm>
-          <a:off x="0" y="0"/>
-          <a:ext cx="0" cy="0"/>
-          <a:chOff x="0" y="0"/>
-          <a:chExt cx="0" cy="0"/>
-        </a:xfrm>
-      </p:grpSpPr>
-      <p:sp>
-        <p:nvSpPr>
-          <p:cNvPr id="2" name="Title 1">
-            <a:extLst>
-              <a:ext uri="{FF2B5EF4-FFF2-40B4-BE49-F238E27FC236}">
-                <a16:creationId xmlns:a16="http://schemas.microsoft.com/office/drawing/2014/main" id="{BEB0EC8F-E6F6-4533-A485-89263D0A0D80}"/>
-              </a:ext>
-            </a:extLst>
-          </p:cNvPr>
-          <p:cNvSpPr>
-            <a:spLocks noGrp="1"/>
-          </p:cNvSpPr>
-          <p:nvPr>
-            <p:ph type="title"/>
-          </p:nvPr>
-        </p:nvSpPr>
-        <p:spPr/>
-        <p:txBody>
-          <a:bodyPr/>
-          <a:lstStyle/>
-          <a:p>
-            <a:r>
-              <a:rPr lang="en-CA" dirty="0"/>
-              <a:t>Classes</a:t>
-            </a:r>
-          </a:p>
-        </p:txBody>
-      </p:sp>
-      <p:sp>
-        <p:nvSpPr>
-          <p:cNvPr id="3" name="Content Placeholder 2">
-            <a:extLst>
-              <a:ext uri="{FF2B5EF4-FFF2-40B4-BE49-F238E27FC236}">
-                <a16:creationId xmlns:a16="http://schemas.microsoft.com/office/drawing/2014/main" id="{DBCC3607-0016-44B8-B8EB-A5C70935E87B}"/>
-              </a:ext>
-            </a:extLst>
-          </p:cNvPr>
-          <p:cNvSpPr>
-            <a:spLocks noGrp="1"/>
-          </p:cNvSpPr>
-          <p:nvPr>
-            <p:ph idx="1"/>
-          </p:nvPr>
-        </p:nvSpPr>
-        <p:spPr/>
-        <p:txBody>
-          <a:bodyPr>
-            <a:normAutofit lnSpcReduction="10000"/>
-          </a:bodyPr>
-          <a:lstStyle/>
-          <a:p>
-            <a:pPr marL="0" indent="0">
-              <a:buNone/>
-            </a:pPr>
-            <a:r>
-              <a:rPr lang="en-CA" b="1" dirty="0"/>
-              <a:t>Assigned to html elements as:</a:t>
-            </a:r>
-          </a:p>
-          <a:p>
-            <a:pPr marL="0" indent="0">
-              <a:buNone/>
-            </a:pPr>
-            <a:r>
-              <a:rPr lang="en-CA" dirty="0"/>
-              <a:t>	&lt;table class=“</a:t>
-            </a:r>
-            <a:r>
-              <a:rPr lang="en-CA" dirty="0" err="1"/>
-              <a:t>name_of_class</a:t>
-            </a:r>
-            <a:r>
-              <a:rPr lang="en-CA" dirty="0"/>
-              <a:t>”&gt; …  &lt;/table&gt;</a:t>
-            </a:r>
-          </a:p>
-          <a:p>
-            <a:pPr marL="0" indent="0">
-              <a:buNone/>
-            </a:pPr>
-            <a:endParaRPr lang="en-CA" dirty="0"/>
-          </a:p>
-          <a:p>
-            <a:pPr marL="0" indent="0">
-              <a:buNone/>
-            </a:pPr>
-            <a:r>
-              <a:rPr lang="en-CA" b="1" dirty="0"/>
-              <a:t>Selected with CSS as:</a:t>
-            </a:r>
-          </a:p>
-          <a:p>
-            <a:pPr marL="0" indent="0">
-              <a:buNone/>
-            </a:pPr>
-            <a:r>
-              <a:rPr lang="en-CA" dirty="0"/>
-              <a:t>	.</a:t>
-            </a:r>
-            <a:r>
-              <a:rPr lang="en-CA" dirty="0" err="1"/>
-              <a:t>name_of_class</a:t>
-            </a:r>
-            <a:r>
-              <a:rPr lang="en-CA" dirty="0"/>
-              <a:t> {</a:t>
-            </a:r>
-          </a:p>
-          <a:p>
-            <a:pPr marL="0" indent="0">
-              <a:buNone/>
-            </a:pPr>
-            <a:r>
-              <a:rPr lang="en-CA" dirty="0"/>
-              <a:t>		font-weight: bold;</a:t>
-            </a:r>
-          </a:p>
-          <a:p>
-            <a:pPr marL="0" indent="0">
-              <a:buNone/>
-            </a:pPr>
-            <a:r>
-              <a:rPr lang="en-CA" dirty="0"/>
-              <a:t>	}</a:t>
-            </a:r>
-          </a:p>
-          <a:p>
-            <a:pPr marL="0" indent="0">
-              <a:buNone/>
-            </a:pPr>
-            <a:endParaRPr lang="en-CA" dirty="0"/>
-          </a:p>
-          <a:p>
-            <a:pPr marL="0" indent="0">
-              <a:buNone/>
-            </a:pPr>
-            <a:r>
-              <a:rPr lang="en-CA" dirty="0"/>
-              <a:t>Should be used on groups of similar elements </a:t>
-            </a:r>
-          </a:p>
-        </p:txBody>
-      </p:sp>
-    </p:spTree>
-    <p:extLst>
-      <p:ext uri="{BB962C8B-B14F-4D97-AF65-F5344CB8AC3E}">
-        <p14:creationId xmlns:p14="http://schemas.microsoft.com/office/powerpoint/2010/main" val="2769173216"/>
       </p:ext>
     </p:extLst>
   </p:cSld>
@@ -22649,6 +23018,648 @@
           <p:cNvPr id="2" name="Title 1">
             <a:extLst>
               <a:ext uri="{FF2B5EF4-FFF2-40B4-BE49-F238E27FC236}">
+                <a16:creationId xmlns:a16="http://schemas.microsoft.com/office/drawing/2014/main" id="{31B83551-40B8-403F-ADE8-92D99B9B5A52}"/>
+              </a:ext>
+            </a:extLst>
+          </p:cNvPr>
+          <p:cNvSpPr>
+            <a:spLocks noGrp="1"/>
+          </p:cNvSpPr>
+          <p:nvPr>
+            <p:ph type="title"/>
+          </p:nvPr>
+        </p:nvSpPr>
+        <p:spPr/>
+        <p:txBody>
+          <a:bodyPr/>
+          <a:lstStyle/>
+          <a:p>
+            <a:r>
+              <a:rPr lang="en-CA" dirty="0"/>
+              <a:t>Selectors</a:t>
+            </a:r>
+          </a:p>
+        </p:txBody>
+      </p:sp>
+      <p:sp>
+        <p:nvSpPr>
+          <p:cNvPr id="3" name="Content Placeholder 2">
+            <a:extLst>
+              <a:ext uri="{FF2B5EF4-FFF2-40B4-BE49-F238E27FC236}">
+                <a16:creationId xmlns:a16="http://schemas.microsoft.com/office/drawing/2014/main" id="{FFF31C4A-338A-4AE4-9158-BA5436A3D3C5}"/>
+              </a:ext>
+            </a:extLst>
+          </p:cNvPr>
+          <p:cNvSpPr>
+            <a:spLocks noGrp="1"/>
+          </p:cNvSpPr>
+          <p:nvPr>
+            <p:ph idx="1"/>
+          </p:nvPr>
+        </p:nvSpPr>
+        <p:spPr/>
+        <p:txBody>
+          <a:bodyPr>
+            <a:normAutofit fontScale="92500" lnSpcReduction="20000"/>
+          </a:bodyPr>
+          <a:lstStyle/>
+          <a:p>
+            <a:r>
+              <a:rPr lang="en-CA" dirty="0"/>
+              <a:t>From least specific to most:</a:t>
+            </a:r>
+          </a:p>
+          <a:p>
+            <a:pPr marL="457200" indent="-457200">
+              <a:buFont typeface="+mj-lt"/>
+              <a:buAutoNum type="arabicPeriod"/>
+            </a:pPr>
+            <a:r>
+              <a:rPr lang="en-CA" dirty="0"/>
+              <a:t>Elements (Think like “all p tags”)</a:t>
+            </a:r>
+          </a:p>
+          <a:p>
+            <a:pPr marL="457200" indent="-457200">
+              <a:buFont typeface="+mj-lt"/>
+              <a:buAutoNum type="arabicPeriod"/>
+            </a:pPr>
+            <a:endParaRPr lang="en-CA" dirty="0"/>
+          </a:p>
+          <a:p>
+            <a:pPr marL="457200" indent="-457200">
+              <a:buFont typeface="+mj-lt"/>
+              <a:buAutoNum type="arabicPeriod"/>
+            </a:pPr>
+            <a:r>
+              <a:rPr lang="en-CA" dirty="0"/>
+              <a:t>Classes (“Families” of HTML objects)</a:t>
+            </a:r>
+          </a:p>
+          <a:p>
+            <a:pPr marL="457200" indent="-457200">
+              <a:buFont typeface="+mj-lt"/>
+              <a:buAutoNum type="arabicPeriod"/>
+            </a:pPr>
+            <a:endParaRPr lang="en-CA" dirty="0"/>
+          </a:p>
+          <a:p>
+            <a:pPr marL="457200" indent="-457200">
+              <a:buFont typeface="+mj-lt"/>
+              <a:buAutoNum type="arabicPeriod"/>
+            </a:pPr>
+            <a:r>
+              <a:rPr lang="en-CA" dirty="0"/>
+              <a:t>IDs (A single or a few specific HTML objects)</a:t>
+            </a:r>
+          </a:p>
+          <a:p>
+            <a:pPr marL="457200" indent="-457200">
+              <a:buFont typeface="+mj-lt"/>
+              <a:buAutoNum type="arabicPeriod"/>
+            </a:pPr>
+            <a:endParaRPr lang="en-CA" dirty="0"/>
+          </a:p>
+          <a:p>
+            <a:pPr marL="457200" indent="-457200">
+              <a:buFont typeface="+mj-lt"/>
+              <a:buAutoNum type="arabicPeriod"/>
+            </a:pPr>
+            <a:r>
+              <a:rPr lang="en-CA" dirty="0"/>
+              <a:t>Style attribute (Writing your style inside the HTML tag, don’t do this)</a:t>
+            </a:r>
+          </a:p>
+          <a:p>
+            <a:pPr marL="457200" indent="-457200">
+              <a:buFont typeface="+mj-lt"/>
+              <a:buAutoNum type="arabicPeriod"/>
+            </a:pPr>
+            <a:endParaRPr lang="en-CA" dirty="0"/>
+          </a:p>
+          <a:p>
+            <a:pPr marL="0" indent="0">
+              <a:buNone/>
+            </a:pPr>
+            <a:r>
+              <a:rPr lang="en-CA" dirty="0"/>
+              <a:t>An ID will never be overwritten by a class, a class never by an element</a:t>
+            </a:r>
+          </a:p>
+        </p:txBody>
+      </p:sp>
+    </p:spTree>
+    <p:extLst>
+      <p:ext uri="{BB962C8B-B14F-4D97-AF65-F5344CB8AC3E}">
+        <p14:creationId xmlns:p14="http://schemas.microsoft.com/office/powerpoint/2010/main" val="1094751747"/>
+      </p:ext>
+    </p:extLst>
+  </p:cSld>
+  <p:clrMapOvr>
+    <a:masterClrMapping/>
+  </p:clrMapOvr>
+</p:sld>
+</file>
+
+<file path=ppt/slides/slide21.xml><?xml version="1.0" encoding="utf-8"?>
+<p:sld xmlns:a="http://schemas.openxmlformats.org/drawingml/2006/main" xmlns:r="http://schemas.openxmlformats.org/officeDocument/2006/relationships" xmlns:p="http://schemas.openxmlformats.org/presentationml/2006/main">
+  <p:cSld>
+    <p:spTree>
+      <p:nvGrpSpPr>
+        <p:cNvPr id="1" name=""/>
+        <p:cNvGrpSpPr/>
+        <p:nvPr/>
+      </p:nvGrpSpPr>
+      <p:grpSpPr>
+        <a:xfrm>
+          <a:off x="0" y="0"/>
+          <a:ext cx="0" cy="0"/>
+          <a:chOff x="0" y="0"/>
+          <a:chExt cx="0" cy="0"/>
+        </a:xfrm>
+      </p:grpSpPr>
+      <p:sp>
+        <p:nvSpPr>
+          <p:cNvPr id="2" name="Title 1">
+            <a:extLst>
+              <a:ext uri="{FF2B5EF4-FFF2-40B4-BE49-F238E27FC236}">
+                <a16:creationId xmlns:a16="http://schemas.microsoft.com/office/drawing/2014/main" id="{E93CA706-E391-46F3-9E52-01C0B79997A1}"/>
+              </a:ext>
+            </a:extLst>
+          </p:cNvPr>
+          <p:cNvSpPr>
+            <a:spLocks noGrp="1"/>
+          </p:cNvSpPr>
+          <p:nvPr>
+            <p:ph type="title"/>
+          </p:nvPr>
+        </p:nvSpPr>
+        <p:spPr/>
+        <p:txBody>
+          <a:bodyPr/>
+          <a:lstStyle/>
+          <a:p>
+            <a:endParaRPr lang="en-CA"/>
+          </a:p>
+        </p:txBody>
+      </p:sp>
+      <p:pic>
+        <p:nvPicPr>
+          <p:cNvPr id="5" name="Content Placeholder 4">
+            <a:extLst>
+              <a:ext uri="{FF2B5EF4-FFF2-40B4-BE49-F238E27FC236}">
+                <a16:creationId xmlns:a16="http://schemas.microsoft.com/office/drawing/2014/main" id="{6FD00358-BFEF-470D-988C-1543DC295B42}"/>
+              </a:ext>
+            </a:extLst>
+          </p:cNvPr>
+          <p:cNvPicPr>
+            <a:picLocks noGrp="1" noChangeAspect="1"/>
+          </p:cNvPicPr>
+          <p:nvPr>
+            <p:ph idx="1"/>
+          </p:nvPr>
+        </p:nvPicPr>
+        <p:blipFill>
+          <a:blip r:embed="rId2">
+            <a:extLst>
+              <a:ext uri="{28A0092B-C50C-407E-A947-70E740481C1C}">
+                <a14:useLocalDpi xmlns:a14="http://schemas.microsoft.com/office/drawing/2010/main" val="0"/>
+              </a:ext>
+            </a:extLst>
+          </a:blip>
+          <a:stretch>
+            <a:fillRect/>
+          </a:stretch>
+        </p:blipFill>
+        <p:spPr>
+          <a:xfrm>
+            <a:off x="702297" y="132694"/>
+            <a:ext cx="10774838" cy="6540515"/>
+          </a:xfrm>
+        </p:spPr>
+      </p:pic>
+    </p:spTree>
+    <p:extLst>
+      <p:ext uri="{BB962C8B-B14F-4D97-AF65-F5344CB8AC3E}">
+        <p14:creationId xmlns:p14="http://schemas.microsoft.com/office/powerpoint/2010/main" val="2673028872"/>
+      </p:ext>
+    </p:extLst>
+  </p:cSld>
+  <p:clrMapOvr>
+    <a:masterClrMapping/>
+  </p:clrMapOvr>
+</p:sld>
+</file>
+
+<file path=ppt/slides/slide22.xml><?xml version="1.0" encoding="utf-8"?>
+<p:sld xmlns:a="http://schemas.openxmlformats.org/drawingml/2006/main" xmlns:r="http://schemas.openxmlformats.org/officeDocument/2006/relationships" xmlns:p="http://schemas.openxmlformats.org/presentationml/2006/main">
+  <p:cSld>
+    <p:spTree>
+      <p:nvGrpSpPr>
+        <p:cNvPr id="1" name=""/>
+        <p:cNvGrpSpPr/>
+        <p:nvPr/>
+      </p:nvGrpSpPr>
+      <p:grpSpPr>
+        <a:xfrm>
+          <a:off x="0" y="0"/>
+          <a:ext cx="0" cy="0"/>
+          <a:chOff x="0" y="0"/>
+          <a:chExt cx="0" cy="0"/>
+        </a:xfrm>
+      </p:grpSpPr>
+      <p:sp>
+        <p:nvSpPr>
+          <p:cNvPr id="2" name="Title 1">
+            <a:extLst>
+              <a:ext uri="{FF2B5EF4-FFF2-40B4-BE49-F238E27FC236}">
+                <a16:creationId xmlns:a16="http://schemas.microsoft.com/office/drawing/2014/main" id="{C8B0F078-7D64-408C-AB19-D5A67D89D3ED}"/>
+              </a:ext>
+            </a:extLst>
+          </p:cNvPr>
+          <p:cNvSpPr>
+            <a:spLocks noGrp="1"/>
+          </p:cNvSpPr>
+          <p:nvPr>
+            <p:ph type="title"/>
+          </p:nvPr>
+        </p:nvSpPr>
+        <p:spPr/>
+        <p:txBody>
+          <a:bodyPr/>
+          <a:lstStyle/>
+          <a:p>
+            <a:r>
+              <a:rPr lang="en-CA" dirty="0"/>
+              <a:t>Specificity</a:t>
+            </a:r>
+          </a:p>
+        </p:txBody>
+      </p:sp>
+      <p:sp>
+        <p:nvSpPr>
+          <p:cNvPr id="3" name="Content Placeholder 2">
+            <a:extLst>
+              <a:ext uri="{FF2B5EF4-FFF2-40B4-BE49-F238E27FC236}">
+                <a16:creationId xmlns:a16="http://schemas.microsoft.com/office/drawing/2014/main" id="{7704A620-9A16-41AC-827C-41869BA8FF94}"/>
+              </a:ext>
+            </a:extLst>
+          </p:cNvPr>
+          <p:cNvSpPr>
+            <a:spLocks noGrp="1"/>
+          </p:cNvSpPr>
+          <p:nvPr>
+            <p:ph idx="1"/>
+          </p:nvPr>
+        </p:nvSpPr>
+        <p:spPr/>
+        <p:txBody>
+          <a:bodyPr/>
+          <a:lstStyle/>
+          <a:p>
+            <a:r>
+              <a:rPr lang="en-CA" dirty="0">
+                <a:hlinkClick r:id="rId2"/>
+              </a:rPr>
+              <a:t>https://specificity.keegan.st/</a:t>
+            </a:r>
+            <a:endParaRPr lang="en-CA" dirty="0"/>
+          </a:p>
+          <a:p>
+            <a:endParaRPr lang="en-CA" dirty="0"/>
+          </a:p>
+        </p:txBody>
+      </p:sp>
+    </p:spTree>
+    <p:extLst>
+      <p:ext uri="{BB962C8B-B14F-4D97-AF65-F5344CB8AC3E}">
+        <p14:creationId xmlns:p14="http://schemas.microsoft.com/office/powerpoint/2010/main" val="1654677263"/>
+      </p:ext>
+    </p:extLst>
+  </p:cSld>
+  <p:clrMapOvr>
+    <a:masterClrMapping/>
+  </p:clrMapOvr>
+</p:sld>
+</file>
+
+<file path=ppt/slides/slide23.xml><?xml version="1.0" encoding="utf-8"?>
+<p:sld xmlns:a="http://schemas.openxmlformats.org/drawingml/2006/main" xmlns:r="http://schemas.openxmlformats.org/officeDocument/2006/relationships" xmlns:p="http://schemas.openxmlformats.org/presentationml/2006/main">
+  <p:cSld>
+    <p:spTree>
+      <p:nvGrpSpPr>
+        <p:cNvPr id="1" name=""/>
+        <p:cNvGrpSpPr/>
+        <p:nvPr/>
+      </p:nvGrpSpPr>
+      <p:grpSpPr>
+        <a:xfrm>
+          <a:off x="0" y="0"/>
+          <a:ext cx="0" cy="0"/>
+          <a:chOff x="0" y="0"/>
+          <a:chExt cx="0" cy="0"/>
+        </a:xfrm>
+      </p:grpSpPr>
+      <p:sp>
+        <p:nvSpPr>
+          <p:cNvPr id="2" name="Title 1">
+            <a:extLst>
+              <a:ext uri="{FF2B5EF4-FFF2-40B4-BE49-F238E27FC236}">
+                <a16:creationId xmlns:a16="http://schemas.microsoft.com/office/drawing/2014/main" id="{6EBD10BC-1475-4326-A366-9BDBD9EE2881}"/>
+              </a:ext>
+            </a:extLst>
+          </p:cNvPr>
+          <p:cNvSpPr>
+            <a:spLocks noGrp="1"/>
+          </p:cNvSpPr>
+          <p:nvPr>
+            <p:ph type="title"/>
+          </p:nvPr>
+        </p:nvSpPr>
+        <p:spPr/>
+        <p:txBody>
+          <a:bodyPr/>
+          <a:lstStyle/>
+          <a:p>
+            <a:r>
+              <a:rPr lang="en-CA" dirty="0"/>
+              <a:t>Element Selector</a:t>
+            </a:r>
+          </a:p>
+        </p:txBody>
+      </p:sp>
+      <p:sp>
+        <p:nvSpPr>
+          <p:cNvPr id="3" name="Content Placeholder 2">
+            <a:extLst>
+              <a:ext uri="{FF2B5EF4-FFF2-40B4-BE49-F238E27FC236}">
+                <a16:creationId xmlns:a16="http://schemas.microsoft.com/office/drawing/2014/main" id="{D97AB3D0-E2A1-4BE8-92DC-F1DF920FECBB}"/>
+              </a:ext>
+            </a:extLst>
+          </p:cNvPr>
+          <p:cNvSpPr>
+            <a:spLocks noGrp="1"/>
+          </p:cNvSpPr>
+          <p:nvPr>
+            <p:ph idx="1"/>
+          </p:nvPr>
+        </p:nvSpPr>
+        <p:spPr/>
+        <p:txBody>
+          <a:bodyPr/>
+          <a:lstStyle/>
+          <a:p>
+            <a:pPr marL="0" indent="0">
+              <a:buNone/>
+            </a:pPr>
+            <a:r>
+              <a:rPr lang="en-CA" dirty="0"/>
+              <a:t>p {</a:t>
+            </a:r>
+          </a:p>
+          <a:p>
+            <a:pPr marL="0" indent="0">
+              <a:buNone/>
+            </a:pPr>
+            <a:r>
+              <a:rPr lang="en-CA" dirty="0"/>
+              <a:t>	font-family: times new roman;</a:t>
+            </a:r>
+          </a:p>
+          <a:p>
+            <a:pPr marL="0" indent="0">
+              <a:buNone/>
+            </a:pPr>
+            <a:r>
+              <a:rPr lang="en-CA" dirty="0"/>
+              <a:t>}</a:t>
+            </a:r>
+          </a:p>
+          <a:p>
+            <a:pPr marL="0" indent="0">
+              <a:buNone/>
+            </a:pPr>
+            <a:endParaRPr lang="en-CA" dirty="0"/>
+          </a:p>
+          <a:p>
+            <a:pPr marL="0" indent="0">
+              <a:buNone/>
+            </a:pPr>
+            <a:r>
+              <a:rPr lang="en-CA" dirty="0"/>
+              <a:t>What would this select?</a:t>
+            </a:r>
+          </a:p>
+        </p:txBody>
+      </p:sp>
+    </p:spTree>
+    <p:extLst>
+      <p:ext uri="{BB962C8B-B14F-4D97-AF65-F5344CB8AC3E}">
+        <p14:creationId xmlns:p14="http://schemas.microsoft.com/office/powerpoint/2010/main" val="4139977143"/>
+      </p:ext>
+    </p:extLst>
+  </p:cSld>
+  <p:clrMapOvr>
+    <a:masterClrMapping/>
+  </p:clrMapOvr>
+</p:sld>
+</file>
+
+<file path=ppt/slides/slide24.xml><?xml version="1.0" encoding="utf-8"?>
+<p:sld xmlns:a="http://schemas.openxmlformats.org/drawingml/2006/main" xmlns:r="http://schemas.openxmlformats.org/officeDocument/2006/relationships" xmlns:p="http://schemas.openxmlformats.org/presentationml/2006/main">
+  <p:cSld>
+    <p:spTree>
+      <p:nvGrpSpPr>
+        <p:cNvPr id="1" name=""/>
+        <p:cNvGrpSpPr/>
+        <p:nvPr/>
+      </p:nvGrpSpPr>
+      <p:grpSpPr>
+        <a:xfrm>
+          <a:off x="0" y="0"/>
+          <a:ext cx="0" cy="0"/>
+          <a:chOff x="0" y="0"/>
+          <a:chExt cx="0" cy="0"/>
+        </a:xfrm>
+      </p:grpSpPr>
+      <p:sp>
+        <p:nvSpPr>
+          <p:cNvPr id="2" name="Title 1">
+            <a:extLst>
+              <a:ext uri="{FF2B5EF4-FFF2-40B4-BE49-F238E27FC236}">
+                <a16:creationId xmlns:a16="http://schemas.microsoft.com/office/drawing/2014/main" id="{BEB0EC8F-E6F6-4533-A485-89263D0A0D80}"/>
+              </a:ext>
+            </a:extLst>
+          </p:cNvPr>
+          <p:cNvSpPr>
+            <a:spLocks noGrp="1"/>
+          </p:cNvSpPr>
+          <p:nvPr>
+            <p:ph type="title"/>
+          </p:nvPr>
+        </p:nvSpPr>
+        <p:spPr/>
+        <p:txBody>
+          <a:bodyPr/>
+          <a:lstStyle/>
+          <a:p>
+            <a:r>
+              <a:rPr lang="en-CA" dirty="0"/>
+              <a:t>Classes</a:t>
+            </a:r>
+          </a:p>
+        </p:txBody>
+      </p:sp>
+      <p:sp>
+        <p:nvSpPr>
+          <p:cNvPr id="3" name="Content Placeholder 2">
+            <a:extLst>
+              <a:ext uri="{FF2B5EF4-FFF2-40B4-BE49-F238E27FC236}">
+                <a16:creationId xmlns:a16="http://schemas.microsoft.com/office/drawing/2014/main" id="{DBCC3607-0016-44B8-B8EB-A5C70935E87B}"/>
+              </a:ext>
+            </a:extLst>
+          </p:cNvPr>
+          <p:cNvSpPr>
+            <a:spLocks noGrp="1"/>
+          </p:cNvSpPr>
+          <p:nvPr>
+            <p:ph idx="1"/>
+          </p:nvPr>
+        </p:nvSpPr>
+        <p:spPr/>
+        <p:txBody>
+          <a:bodyPr>
+            <a:normAutofit lnSpcReduction="10000"/>
+          </a:bodyPr>
+          <a:lstStyle/>
+          <a:p>
+            <a:pPr marL="0" indent="0">
+              <a:buNone/>
+            </a:pPr>
+            <a:r>
+              <a:rPr lang="en-CA" b="1" dirty="0"/>
+              <a:t>Assigned to html elements as:</a:t>
+            </a:r>
+          </a:p>
+          <a:p>
+            <a:pPr marL="0" indent="0">
+              <a:buNone/>
+            </a:pPr>
+            <a:r>
+              <a:rPr lang="en-CA" dirty="0"/>
+              <a:t>	&lt;table class=“</a:t>
+            </a:r>
+            <a:r>
+              <a:rPr lang="en-CA" dirty="0" err="1"/>
+              <a:t>name_of_class</a:t>
+            </a:r>
+            <a:r>
+              <a:rPr lang="en-CA" dirty="0"/>
+              <a:t>”&gt; …  &lt;/table&gt;</a:t>
+            </a:r>
+          </a:p>
+          <a:p>
+            <a:pPr marL="0" indent="0">
+              <a:buNone/>
+            </a:pPr>
+            <a:endParaRPr lang="en-CA" dirty="0"/>
+          </a:p>
+          <a:p>
+            <a:pPr marL="0" indent="0">
+              <a:buNone/>
+            </a:pPr>
+            <a:r>
+              <a:rPr lang="en-CA" b="1" dirty="0"/>
+              <a:t>Selected with CSS as:</a:t>
+            </a:r>
+          </a:p>
+          <a:p>
+            <a:pPr marL="0" indent="0">
+              <a:buNone/>
+            </a:pPr>
+            <a:r>
+              <a:rPr lang="en-CA" dirty="0"/>
+              <a:t>	.</a:t>
+            </a:r>
+            <a:r>
+              <a:rPr lang="en-CA" dirty="0" err="1"/>
+              <a:t>name_of_class</a:t>
+            </a:r>
+            <a:r>
+              <a:rPr lang="en-CA" dirty="0"/>
+              <a:t> {</a:t>
+            </a:r>
+          </a:p>
+          <a:p>
+            <a:pPr marL="0" indent="0">
+              <a:buNone/>
+            </a:pPr>
+            <a:r>
+              <a:rPr lang="en-CA" dirty="0"/>
+              <a:t>		font-weight: bold;</a:t>
+            </a:r>
+          </a:p>
+          <a:p>
+            <a:pPr marL="0" indent="0">
+              <a:buNone/>
+            </a:pPr>
+            <a:r>
+              <a:rPr lang="en-CA" dirty="0"/>
+              <a:t>	}</a:t>
+            </a:r>
+          </a:p>
+          <a:p>
+            <a:pPr marL="0" indent="0">
+              <a:buNone/>
+            </a:pPr>
+            <a:endParaRPr lang="en-CA" dirty="0"/>
+          </a:p>
+          <a:p>
+            <a:pPr marL="0" indent="0">
+              <a:buNone/>
+            </a:pPr>
+            <a:r>
+              <a:rPr lang="en-CA" dirty="0"/>
+              <a:t>Should be used on groups of similar elements </a:t>
+            </a:r>
+          </a:p>
+        </p:txBody>
+      </p:sp>
+    </p:spTree>
+    <p:extLst>
+      <p:ext uri="{BB962C8B-B14F-4D97-AF65-F5344CB8AC3E}">
+        <p14:creationId xmlns:p14="http://schemas.microsoft.com/office/powerpoint/2010/main" val="2769173216"/>
+      </p:ext>
+    </p:extLst>
+  </p:cSld>
+  <p:clrMapOvr>
+    <a:masterClrMapping/>
+  </p:clrMapOvr>
+</p:sld>
+</file>
+
+<file path=ppt/slides/slide25.xml><?xml version="1.0" encoding="utf-8"?>
+<p:sld xmlns:a="http://schemas.openxmlformats.org/drawingml/2006/main" xmlns:r="http://schemas.openxmlformats.org/officeDocument/2006/relationships" xmlns:p="http://schemas.openxmlformats.org/presentationml/2006/main">
+  <p:cSld>
+    <p:spTree>
+      <p:nvGrpSpPr>
+        <p:cNvPr id="1" name=""/>
+        <p:cNvGrpSpPr/>
+        <p:nvPr/>
+      </p:nvGrpSpPr>
+      <p:grpSpPr>
+        <a:xfrm>
+          <a:off x="0" y="0"/>
+          <a:ext cx="0" cy="0"/>
+          <a:chOff x="0" y="0"/>
+          <a:chExt cx="0" cy="0"/>
+        </a:xfrm>
+      </p:grpSpPr>
+      <p:sp>
+        <p:nvSpPr>
+          <p:cNvPr id="2" name="Title 1">
+            <a:extLst>
+              <a:ext uri="{FF2B5EF4-FFF2-40B4-BE49-F238E27FC236}">
                 <a16:creationId xmlns:a16="http://schemas.microsoft.com/office/drawing/2014/main" id="{3ADC4034-D968-4A23-948A-921025337B97}"/>
               </a:ext>
             </a:extLst>
@@ -22782,7 +23793,7 @@
 </p:sld>
 </file>
 
-<file path=ppt/slides/slide21.xml><?xml version="1.0" encoding="utf-8"?>
+<file path=ppt/slides/slide26.xml><?xml version="1.0" encoding="utf-8"?>
 <p:sld xmlns:a="http://schemas.openxmlformats.org/drawingml/2006/main" xmlns:r="http://schemas.openxmlformats.org/officeDocument/2006/relationships" xmlns:p="http://schemas.openxmlformats.org/presentationml/2006/main">
   <p:cSld>
     <p:spTree>
@@ -22955,7 +23966,7 @@
 </p:sld>
 </file>
 
-<file path=ppt/slides/slide22.xml><?xml version="1.0" encoding="utf-8"?>
+<file path=ppt/slides/slide27.xml><?xml version="1.0" encoding="utf-8"?>
 <p:sld xmlns:a="http://schemas.openxmlformats.org/drawingml/2006/main" xmlns:r="http://schemas.openxmlformats.org/officeDocument/2006/relationships" xmlns:p="http://schemas.openxmlformats.org/presentationml/2006/main">
   <p:cSld>
     <p:spTree>
@@ -23451,7 +24462,7 @@
 </p:sld>
 </file>
 
-<file path=ppt/slides/slide23.xml><?xml version="1.0" encoding="utf-8"?>
+<file path=ppt/slides/slide28.xml><?xml version="1.0" encoding="utf-8"?>
 <p:sld xmlns:a="http://schemas.openxmlformats.org/drawingml/2006/main" xmlns:r="http://schemas.openxmlformats.org/officeDocument/2006/relationships" xmlns:p="http://schemas.openxmlformats.org/presentationml/2006/main">
   <p:cSld>
     <p:spTree>
@@ -23534,7 +24545,7 @@
 </p:sld>
 </file>
 
-<file path=ppt/slides/slide24.xml><?xml version="1.0" encoding="utf-8"?>
+<file path=ppt/slides/slide29.xml><?xml version="1.0" encoding="utf-8"?>
 <p:sld xmlns:a="http://schemas.openxmlformats.org/drawingml/2006/main" xmlns:r="http://schemas.openxmlformats.org/officeDocument/2006/relationships" xmlns:p="http://schemas.openxmlformats.org/presentationml/2006/main">
   <p:cSld>
     <p:spTree>
@@ -23642,175 +24653,6 @@
     <p:extLst>
       <p:ext uri="{BB962C8B-B14F-4D97-AF65-F5344CB8AC3E}">
         <p14:creationId xmlns:p14="http://schemas.microsoft.com/office/powerpoint/2010/main" val="80386420"/>
-      </p:ext>
-    </p:extLst>
-  </p:cSld>
-  <p:clrMapOvr>
-    <a:masterClrMapping/>
-  </p:clrMapOvr>
-</p:sld>
-</file>
-
-<file path=ppt/slides/slide25.xml><?xml version="1.0" encoding="utf-8"?>
-<p:sld xmlns:a="http://schemas.openxmlformats.org/drawingml/2006/main" xmlns:r="http://schemas.openxmlformats.org/officeDocument/2006/relationships" xmlns:p="http://schemas.openxmlformats.org/presentationml/2006/main">
-  <p:cSld>
-    <p:spTree>
-      <p:nvGrpSpPr>
-        <p:cNvPr id="1" name=""/>
-        <p:cNvGrpSpPr/>
-        <p:nvPr/>
-      </p:nvGrpSpPr>
-      <p:grpSpPr>
-        <a:xfrm>
-          <a:off x="0" y="0"/>
-          <a:ext cx="0" cy="0"/>
-          <a:chOff x="0" y="0"/>
-          <a:chExt cx="0" cy="0"/>
-        </a:xfrm>
-      </p:grpSpPr>
-      <p:sp>
-        <p:nvSpPr>
-          <p:cNvPr id="2" name="Title 1">
-            <a:extLst>
-              <a:ext uri="{FF2B5EF4-FFF2-40B4-BE49-F238E27FC236}">
-                <a16:creationId xmlns:a16="http://schemas.microsoft.com/office/drawing/2014/main" id="{EA9178DB-FF5A-4DEA-8081-A89999BAC8DE}"/>
-              </a:ext>
-            </a:extLst>
-          </p:cNvPr>
-          <p:cNvSpPr>
-            <a:spLocks noGrp="1"/>
-          </p:cNvSpPr>
-          <p:nvPr>
-            <p:ph type="title"/>
-          </p:nvPr>
-        </p:nvSpPr>
-        <p:spPr/>
-        <p:txBody>
-          <a:bodyPr/>
-          <a:lstStyle/>
-          <a:p>
-            <a:r>
-              <a:rPr lang="en-CA" dirty="0"/>
-              <a:t>Resources</a:t>
-            </a:r>
-          </a:p>
-        </p:txBody>
-      </p:sp>
-      <p:sp>
-        <p:nvSpPr>
-          <p:cNvPr id="3" name="Content Placeholder 2">
-            <a:extLst>
-              <a:ext uri="{FF2B5EF4-FFF2-40B4-BE49-F238E27FC236}">
-                <a16:creationId xmlns:a16="http://schemas.microsoft.com/office/drawing/2014/main" id="{75D53DAC-EF41-4B8C-813B-86A5CF29B80D}"/>
-              </a:ext>
-            </a:extLst>
-          </p:cNvPr>
-          <p:cNvSpPr>
-            <a:spLocks noGrp="1"/>
-          </p:cNvSpPr>
-          <p:nvPr>
-            <p:ph idx="1"/>
-          </p:nvPr>
-        </p:nvSpPr>
-        <p:spPr/>
-        <p:txBody>
-          <a:bodyPr>
-            <a:normAutofit lnSpcReduction="10000"/>
-          </a:bodyPr>
-          <a:lstStyle/>
-          <a:p>
-            <a:r>
-              <a:rPr lang="en-CA" dirty="0">
-                <a:hlinkClick r:id="rId2"/>
-              </a:rPr>
-              <a:t>https://www.w3schools.com/</a:t>
-            </a:r>
-            <a:endParaRPr lang="en-CA" dirty="0"/>
-          </a:p>
-          <a:p>
-            <a:pPr lvl="1"/>
-            <a:r>
-              <a:rPr lang="en-CA" dirty="0"/>
-              <a:t>Tutorials, extensive references (documentation)</a:t>
-            </a:r>
-          </a:p>
-          <a:p>
-            <a:pPr lvl="1"/>
-            <a:r>
-              <a:rPr lang="en-CA" dirty="0"/>
-              <a:t>If you learned a tenth of what’s here you’re hireable at Google</a:t>
-            </a:r>
-          </a:p>
-          <a:p>
-            <a:endParaRPr lang="en-CA" dirty="0"/>
-          </a:p>
-          <a:p>
-            <a:r>
-              <a:rPr lang="en-CA" dirty="0">
-                <a:hlinkClick r:id="rId3"/>
-              </a:rPr>
-              <a:t>https://stackoverflow.com</a:t>
-            </a:r>
-            <a:endParaRPr lang="en-CA" dirty="0"/>
-          </a:p>
-          <a:p>
-            <a:pPr lvl="1"/>
-            <a:r>
-              <a:rPr lang="en-CA" dirty="0"/>
-              <a:t>The #1 programing questions and answers website</a:t>
-            </a:r>
-          </a:p>
-          <a:p>
-            <a:pPr lvl="1"/>
-            <a:r>
-              <a:rPr lang="en-CA" dirty="0"/>
-              <a:t>Be careful about asking questions, it’s more useful to see previously answered questions (Yours probably isn’t new)</a:t>
-            </a:r>
-          </a:p>
-          <a:p>
-            <a:endParaRPr lang="en-CA" dirty="0"/>
-          </a:p>
-          <a:p>
-            <a:r>
-              <a:rPr lang="en-CA" dirty="0">
-                <a:hlinkClick r:id="rId4"/>
-              </a:rPr>
-              <a:t>https://developer.mozilla.org/en-US/</a:t>
-            </a:r>
-            <a:endParaRPr lang="en-CA" dirty="0"/>
-          </a:p>
-          <a:p>
-            <a:pPr lvl="1"/>
-            <a:r>
-              <a:rPr lang="en-CA" dirty="0"/>
-              <a:t>More tutorials, more references</a:t>
-            </a:r>
-          </a:p>
-          <a:p>
-            <a:endParaRPr lang="en-CA" dirty="0"/>
-          </a:p>
-          <a:p>
-            <a:pPr marL="128016" lvl="1" indent="0">
-              <a:buNone/>
-            </a:pPr>
-            <a:endParaRPr lang="en-CA" dirty="0"/>
-          </a:p>
-          <a:p>
-            <a:endParaRPr lang="en-CA" dirty="0"/>
-          </a:p>
-          <a:p>
-            <a:endParaRPr lang="en-CA" dirty="0"/>
-          </a:p>
-          <a:p>
-            <a:pPr lvl="1"/>
-            <a:endParaRPr lang="en-CA" dirty="0"/>
-          </a:p>
-        </p:txBody>
-      </p:sp>
-    </p:spTree>
-    <p:extLst>
-      <p:ext uri="{BB962C8B-B14F-4D97-AF65-F5344CB8AC3E}">
-        <p14:creationId xmlns:p14="http://schemas.microsoft.com/office/powerpoint/2010/main" val="1059028407"/>
       </p:ext>
     </p:extLst>
   </p:cSld>
@@ -23976,7 +24818,7 @@
             </a:br>
             <a:r>
               <a:rPr lang="en-CA" sz="1200" dirty="0"/>
-              <a:t>older versions of CSS are written almost the same way, I think. </a:t>
+              <a:t>older versions of CSS are written almost the same way. At least CSS 2 is.  </a:t>
             </a:r>
           </a:p>
         </p:txBody>
@@ -24021,6 +24863,175 @@
     <p:extLst>
       <p:ext uri="{BB962C8B-B14F-4D97-AF65-F5344CB8AC3E}">
         <p14:creationId xmlns:p14="http://schemas.microsoft.com/office/powerpoint/2010/main" val="3901570965"/>
+      </p:ext>
+    </p:extLst>
+  </p:cSld>
+  <p:clrMapOvr>
+    <a:masterClrMapping/>
+  </p:clrMapOvr>
+</p:sld>
+</file>
+
+<file path=ppt/slides/slide30.xml><?xml version="1.0" encoding="utf-8"?>
+<p:sld xmlns:a="http://schemas.openxmlformats.org/drawingml/2006/main" xmlns:r="http://schemas.openxmlformats.org/officeDocument/2006/relationships" xmlns:p="http://schemas.openxmlformats.org/presentationml/2006/main">
+  <p:cSld>
+    <p:spTree>
+      <p:nvGrpSpPr>
+        <p:cNvPr id="1" name=""/>
+        <p:cNvGrpSpPr/>
+        <p:nvPr/>
+      </p:nvGrpSpPr>
+      <p:grpSpPr>
+        <a:xfrm>
+          <a:off x="0" y="0"/>
+          <a:ext cx="0" cy="0"/>
+          <a:chOff x="0" y="0"/>
+          <a:chExt cx="0" cy="0"/>
+        </a:xfrm>
+      </p:grpSpPr>
+      <p:sp>
+        <p:nvSpPr>
+          <p:cNvPr id="2" name="Title 1">
+            <a:extLst>
+              <a:ext uri="{FF2B5EF4-FFF2-40B4-BE49-F238E27FC236}">
+                <a16:creationId xmlns:a16="http://schemas.microsoft.com/office/drawing/2014/main" id="{EA9178DB-FF5A-4DEA-8081-A89999BAC8DE}"/>
+              </a:ext>
+            </a:extLst>
+          </p:cNvPr>
+          <p:cNvSpPr>
+            <a:spLocks noGrp="1"/>
+          </p:cNvSpPr>
+          <p:nvPr>
+            <p:ph type="title"/>
+          </p:nvPr>
+        </p:nvSpPr>
+        <p:spPr/>
+        <p:txBody>
+          <a:bodyPr/>
+          <a:lstStyle/>
+          <a:p>
+            <a:r>
+              <a:rPr lang="en-CA" dirty="0"/>
+              <a:t>Resources</a:t>
+            </a:r>
+          </a:p>
+        </p:txBody>
+      </p:sp>
+      <p:sp>
+        <p:nvSpPr>
+          <p:cNvPr id="3" name="Content Placeholder 2">
+            <a:extLst>
+              <a:ext uri="{FF2B5EF4-FFF2-40B4-BE49-F238E27FC236}">
+                <a16:creationId xmlns:a16="http://schemas.microsoft.com/office/drawing/2014/main" id="{75D53DAC-EF41-4B8C-813B-86A5CF29B80D}"/>
+              </a:ext>
+            </a:extLst>
+          </p:cNvPr>
+          <p:cNvSpPr>
+            <a:spLocks noGrp="1"/>
+          </p:cNvSpPr>
+          <p:nvPr>
+            <p:ph idx="1"/>
+          </p:nvPr>
+        </p:nvSpPr>
+        <p:spPr/>
+        <p:txBody>
+          <a:bodyPr>
+            <a:normAutofit lnSpcReduction="10000"/>
+          </a:bodyPr>
+          <a:lstStyle/>
+          <a:p>
+            <a:r>
+              <a:rPr lang="en-CA" dirty="0">
+                <a:hlinkClick r:id="rId2"/>
+              </a:rPr>
+              <a:t>https://www.w3schools.com/</a:t>
+            </a:r>
+            <a:endParaRPr lang="en-CA" dirty="0"/>
+          </a:p>
+          <a:p>
+            <a:pPr lvl="1"/>
+            <a:r>
+              <a:rPr lang="en-CA" dirty="0"/>
+              <a:t>Tutorials, extensive references (documentation)</a:t>
+            </a:r>
+          </a:p>
+          <a:p>
+            <a:pPr lvl="1"/>
+            <a:r>
+              <a:rPr lang="en-CA" dirty="0"/>
+              <a:t>If you learned a tenth of what’s here you’re hireable at Google</a:t>
+            </a:r>
+          </a:p>
+          <a:p>
+            <a:endParaRPr lang="en-CA" dirty="0"/>
+          </a:p>
+          <a:p>
+            <a:r>
+              <a:rPr lang="en-CA" dirty="0">
+                <a:hlinkClick r:id="rId3"/>
+              </a:rPr>
+              <a:t>https://stackoverflow.com</a:t>
+            </a:r>
+            <a:endParaRPr lang="en-CA" dirty="0"/>
+          </a:p>
+          <a:p>
+            <a:pPr lvl="1"/>
+            <a:r>
+              <a:rPr lang="en-CA" dirty="0"/>
+              <a:t>The #1 programing questions and answers website</a:t>
+            </a:r>
+          </a:p>
+          <a:p>
+            <a:pPr lvl="1"/>
+            <a:r>
+              <a:rPr lang="en-CA" dirty="0"/>
+              <a:t>Be careful about asking questions, it’s more useful to see previously answered questions (Yours probably isn’t new)</a:t>
+            </a:r>
+          </a:p>
+          <a:p>
+            <a:endParaRPr lang="en-CA" dirty="0"/>
+          </a:p>
+          <a:p>
+            <a:r>
+              <a:rPr lang="en-CA" dirty="0">
+                <a:hlinkClick r:id="rId4"/>
+              </a:rPr>
+              <a:t>https://developer.mozilla.org/en-US/</a:t>
+            </a:r>
+            <a:endParaRPr lang="en-CA" dirty="0"/>
+          </a:p>
+          <a:p>
+            <a:pPr lvl="1"/>
+            <a:r>
+              <a:rPr lang="en-CA" dirty="0"/>
+              <a:t>More tutorials, more references</a:t>
+            </a:r>
+          </a:p>
+          <a:p>
+            <a:endParaRPr lang="en-CA" dirty="0"/>
+          </a:p>
+          <a:p>
+            <a:pPr marL="128016" lvl="1" indent="0">
+              <a:buNone/>
+            </a:pPr>
+            <a:endParaRPr lang="en-CA" dirty="0"/>
+          </a:p>
+          <a:p>
+            <a:endParaRPr lang="en-CA" dirty="0"/>
+          </a:p>
+          <a:p>
+            <a:endParaRPr lang="en-CA" dirty="0"/>
+          </a:p>
+          <a:p>
+            <a:pPr lvl="1"/>
+            <a:endParaRPr lang="en-CA" dirty="0"/>
+          </a:p>
+        </p:txBody>
+      </p:sp>
+    </p:spTree>
+    <p:extLst>
+      <p:ext uri="{BB962C8B-B14F-4D97-AF65-F5344CB8AC3E}">
+        <p14:creationId xmlns:p14="http://schemas.microsoft.com/office/powerpoint/2010/main" val="1059028407"/>
       </p:ext>
     </p:extLst>
   </p:cSld>
@@ -24579,7 +25590,7 @@
           <p:cNvPr id="2" name="Title 1">
             <a:extLst>
               <a:ext uri="{FF2B5EF4-FFF2-40B4-BE49-F238E27FC236}">
-                <a16:creationId xmlns:a16="http://schemas.microsoft.com/office/drawing/2014/main" id="{17948176-505B-4C97-9A00-9C35FD64976F}"/>
+                <a16:creationId xmlns:a16="http://schemas.microsoft.com/office/drawing/2014/main" id="{F6015A8A-71CA-47A9-8AEF-C64690C0B519}"/>
               </a:ext>
             </a:extLst>
           </p:cNvPr>
@@ -24597,7 +25608,7 @@
           <a:p>
             <a:r>
               <a:rPr lang="en-CA" dirty="0"/>
-              <a:t>Some tags</a:t>
+              <a:t>HTML boilerplate</a:t>
             </a:r>
           </a:p>
         </p:txBody>
@@ -24607,7 +25618,7 @@
           <p:cNvPr id="3" name="Content Placeholder 2">
             <a:extLst>
               <a:ext uri="{FF2B5EF4-FFF2-40B4-BE49-F238E27FC236}">
-                <a16:creationId xmlns:a16="http://schemas.microsoft.com/office/drawing/2014/main" id="{65E65553-A502-4F06-A492-E3ED8B8E0D82}"/>
+                <a16:creationId xmlns:a16="http://schemas.microsoft.com/office/drawing/2014/main" id="{DEEDBD89-DC43-4245-91F2-70192FD321AA}"/>
               </a:ext>
             </a:extLst>
           </p:cNvPr>
@@ -24618,14 +25629,92 @@
             <p:ph idx="1"/>
           </p:nvPr>
         </p:nvSpPr>
-        <p:spPr/>
+        <p:spPr>
+          <a:xfrm>
+            <a:off x="1024128" y="5072490"/>
+            <a:ext cx="9720073" cy="1236869"/>
+          </a:xfrm>
+        </p:spPr>
         <p:txBody>
-          <a:bodyPr/>
+          <a:bodyPr>
+            <a:normAutofit/>
+          </a:bodyPr>
           <a:lstStyle/>
           <a:p>
+            <a:pPr marL="0" indent="0">
+              <a:buNone/>
+            </a:pPr>
+            <a:endParaRPr lang="en-CA" dirty="0">
+              <a:latin typeface="Arial" panose="020B0604020202020204" pitchFamily="34" charset="0"/>
+              <a:cs typeface="Arial" panose="020B0604020202020204" pitchFamily="34" charset="0"/>
+            </a:endParaRPr>
+          </a:p>
+        </p:txBody>
+      </p:sp>
+      <p:sp>
+        <p:nvSpPr>
+          <p:cNvPr id="4" name="Rectangle 3">
+            <a:extLst>
+              <a:ext uri="{FF2B5EF4-FFF2-40B4-BE49-F238E27FC236}">
+                <a16:creationId xmlns:a16="http://schemas.microsoft.com/office/drawing/2014/main" id="{378E1563-0330-41F9-B016-70DC2261060E}"/>
+              </a:ext>
+            </a:extLst>
+          </p:cNvPr>
+          <p:cNvSpPr/>
+          <p:nvPr/>
+        </p:nvSpPr>
+        <p:spPr>
+          <a:xfrm>
+            <a:off x="1115505" y="2036190"/>
+            <a:ext cx="6096000" cy="2585323"/>
+          </a:xfrm>
+          <a:prstGeom prst="rect">
+            <a:avLst/>
+          </a:prstGeom>
+        </p:spPr>
+        <p:txBody>
+          <a:bodyPr>
+            <a:spAutoFit/>
+          </a:bodyPr>
+          <a:lstStyle/>
+          <a:p>
             <a:r>
               <a:rPr lang="en-CA" dirty="0"/>
-              <a:t>&lt;h1&gt; HEADER TEXT &lt;/h1&gt;  ,  &lt;h2&gt; Header Text &lt;/h2&gt; ….  &lt;h6&gt; text &lt;/h6&gt;</a:t>
+              <a:t>&lt;!DOCTYPE html&gt;</a:t>
+            </a:r>
+          </a:p>
+          <a:p>
+            <a:r>
+              <a:rPr lang="en-CA" dirty="0">
+                <a:highlight>
+                  <a:srgbClr val="FFFF00"/>
+                </a:highlight>
+              </a:rPr>
+              <a:t>&lt;html&gt;</a:t>
+            </a:r>
+          </a:p>
+          <a:p>
+            <a:r>
+              <a:rPr lang="en-CA" dirty="0"/>
+              <a:t>&lt;head&gt;</a:t>
+            </a:r>
+          </a:p>
+          <a:p>
+            <a:r>
+              <a:rPr lang="en-CA" dirty="0"/>
+              <a:t>	&lt;title&gt;&lt;/title&gt;</a:t>
+            </a:r>
+          </a:p>
+          <a:p>
+            <a:r>
+              <a:rPr lang="en-CA" dirty="0"/>
+              <a:t>&lt;/head&gt;</a:t>
+            </a:r>
+          </a:p>
+          <a:p>
+            <a:r>
+              <a:rPr lang="en-CA" dirty="0"/>
+              <a:t>&lt;body&gt;</a:t>
             </a:r>
           </a:p>
           <a:p>
@@ -24634,65 +25723,17 @@
           <a:p>
             <a:r>
               <a:rPr lang="en-CA" dirty="0"/>
-              <a:t>&lt;p&gt; Paragraph of text &lt;/p&gt;</a:t>
-            </a:r>
-          </a:p>
-          <a:p>
-            <a:endParaRPr lang="en-CA" dirty="0"/>
-          </a:p>
-          <a:p>
-            <a:r>
-              <a:rPr lang="en-CA" dirty="0"/>
-              <a:t>&lt;</a:t>
-            </a:r>
-            <a:r>
-              <a:rPr lang="en-CA" dirty="0" err="1"/>
-              <a:t>img</a:t>
-            </a:r>
-            <a:r>
-              <a:rPr lang="en-CA" dirty="0"/>
-              <a:t> </a:t>
-            </a:r>
-            <a:r>
-              <a:rPr lang="en-CA" dirty="0" err="1"/>
-              <a:t>src</a:t>
-            </a:r>
-            <a:r>
-              <a:rPr lang="en-CA" dirty="0"/>
-              <a:t>=“</a:t>
-            </a:r>
+              <a:t>&lt;/body&gt;</a:t>
+            </a:r>
+          </a:p>
+          <a:p>
             <a:r>
               <a:rPr lang="en-CA" dirty="0">
-                <a:hlinkClick r:id="rId2"/>
+                <a:highlight>
+                  <a:srgbClr val="FFFF00"/>
+                </a:highlight>
               </a:rPr>
-              <a:t>https://www.website.com/</a:t>
-            </a:r>
-            <a:r>
-              <a:rPr lang="en-CA" dirty="0" err="1">
-                <a:hlinkClick r:id="rId2"/>
-              </a:rPr>
-              <a:t>picture_url</a:t>
-            </a:r>
-            <a:r>
-              <a:rPr lang="en-CA" dirty="0"/>
-              <a:t>”&gt;</a:t>
-            </a:r>
-          </a:p>
-          <a:p>
-            <a:endParaRPr lang="en-CA" dirty="0"/>
-          </a:p>
-          <a:p>
-            <a:r>
-              <a:rPr lang="en-CA" dirty="0"/>
-              <a:t>&lt;a </a:t>
-            </a:r>
-            <a:r>
-              <a:rPr lang="en-CA" dirty="0" err="1"/>
-              <a:t>href</a:t>
-            </a:r>
-            <a:r>
-              <a:rPr lang="en-CA" dirty="0"/>
-              <a:t>=“https://www.google.com”&gt;This is a hyper link now&lt;/a&gt;</a:t>
+              <a:t>&lt;/html&gt;</a:t>
             </a:r>
           </a:p>
         </p:txBody>
@@ -24700,7 +25741,7 @@
     </p:spTree>
     <p:extLst>
       <p:ext uri="{BB962C8B-B14F-4D97-AF65-F5344CB8AC3E}">
-        <p14:creationId xmlns:p14="http://schemas.microsoft.com/office/powerpoint/2010/main" val="516651721"/>
+        <p14:creationId xmlns:p14="http://schemas.microsoft.com/office/powerpoint/2010/main" val="3856118768"/>
       </p:ext>
     </p:extLst>
   </p:cSld>
@@ -24732,7 +25773,7 @@
           <p:cNvPr id="2" name="Title 1">
             <a:extLst>
               <a:ext uri="{FF2B5EF4-FFF2-40B4-BE49-F238E27FC236}">
-                <a16:creationId xmlns:a16="http://schemas.microsoft.com/office/drawing/2014/main" id="{A68AD763-2AE1-4780-9C84-89AD5CAB1075}"/>
+                <a16:creationId xmlns:a16="http://schemas.microsoft.com/office/drawing/2014/main" id="{F6015A8A-71CA-47A9-8AEF-C64690C0B519}"/>
               </a:ext>
             </a:extLst>
           </p:cNvPr>
@@ -24750,7 +25791,7 @@
           <a:p>
             <a:r>
               <a:rPr lang="en-CA" dirty="0"/>
-              <a:t>Lists</a:t>
+              <a:t>HTML boilerplate</a:t>
             </a:r>
           </a:p>
         </p:txBody>
@@ -24760,7 +25801,7 @@
           <p:cNvPr id="3" name="Content Placeholder 2">
             <a:extLst>
               <a:ext uri="{FF2B5EF4-FFF2-40B4-BE49-F238E27FC236}">
-                <a16:creationId xmlns:a16="http://schemas.microsoft.com/office/drawing/2014/main" id="{EAC68C00-D7C8-4738-BC49-310616F38F74}"/>
+                <a16:creationId xmlns:a16="http://schemas.microsoft.com/office/drawing/2014/main" id="{DEEDBD89-DC43-4245-91F2-70192FD321AA}"/>
               </a:ext>
             </a:extLst>
           </p:cNvPr>
@@ -24771,92 +25812,111 @@
             <p:ph idx="1"/>
           </p:nvPr>
         </p:nvSpPr>
-        <p:spPr/>
+        <p:spPr>
+          <a:xfrm>
+            <a:off x="1024128" y="5072490"/>
+            <a:ext cx="9720073" cy="1236869"/>
+          </a:xfrm>
+        </p:spPr>
         <p:txBody>
-          <a:bodyPr/>
+          <a:bodyPr>
+            <a:normAutofit/>
+          </a:bodyPr>
           <a:lstStyle/>
-          <a:p>
-            <a:r>
-              <a:rPr lang="en-CA" dirty="0"/>
-              <a:t>&lt;ul&gt;</a:t>
-            </a:r>
-          </a:p>
           <a:p>
             <a:pPr marL="0" indent="0">
               <a:buNone/>
             </a:pPr>
+            <a:endParaRPr lang="en-CA" dirty="0">
+              <a:latin typeface="Arial" panose="020B0604020202020204" pitchFamily="34" charset="0"/>
+              <a:cs typeface="Arial" panose="020B0604020202020204" pitchFamily="34" charset="0"/>
+            </a:endParaRPr>
+          </a:p>
+        </p:txBody>
+      </p:sp>
+      <p:sp>
+        <p:nvSpPr>
+          <p:cNvPr id="4" name="Rectangle 3">
+            <a:extLst>
+              <a:ext uri="{FF2B5EF4-FFF2-40B4-BE49-F238E27FC236}">
+                <a16:creationId xmlns:a16="http://schemas.microsoft.com/office/drawing/2014/main" id="{378E1563-0330-41F9-B016-70DC2261060E}"/>
+              </a:ext>
+            </a:extLst>
+          </p:cNvPr>
+          <p:cNvSpPr/>
+          <p:nvPr/>
+        </p:nvSpPr>
+        <p:spPr>
+          <a:xfrm>
+            <a:off x="1115505" y="2036190"/>
+            <a:ext cx="6096000" cy="2585323"/>
+          </a:xfrm>
+          <a:prstGeom prst="rect">
+            <a:avLst/>
+          </a:prstGeom>
+        </p:spPr>
+        <p:txBody>
+          <a:bodyPr>
+            <a:spAutoFit/>
+          </a:bodyPr>
+          <a:lstStyle/>
+          <a:p>
             <a:r>
               <a:rPr lang="en-CA" dirty="0"/>
-              <a:t>    &lt;li&gt;Thing 1&lt;/li&gt;</a:t>
-            </a:r>
-          </a:p>
-          <a:p>
-            <a:pPr marL="0" indent="0">
-              <a:buNone/>
-            </a:pPr>
+              <a:t>&lt;!DOCTYPE html&gt;</a:t>
+            </a:r>
+          </a:p>
+          <a:p>
             <a:r>
               <a:rPr lang="en-CA" dirty="0"/>
-              <a:t>    &lt;li&gt;Thing 2&lt;/li&gt;</a:t>
-            </a:r>
-          </a:p>
-          <a:p>
-            <a:pPr marL="0" indent="0">
-              <a:buNone/>
-            </a:pPr>
+              <a:t>&lt;html&gt;</a:t>
+            </a:r>
+          </a:p>
+          <a:p>
+            <a:r>
+              <a:rPr lang="en-CA" dirty="0">
+                <a:highlight>
+                  <a:srgbClr val="FFFF00"/>
+                </a:highlight>
+              </a:rPr>
+              <a:t>&lt;head&gt;</a:t>
+            </a:r>
+          </a:p>
+          <a:p>
             <a:r>
               <a:rPr lang="en-CA" dirty="0"/>
-              <a:t>&lt;/ul&gt;</a:t>
-            </a:r>
-          </a:p>
-          <a:p>
-            <a:pPr marL="0" indent="0">
-              <a:buNone/>
-            </a:pPr>
+              <a:t>	&lt;title&gt;&lt;/title&gt;</a:t>
+            </a:r>
+          </a:p>
+          <a:p>
+            <a:r>
+              <a:rPr lang="en-CA" dirty="0">
+                <a:highlight>
+                  <a:srgbClr val="FFFF00"/>
+                </a:highlight>
+              </a:rPr>
+              <a:t>&lt;/head&gt;</a:t>
+            </a:r>
+          </a:p>
+          <a:p>
+            <a:r>
+              <a:rPr lang="en-CA" dirty="0"/>
+              <a:t>&lt;body&gt;</a:t>
+            </a:r>
+          </a:p>
+          <a:p>
             <a:endParaRPr lang="en-CA" dirty="0"/>
           </a:p>
           <a:p>
-            <a:pPr marL="0" indent="0">
-              <a:buNone/>
-            </a:pPr>
             <a:r>
               <a:rPr lang="en-CA" dirty="0"/>
-              <a:t>Or use &lt;</a:t>
-            </a:r>
-            <a:r>
-              <a:rPr lang="en-CA" dirty="0" err="1"/>
-              <a:t>ol</a:t>
-            </a:r>
+              <a:t>&lt;/body&gt;</a:t>
+            </a:r>
+          </a:p>
+          <a:p>
             <a:r>
               <a:rPr lang="en-CA" dirty="0"/>
-              <a:t>&gt; for an </a:t>
-            </a:r>
-            <a:r>
-              <a:rPr lang="en-CA" b="1" dirty="0"/>
-              <a:t>ordered</a:t>
-            </a:r>
-            <a:r>
-              <a:rPr lang="en-CA" dirty="0"/>
-              <a:t> list</a:t>
-            </a:r>
-          </a:p>
-          <a:p>
-            <a:pPr>
-              <a:buFont typeface="Arial" panose="020B0604020202020204" pitchFamily="34" charset="0"/>
-              <a:buChar char="•"/>
-            </a:pPr>
-            <a:r>
-              <a:rPr lang="en-CA" dirty="0"/>
-              <a:t> This these points</a:t>
-            </a:r>
-          </a:p>
-          <a:p>
-            <a:pPr marL="457200" indent="-457200">
-              <a:buFont typeface="+mj-lt"/>
-              <a:buAutoNum type="arabicPeriod"/>
-            </a:pPr>
-            <a:r>
-              <a:rPr lang="en-CA" dirty="0"/>
-              <a:t>Vs. these points (this would be the ordered list element)</a:t>
+              <a:t>&lt;/html&gt;</a:t>
             </a:r>
           </a:p>
         </p:txBody>
@@ -24864,7 +25924,7 @@
     </p:spTree>
     <p:extLst>
       <p:ext uri="{BB962C8B-B14F-4D97-AF65-F5344CB8AC3E}">
-        <p14:creationId xmlns:p14="http://schemas.microsoft.com/office/powerpoint/2010/main" val="3972085750"/>
+        <p14:creationId xmlns:p14="http://schemas.microsoft.com/office/powerpoint/2010/main" val="311169712"/>
       </p:ext>
     </p:extLst>
   </p:cSld>
